--- a/BasisWireframe_SL.pptx
+++ b/BasisWireframe_SL.pptx
@@ -5,13 +5,16 @@
     <p:sldMasterId id="2147483648" r:id="rId1"/>
   </p:sldMasterIdLst>
   <p:notesMasterIdLst>
-    <p:notesMasterId r:id="rId6"/>
+    <p:notesMasterId r:id="rId9"/>
   </p:notesMasterIdLst>
   <p:sldIdLst>
     <p:sldId id="257" r:id="rId2"/>
     <p:sldId id="256" r:id="rId3"/>
     <p:sldId id="259" r:id="rId4"/>
     <p:sldId id="258" r:id="rId5"/>
+    <p:sldId id="260" r:id="rId6"/>
+    <p:sldId id="261" r:id="rId7"/>
+    <p:sldId id="262" r:id="rId8"/>
   </p:sldIdLst>
   <p:sldSz cx="12192000" cy="6858000"/>
   <p:notesSz cx="6858000" cy="9144000"/>
@@ -110,6 +113,30 @@
       </a:defRPr>
     </a:lvl9pPr>
   </p:defaultTextStyle>
+  <p:extLst>
+    <p:ext uri="{521415D9-36F7-43E2-AB2F-B90AF26B5E84}">
+      <p14:sectionLst xmlns:p14="http://schemas.microsoft.com/office/powerpoint/2010/main">
+        <p14:section name="Standaardsectie" id="{802F04CD-31CC-4880-BC44-1FCF8F34C46C}">
+          <p14:sldIdLst>
+            <p14:sldId id="257"/>
+            <p14:sldId id="256"/>
+            <p14:sldId id="259"/>
+            <p14:sldId id="258"/>
+          </p14:sldIdLst>
+        </p14:section>
+        <p14:section name="Extra feature 1" id="{6543A2E1-3632-41B1-9D1A-84D1140263AE}">
+          <p14:sldIdLst>
+            <p14:sldId id="260"/>
+            <p14:sldId id="261"/>
+            <p14:sldId id="262"/>
+          </p14:sldIdLst>
+        </p14:section>
+      </p14:sectionLst>
+    </p:ext>
+    <p:ext uri="{EFAFB233-063F-42B5-8137-9DF3F51BA10A}">
+      <p15:sldGuideLst xmlns:p15="http://schemas.microsoft.com/office/powerpoint/2012/main"/>
+    </p:ext>
+  </p:extLst>
 </p:presentation>
 </file>
 
@@ -856,6 +883,321 @@
 </p:notes>
 </file>
 
+<file path=ppt/notesSlides/notesSlide5.xml><?xml version="1.0" encoding="utf-8"?>
+<p:notes xmlns:a="http://schemas.openxmlformats.org/drawingml/2006/main" xmlns:r="http://schemas.openxmlformats.org/officeDocument/2006/relationships" xmlns:p="http://schemas.openxmlformats.org/presentationml/2006/main">
+  <p:cSld>
+    <p:spTree>
+      <p:nvGrpSpPr>
+        <p:cNvPr id="1" name=""/>
+        <p:cNvGrpSpPr/>
+        <p:nvPr/>
+      </p:nvGrpSpPr>
+      <p:grpSpPr>
+        <a:xfrm>
+          <a:off x="0" y="0"/>
+          <a:ext cx="0" cy="0"/>
+          <a:chOff x="0" y="0"/>
+          <a:chExt cx="0" cy="0"/>
+        </a:xfrm>
+      </p:grpSpPr>
+      <p:sp>
+        <p:nvSpPr>
+          <p:cNvPr id="2" name="Tijdelijke aanduiding voor dia-afbeelding 1"/>
+          <p:cNvSpPr>
+            <a:spLocks noGrp="1" noRot="1" noChangeAspect="1"/>
+          </p:cNvSpPr>
+          <p:nvPr>
+            <p:ph type="sldImg"/>
+          </p:nvPr>
+        </p:nvSpPr>
+        <p:spPr/>
+      </p:sp>
+      <p:sp>
+        <p:nvSpPr>
+          <p:cNvPr id="3" name="Tijdelijke aanduiding voor notities 2"/>
+          <p:cNvSpPr>
+            <a:spLocks noGrp="1"/>
+          </p:cNvSpPr>
+          <p:nvPr>
+            <p:ph type="body" idx="1"/>
+          </p:nvPr>
+        </p:nvSpPr>
+        <p:spPr/>
+        <p:txBody>
+          <a:bodyPr/>
+          <a:lstStyle/>
+          <a:p>
+            <a:r>
+              <a:rPr lang="nl-BE" dirty="0"/>
+              <a:t>Indien de</a:t>
+            </a:r>
+            <a:r>
+              <a:rPr lang="nl-BE" baseline="0" dirty="0"/>
+              <a:t> gebruiker op de foto zelf heeft gedrukt, wordt de gebruiker doorverwezen naar een nieuwe pagina waar deze afbeelding in het groot wordt getoond.</a:t>
+            </a:r>
+          </a:p>
+          <a:p>
+            <a:endParaRPr lang="nl-BE" baseline="0" dirty="0"/>
+          </a:p>
+          <a:p>
+            <a:r>
+              <a:rPr lang="nl-BE" baseline="0" dirty="0"/>
+              <a:t>Onderaan bevind zich extra info over de titel van de afbeelding en de auteur (indien de gebruiker op de auteur klikt wordt deze doorverwezen naar de pagina met de foto’s van de auteur).</a:t>
+            </a:r>
+          </a:p>
+          <a:p>
+            <a:endParaRPr lang="nl-BE" baseline="0" dirty="0"/>
+          </a:p>
+          <a:p>
+            <a:r>
+              <a:rPr lang="nl-BE" baseline="0" dirty="0"/>
+              <a:t>Indien de gebruiker hier op locatie drukt wordt hij doorverwezen naar een pagina met extra foto’s van uit de buurt van de locatie.</a:t>
+            </a:r>
+          </a:p>
+          <a:p>
+            <a:r>
+              <a:rPr lang="nl-BE" baseline="0" dirty="0"/>
+              <a:t>Indien hij weer op de foto zelf drukt wordt hij doorverwezen naar een pagina waar je de foto kan downloaden.</a:t>
+            </a:r>
+            <a:endParaRPr lang="nl-BE" dirty="0"/>
+          </a:p>
+        </p:txBody>
+      </p:sp>
+      <p:sp>
+        <p:nvSpPr>
+          <p:cNvPr id="4" name="Tijdelijke aanduiding voor dianummer 3"/>
+          <p:cNvSpPr>
+            <a:spLocks noGrp="1"/>
+          </p:cNvSpPr>
+          <p:nvPr>
+            <p:ph type="sldNum" sz="quarter" idx="10"/>
+          </p:nvPr>
+        </p:nvSpPr>
+        <p:spPr/>
+        <p:txBody>
+          <a:bodyPr/>
+          <a:lstStyle/>
+          <a:p>
+            <a:fld id="{4003FF78-445D-4257-8F4B-63464B868E86}" type="slidenum">
+              <a:rPr lang="nl-BE" smtClean="0"/>
+              <a:t>5</a:t>
+            </a:fld>
+            <a:endParaRPr lang="nl-BE"/>
+          </a:p>
+        </p:txBody>
+      </p:sp>
+    </p:spTree>
+    <p:extLst>
+      <p:ext uri="{BB962C8B-B14F-4D97-AF65-F5344CB8AC3E}">
+        <p14:creationId xmlns:p14="http://schemas.microsoft.com/office/powerpoint/2010/main" val="273500003"/>
+      </p:ext>
+    </p:extLst>
+  </p:cSld>
+  <p:clrMapOvr>
+    <a:masterClrMapping/>
+  </p:clrMapOvr>
+</p:notes>
+</file>
+
+<file path=ppt/notesSlides/notesSlide6.xml><?xml version="1.0" encoding="utf-8"?>
+<p:notes xmlns:a="http://schemas.openxmlformats.org/drawingml/2006/main" xmlns:r="http://schemas.openxmlformats.org/officeDocument/2006/relationships" xmlns:p="http://schemas.openxmlformats.org/presentationml/2006/main">
+  <p:cSld>
+    <p:spTree>
+      <p:nvGrpSpPr>
+        <p:cNvPr id="1" name=""/>
+        <p:cNvGrpSpPr/>
+        <p:nvPr/>
+      </p:nvGrpSpPr>
+      <p:grpSpPr>
+        <a:xfrm>
+          <a:off x="0" y="0"/>
+          <a:ext cx="0" cy="0"/>
+          <a:chOff x="0" y="0"/>
+          <a:chExt cx="0" cy="0"/>
+        </a:xfrm>
+      </p:grpSpPr>
+      <p:sp>
+        <p:nvSpPr>
+          <p:cNvPr id="2" name="Tijdelijke aanduiding voor dia-afbeelding 1"/>
+          <p:cNvSpPr>
+            <a:spLocks noGrp="1" noRot="1" noChangeAspect="1"/>
+          </p:cNvSpPr>
+          <p:nvPr>
+            <p:ph type="sldImg"/>
+          </p:nvPr>
+        </p:nvSpPr>
+        <p:spPr/>
+      </p:sp>
+      <p:sp>
+        <p:nvSpPr>
+          <p:cNvPr id="3" name="Tijdelijke aanduiding voor notities 2"/>
+          <p:cNvSpPr>
+            <a:spLocks noGrp="1"/>
+          </p:cNvSpPr>
+          <p:nvPr>
+            <p:ph type="body" idx="1"/>
+          </p:nvPr>
+        </p:nvSpPr>
+        <p:spPr/>
+        <p:txBody>
+          <a:bodyPr/>
+          <a:lstStyle/>
+          <a:p>
+            <a:r>
+              <a:rPr lang="nl-BE" dirty="0"/>
+              <a:t>Hier ziet</a:t>
+            </a:r>
+            <a:r>
+              <a:rPr lang="nl-BE" baseline="0" dirty="0"/>
+              <a:t> de gebruiker de andere foto’s die in de buurt van de opgevraagde foto liggen.</a:t>
+            </a:r>
+            <a:endParaRPr lang="nl-BE" dirty="0"/>
+          </a:p>
+        </p:txBody>
+      </p:sp>
+      <p:sp>
+        <p:nvSpPr>
+          <p:cNvPr id="4" name="Tijdelijke aanduiding voor dianummer 3"/>
+          <p:cNvSpPr>
+            <a:spLocks noGrp="1"/>
+          </p:cNvSpPr>
+          <p:nvPr>
+            <p:ph type="sldNum" sz="quarter" idx="10"/>
+          </p:nvPr>
+        </p:nvSpPr>
+        <p:spPr/>
+        <p:txBody>
+          <a:bodyPr/>
+          <a:lstStyle/>
+          <a:p>
+            <a:fld id="{4003FF78-445D-4257-8F4B-63464B868E86}" type="slidenum">
+              <a:rPr lang="nl-BE" smtClean="0"/>
+              <a:t>6</a:t>
+            </a:fld>
+            <a:endParaRPr lang="nl-BE"/>
+          </a:p>
+        </p:txBody>
+      </p:sp>
+    </p:spTree>
+    <p:extLst>
+      <p:ext uri="{BB962C8B-B14F-4D97-AF65-F5344CB8AC3E}">
+        <p14:creationId xmlns:p14="http://schemas.microsoft.com/office/powerpoint/2010/main" val="4095183989"/>
+      </p:ext>
+    </p:extLst>
+  </p:cSld>
+  <p:clrMapOvr>
+    <a:masterClrMapping/>
+  </p:clrMapOvr>
+</p:notes>
+</file>
+
+<file path=ppt/notesSlides/notesSlide7.xml><?xml version="1.0" encoding="utf-8"?>
+<p:notes xmlns:a="http://schemas.openxmlformats.org/drawingml/2006/main" xmlns:r="http://schemas.openxmlformats.org/officeDocument/2006/relationships" xmlns:p="http://schemas.openxmlformats.org/presentationml/2006/main">
+  <p:cSld>
+    <p:spTree>
+      <p:nvGrpSpPr>
+        <p:cNvPr id="1" name=""/>
+        <p:cNvGrpSpPr/>
+        <p:nvPr/>
+      </p:nvGrpSpPr>
+      <p:grpSpPr>
+        <a:xfrm>
+          <a:off x="0" y="0"/>
+          <a:ext cx="0" cy="0"/>
+          <a:chOff x="0" y="0"/>
+          <a:chExt cx="0" cy="0"/>
+        </a:xfrm>
+      </p:grpSpPr>
+      <p:sp>
+        <p:nvSpPr>
+          <p:cNvPr id="2" name="Tijdelijke aanduiding voor dia-afbeelding 1"/>
+          <p:cNvSpPr>
+            <a:spLocks noGrp="1" noRot="1" noChangeAspect="1"/>
+          </p:cNvSpPr>
+          <p:nvPr>
+            <p:ph type="sldImg"/>
+          </p:nvPr>
+        </p:nvSpPr>
+        <p:spPr/>
+      </p:sp>
+      <p:sp>
+        <p:nvSpPr>
+          <p:cNvPr id="3" name="Tijdelijke aanduiding voor notities 2"/>
+          <p:cNvSpPr>
+            <a:spLocks noGrp="1"/>
+          </p:cNvSpPr>
+          <p:nvPr>
+            <p:ph type="body" idx="1"/>
+          </p:nvPr>
+        </p:nvSpPr>
+        <p:spPr/>
+        <p:txBody>
+          <a:bodyPr/>
+          <a:lstStyle/>
+          <a:p>
+            <a:r>
+              <a:rPr lang="nl-BE" dirty="0"/>
+              <a:t>Hier komt de</a:t>
+            </a:r>
+            <a:r>
+              <a:rPr lang="nl-BE" baseline="0" dirty="0"/>
+              <a:t> gebruiker op een pagina terecht waar hij de foto kan downloaden om zelf iets mee te doen. </a:t>
+            </a:r>
+          </a:p>
+          <a:p>
+            <a:endParaRPr lang="nl-BE" baseline="0" dirty="0"/>
+          </a:p>
+          <a:p>
+            <a:r>
+              <a:rPr lang="nl-BE" baseline="0" dirty="0"/>
+              <a:t>Onderaan kan hij een keuze maken: drukt hij op ja wordt de foto gedownload en keert hij erna helemaal terug naar het begin.</a:t>
+            </a:r>
+          </a:p>
+          <a:p>
+            <a:r>
+              <a:rPr lang="nl-BE" baseline="0" dirty="0"/>
+              <a:t>Indien hij nee antwoordde keert hij automatisch terug naar het begin.</a:t>
+            </a:r>
+            <a:endParaRPr lang="nl-BE" dirty="0"/>
+          </a:p>
+        </p:txBody>
+      </p:sp>
+      <p:sp>
+        <p:nvSpPr>
+          <p:cNvPr id="4" name="Tijdelijke aanduiding voor dianummer 3"/>
+          <p:cNvSpPr>
+            <a:spLocks noGrp="1"/>
+          </p:cNvSpPr>
+          <p:nvPr>
+            <p:ph type="sldNum" sz="quarter" idx="10"/>
+          </p:nvPr>
+        </p:nvSpPr>
+        <p:spPr/>
+        <p:txBody>
+          <a:bodyPr/>
+          <a:lstStyle/>
+          <a:p>
+            <a:fld id="{4003FF78-445D-4257-8F4B-63464B868E86}" type="slidenum">
+              <a:rPr lang="nl-BE" smtClean="0"/>
+              <a:t>7</a:t>
+            </a:fld>
+            <a:endParaRPr lang="nl-BE"/>
+          </a:p>
+        </p:txBody>
+      </p:sp>
+    </p:spTree>
+    <p:extLst>
+      <p:ext uri="{BB962C8B-B14F-4D97-AF65-F5344CB8AC3E}">
+        <p14:creationId xmlns:p14="http://schemas.microsoft.com/office/powerpoint/2010/main" val="334290938"/>
+      </p:ext>
+    </p:extLst>
+  </p:cSld>
+  <p:clrMapOvr>
+    <a:masterClrMapping/>
+  </p:clrMapOvr>
+</p:notes>
+</file>
+
 <file path=ppt/slideLayouts/slideLayout1.xml><?xml version="1.0" encoding="utf-8"?>
 <p:sldLayout xmlns:a="http://schemas.openxmlformats.org/drawingml/2006/main" xmlns:r="http://schemas.openxmlformats.org/officeDocument/2006/relationships" xmlns:p="http://schemas.openxmlformats.org/presentationml/2006/main" type="title" preserve="1">
   <p:cSld name="Titeldia">
@@ -987,7 +1329,7 @@
           <a:p>
             <a:fld id="{8FE1BEE6-6C72-4D00-AD27-56DD582BC394}" type="datetimeFigureOut">
               <a:rPr lang="nl-BE" smtClean="0"/>
-              <a:t>14/03/2017</a:t>
+              <a:t>15/03/2017</a:t>
             </a:fld>
             <a:endParaRPr lang="nl-BE"/>
           </a:p>
@@ -1157,7 +1499,7 @@
           <a:p>
             <a:fld id="{8FE1BEE6-6C72-4D00-AD27-56DD582BC394}" type="datetimeFigureOut">
               <a:rPr lang="nl-BE" smtClean="0"/>
-              <a:t>14/03/2017</a:t>
+              <a:t>15/03/2017</a:t>
             </a:fld>
             <a:endParaRPr lang="nl-BE"/>
           </a:p>
@@ -1337,7 +1679,7 @@
           <a:p>
             <a:fld id="{8FE1BEE6-6C72-4D00-AD27-56DD582BC394}" type="datetimeFigureOut">
               <a:rPr lang="nl-BE" smtClean="0"/>
-              <a:t>14/03/2017</a:t>
+              <a:t>15/03/2017</a:t>
             </a:fld>
             <a:endParaRPr lang="nl-BE"/>
           </a:p>
@@ -1507,7 +1849,7 @@
           <a:p>
             <a:fld id="{8FE1BEE6-6C72-4D00-AD27-56DD582BC394}" type="datetimeFigureOut">
               <a:rPr lang="nl-BE" smtClean="0"/>
-              <a:t>14/03/2017</a:t>
+              <a:t>15/03/2017</a:t>
             </a:fld>
             <a:endParaRPr lang="nl-BE"/>
           </a:p>
@@ -1753,7 +2095,7 @@
           <a:p>
             <a:fld id="{8FE1BEE6-6C72-4D00-AD27-56DD582BC394}" type="datetimeFigureOut">
               <a:rPr lang="nl-BE" smtClean="0"/>
-              <a:t>14/03/2017</a:t>
+              <a:t>15/03/2017</a:t>
             </a:fld>
             <a:endParaRPr lang="nl-BE"/>
           </a:p>
@@ -1985,7 +2327,7 @@
           <a:p>
             <a:fld id="{8FE1BEE6-6C72-4D00-AD27-56DD582BC394}" type="datetimeFigureOut">
               <a:rPr lang="nl-BE" smtClean="0"/>
-              <a:t>14/03/2017</a:t>
+              <a:t>15/03/2017</a:t>
             </a:fld>
             <a:endParaRPr lang="nl-BE"/>
           </a:p>
@@ -2352,7 +2694,7 @@
           <a:p>
             <a:fld id="{8FE1BEE6-6C72-4D00-AD27-56DD582BC394}" type="datetimeFigureOut">
               <a:rPr lang="nl-BE" smtClean="0"/>
-              <a:t>14/03/2017</a:t>
+              <a:t>15/03/2017</a:t>
             </a:fld>
             <a:endParaRPr lang="nl-BE"/>
           </a:p>
@@ -2470,7 +2812,7 @@
           <a:p>
             <a:fld id="{8FE1BEE6-6C72-4D00-AD27-56DD582BC394}" type="datetimeFigureOut">
               <a:rPr lang="nl-BE" smtClean="0"/>
-              <a:t>14/03/2017</a:t>
+              <a:t>15/03/2017</a:t>
             </a:fld>
             <a:endParaRPr lang="nl-BE"/>
           </a:p>
@@ -2565,7 +2907,7 @@
           <a:p>
             <a:fld id="{8FE1BEE6-6C72-4D00-AD27-56DD582BC394}" type="datetimeFigureOut">
               <a:rPr lang="nl-BE" smtClean="0"/>
-              <a:t>14/03/2017</a:t>
+              <a:t>15/03/2017</a:t>
             </a:fld>
             <a:endParaRPr lang="nl-BE"/>
           </a:p>
@@ -2842,7 +3184,7 @@
           <a:p>
             <a:fld id="{8FE1BEE6-6C72-4D00-AD27-56DD582BC394}" type="datetimeFigureOut">
               <a:rPr lang="nl-BE" smtClean="0"/>
-              <a:t>14/03/2017</a:t>
+              <a:t>15/03/2017</a:t>
             </a:fld>
             <a:endParaRPr lang="nl-BE"/>
           </a:p>
@@ -3095,7 +3437,7 @@
           <a:p>
             <a:fld id="{8FE1BEE6-6C72-4D00-AD27-56DD582BC394}" type="datetimeFigureOut">
               <a:rPr lang="nl-BE" smtClean="0"/>
-              <a:t>14/03/2017</a:t>
+              <a:t>15/03/2017</a:t>
             </a:fld>
             <a:endParaRPr lang="nl-BE"/>
           </a:p>
@@ -3308,7 +3650,7 @@
           <a:p>
             <a:fld id="{8FE1BEE6-6C72-4D00-AD27-56DD582BC394}" type="datetimeFigureOut">
               <a:rPr lang="nl-BE" smtClean="0"/>
-              <a:t>14/03/2017</a:t>
+              <a:t>15/03/2017</a:t>
             </a:fld>
             <a:endParaRPr lang="nl-BE"/>
           </a:p>
@@ -5787,6 +6129,1501 @@
     <p:extLst>
       <p:ext uri="{BB962C8B-B14F-4D97-AF65-F5344CB8AC3E}">
         <p14:creationId xmlns:p14="http://schemas.microsoft.com/office/powerpoint/2010/main" val="3871657481"/>
+      </p:ext>
+    </p:extLst>
+  </p:cSld>
+  <p:clrMapOvr>
+    <a:masterClrMapping/>
+  </p:clrMapOvr>
+</p:sld>
+</file>
+
+<file path=ppt/slides/slide5.xml><?xml version="1.0" encoding="utf-8"?>
+<p:sld xmlns:a="http://schemas.openxmlformats.org/drawingml/2006/main" xmlns:r="http://schemas.openxmlformats.org/officeDocument/2006/relationships" xmlns:p="http://schemas.openxmlformats.org/presentationml/2006/main">
+  <p:cSld>
+    <p:spTree>
+      <p:nvGrpSpPr>
+        <p:cNvPr id="1" name=""/>
+        <p:cNvGrpSpPr/>
+        <p:nvPr/>
+      </p:nvGrpSpPr>
+      <p:grpSpPr>
+        <a:xfrm>
+          <a:off x="0" y="0"/>
+          <a:ext cx="0" cy="0"/>
+          <a:chOff x="0" y="0"/>
+          <a:chExt cx="0" cy="0"/>
+        </a:xfrm>
+      </p:grpSpPr>
+      <p:sp>
+        <p:nvSpPr>
+          <p:cNvPr id="4" name="Rechthoek 3"/>
+          <p:cNvSpPr/>
+          <p:nvPr/>
+        </p:nvSpPr>
+        <p:spPr>
+          <a:xfrm>
+            <a:off x="4097217" y="158262"/>
+            <a:ext cx="3640015" cy="6515100"/>
+          </a:xfrm>
+          <a:prstGeom prst="rect">
+            <a:avLst/>
+          </a:prstGeom>
+          <a:noFill/>
+          <a:ln w="76200"/>
+        </p:spPr>
+        <p:style>
+          <a:lnRef idx="2">
+            <a:schemeClr val="accent1">
+              <a:shade val="50000"/>
+            </a:schemeClr>
+          </a:lnRef>
+          <a:fillRef idx="1">
+            <a:schemeClr val="accent1"/>
+          </a:fillRef>
+          <a:effectRef idx="0">
+            <a:schemeClr val="accent1"/>
+          </a:effectRef>
+          <a:fontRef idx="minor">
+            <a:schemeClr val="lt1"/>
+          </a:fontRef>
+        </p:style>
+        <p:txBody>
+          <a:bodyPr rtlCol="0" anchor="ctr"/>
+          <a:lstStyle/>
+          <a:p>
+            <a:pPr algn="ctr"/>
+            <a:endParaRPr lang="nl-BE"/>
+          </a:p>
+        </p:txBody>
+      </p:sp>
+      <p:sp>
+        <p:nvSpPr>
+          <p:cNvPr id="5" name="Tekstvak 4"/>
+          <p:cNvSpPr txBox="1"/>
+          <p:nvPr/>
+        </p:nvSpPr>
+        <p:spPr>
+          <a:xfrm>
+            <a:off x="4303835" y="6154615"/>
+            <a:ext cx="3226777" cy="369277"/>
+          </a:xfrm>
+          <a:prstGeom prst="rect">
+            <a:avLst/>
+          </a:prstGeom>
+          <a:noFill/>
+        </p:spPr>
+        <p:txBody>
+          <a:bodyPr wrap="square" rtlCol="0">
+            <a:spAutoFit/>
+          </a:bodyPr>
+          <a:lstStyle/>
+          <a:p>
+            <a:r>
+              <a:rPr lang="nl-BE" dirty="0"/>
+              <a:t>© Stephen Lanszweert 2017</a:t>
+            </a:r>
+          </a:p>
+        </p:txBody>
+      </p:sp>
+      <p:sp>
+        <p:nvSpPr>
+          <p:cNvPr id="6" name="Tekstvak 5"/>
+          <p:cNvSpPr txBox="1"/>
+          <p:nvPr/>
+        </p:nvSpPr>
+        <p:spPr>
+          <a:xfrm>
+            <a:off x="5134708" y="465992"/>
+            <a:ext cx="1960684" cy="369332"/>
+          </a:xfrm>
+          <a:prstGeom prst="rect">
+            <a:avLst/>
+          </a:prstGeom>
+          <a:noFill/>
+        </p:spPr>
+        <p:txBody>
+          <a:bodyPr wrap="square" rtlCol="0">
+            <a:spAutoFit/>
+          </a:bodyPr>
+          <a:lstStyle/>
+          <a:p>
+            <a:r>
+              <a:rPr lang="nl-BE" dirty="0"/>
+              <a:t>Naam auteur</a:t>
+            </a:r>
+          </a:p>
+        </p:txBody>
+      </p:sp>
+      <p:sp>
+        <p:nvSpPr>
+          <p:cNvPr id="7" name="Rechthoek 6"/>
+          <p:cNvSpPr/>
+          <p:nvPr/>
+        </p:nvSpPr>
+        <p:spPr>
+          <a:xfrm>
+            <a:off x="4488472" y="1305727"/>
+            <a:ext cx="2848707" cy="3174023"/>
+          </a:xfrm>
+          <a:prstGeom prst="rect">
+            <a:avLst/>
+          </a:prstGeom>
+        </p:spPr>
+        <p:style>
+          <a:lnRef idx="2">
+            <a:schemeClr val="accent1">
+              <a:shade val="50000"/>
+            </a:schemeClr>
+          </a:lnRef>
+          <a:fillRef idx="1">
+            <a:schemeClr val="accent1"/>
+          </a:fillRef>
+          <a:effectRef idx="0">
+            <a:schemeClr val="accent1"/>
+          </a:effectRef>
+          <a:fontRef idx="minor">
+            <a:schemeClr val="lt1"/>
+          </a:fontRef>
+        </p:style>
+        <p:txBody>
+          <a:bodyPr rtlCol="0" anchor="ctr"/>
+          <a:lstStyle/>
+          <a:p>
+            <a:pPr algn="ctr"/>
+            <a:r>
+              <a:rPr lang="nl-BE" dirty="0"/>
+              <a:t>Foto in het groot</a:t>
+            </a:r>
+          </a:p>
+        </p:txBody>
+      </p:sp>
+      <p:sp>
+        <p:nvSpPr>
+          <p:cNvPr id="20" name="Actieknop: Startpagina 19">
+            <a:hlinkClick r:id="" action="ppaction://noaction" highlightClick="1"/>
+          </p:cNvPr>
+          <p:cNvSpPr/>
+          <p:nvPr/>
+        </p:nvSpPr>
+        <p:spPr>
+          <a:xfrm>
+            <a:off x="4314827" y="878699"/>
+            <a:ext cx="347289" cy="283827"/>
+          </a:xfrm>
+          <a:prstGeom prst="actionButtonHome">
+            <a:avLst/>
+          </a:prstGeom>
+        </p:spPr>
+        <p:style>
+          <a:lnRef idx="2">
+            <a:schemeClr val="accent1">
+              <a:shade val="50000"/>
+            </a:schemeClr>
+          </a:lnRef>
+          <a:fillRef idx="1">
+            <a:schemeClr val="accent1"/>
+          </a:fillRef>
+          <a:effectRef idx="0">
+            <a:schemeClr val="accent1"/>
+          </a:effectRef>
+          <a:fontRef idx="minor">
+            <a:schemeClr val="lt1"/>
+          </a:fontRef>
+        </p:style>
+        <p:txBody>
+          <a:bodyPr rtlCol="0" anchor="ctr"/>
+          <a:lstStyle/>
+          <a:p>
+            <a:pPr algn="ctr"/>
+            <a:endParaRPr lang="nl-BE"/>
+          </a:p>
+        </p:txBody>
+      </p:sp>
+      <p:sp>
+        <p:nvSpPr>
+          <p:cNvPr id="21" name="Actieknop: Terug of Vorige 20">
+            <a:hlinkClick r:id="" action="ppaction://noaction" highlightClick="1"/>
+          </p:cNvPr>
+          <p:cNvSpPr/>
+          <p:nvPr/>
+        </p:nvSpPr>
+        <p:spPr>
+          <a:xfrm>
+            <a:off x="4800591" y="877413"/>
+            <a:ext cx="347289" cy="289339"/>
+          </a:xfrm>
+          <a:prstGeom prst="actionButtonBackPrevious">
+            <a:avLst/>
+          </a:prstGeom>
+        </p:spPr>
+        <p:style>
+          <a:lnRef idx="2">
+            <a:schemeClr val="accent1">
+              <a:shade val="50000"/>
+            </a:schemeClr>
+          </a:lnRef>
+          <a:fillRef idx="1">
+            <a:schemeClr val="accent1"/>
+          </a:fillRef>
+          <a:effectRef idx="0">
+            <a:schemeClr val="accent1"/>
+          </a:effectRef>
+          <a:fontRef idx="minor">
+            <a:schemeClr val="lt1"/>
+          </a:fontRef>
+        </p:style>
+        <p:txBody>
+          <a:bodyPr rtlCol="0" anchor="ctr"/>
+          <a:lstStyle/>
+          <a:p>
+            <a:pPr algn="ctr"/>
+            <a:endParaRPr lang="nl-BE"/>
+          </a:p>
+        </p:txBody>
+      </p:sp>
+      <p:sp>
+        <p:nvSpPr>
+          <p:cNvPr id="22" name="Tekstvak 21"/>
+          <p:cNvSpPr txBox="1"/>
+          <p:nvPr/>
+        </p:nvSpPr>
+        <p:spPr>
+          <a:xfrm>
+            <a:off x="272562" y="219808"/>
+            <a:ext cx="3209192" cy="646331"/>
+          </a:xfrm>
+          <a:prstGeom prst="rect">
+            <a:avLst/>
+          </a:prstGeom>
+          <a:noFill/>
+        </p:spPr>
+        <p:txBody>
+          <a:bodyPr wrap="square" rtlCol="0">
+            <a:spAutoFit/>
+          </a:bodyPr>
+          <a:lstStyle/>
+          <a:p>
+            <a:r>
+              <a:rPr lang="nl-BE" dirty="0"/>
+              <a:t>Extra feature: drukken op afbeelding</a:t>
+            </a:r>
+          </a:p>
+        </p:txBody>
+      </p:sp>
+      <p:sp>
+        <p:nvSpPr>
+          <p:cNvPr id="23" name="Tekstvak 22"/>
+          <p:cNvSpPr txBox="1"/>
+          <p:nvPr/>
+        </p:nvSpPr>
+        <p:spPr>
+          <a:xfrm>
+            <a:off x="4488472" y="4766310"/>
+            <a:ext cx="2289518" cy="646331"/>
+          </a:xfrm>
+          <a:prstGeom prst="rect">
+            <a:avLst/>
+          </a:prstGeom>
+          <a:noFill/>
+        </p:spPr>
+        <p:txBody>
+          <a:bodyPr wrap="square" rtlCol="0">
+            <a:spAutoFit/>
+          </a:bodyPr>
+          <a:lstStyle/>
+          <a:p>
+            <a:r>
+              <a:rPr lang="nl-BE" dirty="0"/>
+              <a:t>Titel + </a:t>
+            </a:r>
+          </a:p>
+          <a:p>
+            <a:r>
+              <a:rPr lang="nl-BE" dirty="0"/>
+              <a:t>auteur</a:t>
+            </a:r>
+          </a:p>
+        </p:txBody>
+      </p:sp>
+      <p:sp>
+        <p:nvSpPr>
+          <p:cNvPr id="24" name="Tekstvak 23"/>
+          <p:cNvSpPr txBox="1"/>
+          <p:nvPr/>
+        </p:nvSpPr>
+        <p:spPr>
+          <a:xfrm>
+            <a:off x="6286500" y="4766310"/>
+            <a:ext cx="1131570" cy="369332"/>
+          </a:xfrm>
+          <a:prstGeom prst="rect">
+            <a:avLst/>
+          </a:prstGeom>
+          <a:noFill/>
+        </p:spPr>
+        <p:txBody>
+          <a:bodyPr wrap="square" rtlCol="0">
+            <a:spAutoFit/>
+          </a:bodyPr>
+          <a:lstStyle/>
+          <a:p>
+            <a:r>
+              <a:rPr lang="nl-BE" dirty="0"/>
+              <a:t>Locatie</a:t>
+            </a:r>
+          </a:p>
+        </p:txBody>
+      </p:sp>
+    </p:spTree>
+    <p:extLst>
+      <p:ext uri="{BB962C8B-B14F-4D97-AF65-F5344CB8AC3E}">
+        <p14:creationId xmlns:p14="http://schemas.microsoft.com/office/powerpoint/2010/main" val="2773298189"/>
+      </p:ext>
+    </p:extLst>
+  </p:cSld>
+  <p:clrMapOvr>
+    <a:masterClrMapping/>
+  </p:clrMapOvr>
+</p:sld>
+</file>
+
+<file path=ppt/slides/slide6.xml><?xml version="1.0" encoding="utf-8"?>
+<p:sld xmlns:a="http://schemas.openxmlformats.org/drawingml/2006/main" xmlns:r="http://schemas.openxmlformats.org/officeDocument/2006/relationships" xmlns:p="http://schemas.openxmlformats.org/presentationml/2006/main">
+  <p:cSld>
+    <p:spTree>
+      <p:nvGrpSpPr>
+        <p:cNvPr id="1" name=""/>
+        <p:cNvGrpSpPr/>
+        <p:nvPr/>
+      </p:nvGrpSpPr>
+      <p:grpSpPr>
+        <a:xfrm>
+          <a:off x="0" y="0"/>
+          <a:ext cx="0" cy="0"/>
+          <a:chOff x="0" y="0"/>
+          <a:chExt cx="0" cy="0"/>
+        </a:xfrm>
+      </p:grpSpPr>
+      <p:sp>
+        <p:nvSpPr>
+          <p:cNvPr id="4" name="Rechthoek 3"/>
+          <p:cNvSpPr/>
+          <p:nvPr/>
+        </p:nvSpPr>
+        <p:spPr>
+          <a:xfrm>
+            <a:off x="4097217" y="158262"/>
+            <a:ext cx="3640015" cy="6515100"/>
+          </a:xfrm>
+          <a:prstGeom prst="rect">
+            <a:avLst/>
+          </a:prstGeom>
+          <a:noFill/>
+          <a:ln w="76200"/>
+        </p:spPr>
+        <p:style>
+          <a:lnRef idx="2">
+            <a:schemeClr val="accent1">
+              <a:shade val="50000"/>
+            </a:schemeClr>
+          </a:lnRef>
+          <a:fillRef idx="1">
+            <a:schemeClr val="accent1"/>
+          </a:fillRef>
+          <a:effectRef idx="0">
+            <a:schemeClr val="accent1"/>
+          </a:effectRef>
+          <a:fontRef idx="minor">
+            <a:schemeClr val="lt1"/>
+          </a:fontRef>
+        </p:style>
+        <p:txBody>
+          <a:bodyPr rtlCol="0" anchor="ctr"/>
+          <a:lstStyle/>
+          <a:p>
+            <a:pPr algn="ctr"/>
+            <a:endParaRPr lang="nl-BE"/>
+          </a:p>
+        </p:txBody>
+      </p:sp>
+      <p:sp>
+        <p:nvSpPr>
+          <p:cNvPr id="5" name="Tekstvak 4"/>
+          <p:cNvSpPr txBox="1"/>
+          <p:nvPr/>
+        </p:nvSpPr>
+        <p:spPr>
+          <a:xfrm>
+            <a:off x="4303835" y="6154615"/>
+            <a:ext cx="3226777" cy="369277"/>
+          </a:xfrm>
+          <a:prstGeom prst="rect">
+            <a:avLst/>
+          </a:prstGeom>
+          <a:noFill/>
+        </p:spPr>
+        <p:txBody>
+          <a:bodyPr wrap="square" rtlCol="0">
+            <a:spAutoFit/>
+          </a:bodyPr>
+          <a:lstStyle/>
+          <a:p>
+            <a:r>
+              <a:rPr lang="nl-BE" dirty="0"/>
+              <a:t>© Stephen Lanszweert 2017</a:t>
+            </a:r>
+          </a:p>
+        </p:txBody>
+      </p:sp>
+      <p:sp>
+        <p:nvSpPr>
+          <p:cNvPr id="6" name="Tekstvak 5"/>
+          <p:cNvSpPr txBox="1"/>
+          <p:nvPr/>
+        </p:nvSpPr>
+        <p:spPr>
+          <a:xfrm>
+            <a:off x="5134708" y="465992"/>
+            <a:ext cx="1960684" cy="369332"/>
+          </a:xfrm>
+          <a:prstGeom prst="rect">
+            <a:avLst/>
+          </a:prstGeom>
+          <a:noFill/>
+        </p:spPr>
+        <p:txBody>
+          <a:bodyPr wrap="square" rtlCol="0">
+            <a:spAutoFit/>
+          </a:bodyPr>
+          <a:lstStyle/>
+          <a:p>
+            <a:r>
+              <a:rPr lang="nl-BE" dirty="0"/>
+              <a:t>Foto’s in de buurt</a:t>
+            </a:r>
+          </a:p>
+        </p:txBody>
+      </p:sp>
+      <p:sp>
+        <p:nvSpPr>
+          <p:cNvPr id="7" name="Rechthoek 6"/>
+          <p:cNvSpPr/>
+          <p:nvPr/>
+        </p:nvSpPr>
+        <p:spPr>
+          <a:xfrm>
+            <a:off x="4488472" y="1305727"/>
+            <a:ext cx="2848707" cy="3174023"/>
+          </a:xfrm>
+          <a:prstGeom prst="rect">
+            <a:avLst/>
+          </a:prstGeom>
+        </p:spPr>
+        <p:style>
+          <a:lnRef idx="2">
+            <a:schemeClr val="accent1">
+              <a:shade val="50000"/>
+            </a:schemeClr>
+          </a:lnRef>
+          <a:fillRef idx="1">
+            <a:schemeClr val="accent1"/>
+          </a:fillRef>
+          <a:effectRef idx="0">
+            <a:schemeClr val="accent1"/>
+          </a:effectRef>
+          <a:fontRef idx="minor">
+            <a:schemeClr val="lt1"/>
+          </a:fontRef>
+        </p:style>
+        <p:txBody>
+          <a:bodyPr rtlCol="0" anchor="ctr"/>
+          <a:lstStyle/>
+          <a:p>
+            <a:pPr algn="ctr"/>
+            <a:endParaRPr lang="nl-BE" dirty="0"/>
+          </a:p>
+        </p:txBody>
+      </p:sp>
+      <p:sp>
+        <p:nvSpPr>
+          <p:cNvPr id="8" name="Actieknop: Startpagina 7">
+            <a:hlinkClick r:id="" action="ppaction://noaction" highlightClick="1"/>
+          </p:cNvPr>
+          <p:cNvSpPr/>
+          <p:nvPr/>
+        </p:nvSpPr>
+        <p:spPr>
+          <a:xfrm>
+            <a:off x="4314827" y="878699"/>
+            <a:ext cx="347289" cy="283827"/>
+          </a:xfrm>
+          <a:prstGeom prst="actionButtonHome">
+            <a:avLst/>
+          </a:prstGeom>
+        </p:spPr>
+        <p:style>
+          <a:lnRef idx="2">
+            <a:schemeClr val="accent1">
+              <a:shade val="50000"/>
+            </a:schemeClr>
+          </a:lnRef>
+          <a:fillRef idx="1">
+            <a:schemeClr val="accent1"/>
+          </a:fillRef>
+          <a:effectRef idx="0">
+            <a:schemeClr val="accent1"/>
+          </a:effectRef>
+          <a:fontRef idx="minor">
+            <a:schemeClr val="lt1"/>
+          </a:fontRef>
+        </p:style>
+        <p:txBody>
+          <a:bodyPr rtlCol="0" anchor="ctr"/>
+          <a:lstStyle/>
+          <a:p>
+            <a:pPr algn="ctr"/>
+            <a:endParaRPr lang="nl-BE"/>
+          </a:p>
+        </p:txBody>
+      </p:sp>
+      <p:sp>
+        <p:nvSpPr>
+          <p:cNvPr id="9" name="Actieknop: Terug of Vorige 8">
+            <a:hlinkClick r:id="" action="ppaction://noaction" highlightClick="1"/>
+          </p:cNvPr>
+          <p:cNvSpPr/>
+          <p:nvPr/>
+        </p:nvSpPr>
+        <p:spPr>
+          <a:xfrm>
+            <a:off x="4800591" y="877413"/>
+            <a:ext cx="347289" cy="289339"/>
+          </a:xfrm>
+          <a:prstGeom prst="actionButtonBackPrevious">
+            <a:avLst/>
+          </a:prstGeom>
+        </p:spPr>
+        <p:style>
+          <a:lnRef idx="2">
+            <a:schemeClr val="accent1">
+              <a:shade val="50000"/>
+            </a:schemeClr>
+          </a:lnRef>
+          <a:fillRef idx="1">
+            <a:schemeClr val="accent1"/>
+          </a:fillRef>
+          <a:effectRef idx="0">
+            <a:schemeClr val="accent1"/>
+          </a:effectRef>
+          <a:fontRef idx="minor">
+            <a:schemeClr val="lt1"/>
+          </a:fontRef>
+        </p:style>
+        <p:txBody>
+          <a:bodyPr rtlCol="0" anchor="ctr"/>
+          <a:lstStyle/>
+          <a:p>
+            <a:pPr algn="ctr"/>
+            <a:endParaRPr lang="nl-BE"/>
+          </a:p>
+        </p:txBody>
+      </p:sp>
+      <p:sp>
+        <p:nvSpPr>
+          <p:cNvPr id="10" name="Tekstvak 9"/>
+          <p:cNvSpPr txBox="1"/>
+          <p:nvPr/>
+        </p:nvSpPr>
+        <p:spPr>
+          <a:xfrm>
+            <a:off x="272562" y="219808"/>
+            <a:ext cx="3209192" cy="646331"/>
+          </a:xfrm>
+          <a:prstGeom prst="rect">
+            <a:avLst/>
+          </a:prstGeom>
+          <a:noFill/>
+        </p:spPr>
+        <p:txBody>
+          <a:bodyPr wrap="square" rtlCol="0">
+            <a:spAutoFit/>
+          </a:bodyPr>
+          <a:lstStyle/>
+          <a:p>
+            <a:r>
+              <a:rPr lang="nl-BE" dirty="0"/>
+              <a:t>Extra feature: drukken op afbeelding -&gt; gedrukt op locatie </a:t>
+            </a:r>
+          </a:p>
+        </p:txBody>
+      </p:sp>
+      <p:sp>
+        <p:nvSpPr>
+          <p:cNvPr id="13" name="Rechthoek 12"/>
+          <p:cNvSpPr/>
+          <p:nvPr/>
+        </p:nvSpPr>
+        <p:spPr>
+          <a:xfrm>
+            <a:off x="4765427" y="1542707"/>
+            <a:ext cx="905608" cy="580292"/>
+          </a:xfrm>
+          <a:prstGeom prst="rect">
+            <a:avLst/>
+          </a:prstGeom>
+          <a:solidFill>
+            <a:srgbClr val="FFFF00"/>
+          </a:solidFill>
+        </p:spPr>
+        <p:style>
+          <a:lnRef idx="2">
+            <a:schemeClr val="accent1">
+              <a:shade val="50000"/>
+            </a:schemeClr>
+          </a:lnRef>
+          <a:fillRef idx="1">
+            <a:schemeClr val="accent1"/>
+          </a:fillRef>
+          <a:effectRef idx="0">
+            <a:schemeClr val="accent1"/>
+          </a:effectRef>
+          <a:fontRef idx="minor">
+            <a:schemeClr val="lt1"/>
+          </a:fontRef>
+        </p:style>
+        <p:txBody>
+          <a:bodyPr rtlCol="0" anchor="ctr"/>
+          <a:lstStyle/>
+          <a:p>
+            <a:pPr algn="ctr"/>
+            <a:endParaRPr lang="nl-BE"/>
+          </a:p>
+        </p:txBody>
+      </p:sp>
+      <p:sp>
+        <p:nvSpPr>
+          <p:cNvPr id="14" name="Rechthoek 13"/>
+          <p:cNvSpPr/>
+          <p:nvPr/>
+        </p:nvSpPr>
+        <p:spPr>
+          <a:xfrm>
+            <a:off x="6071088" y="1533086"/>
+            <a:ext cx="905608" cy="580292"/>
+          </a:xfrm>
+          <a:prstGeom prst="rect">
+            <a:avLst/>
+          </a:prstGeom>
+          <a:solidFill>
+            <a:schemeClr val="bg1"/>
+          </a:solidFill>
+        </p:spPr>
+        <p:style>
+          <a:lnRef idx="2">
+            <a:schemeClr val="accent1">
+              <a:shade val="50000"/>
+            </a:schemeClr>
+          </a:lnRef>
+          <a:fillRef idx="1">
+            <a:schemeClr val="accent1"/>
+          </a:fillRef>
+          <a:effectRef idx="0">
+            <a:schemeClr val="accent1"/>
+          </a:effectRef>
+          <a:fontRef idx="minor">
+            <a:schemeClr val="lt1"/>
+          </a:fontRef>
+        </p:style>
+        <p:txBody>
+          <a:bodyPr rtlCol="0" anchor="ctr"/>
+          <a:lstStyle/>
+          <a:p>
+            <a:pPr algn="ctr"/>
+            <a:endParaRPr lang="nl-BE"/>
+          </a:p>
+        </p:txBody>
+      </p:sp>
+      <p:sp>
+        <p:nvSpPr>
+          <p:cNvPr id="15" name="Rechthoek 14"/>
+          <p:cNvSpPr/>
+          <p:nvPr/>
+        </p:nvSpPr>
+        <p:spPr>
+          <a:xfrm>
+            <a:off x="4765427" y="2486060"/>
+            <a:ext cx="905608" cy="580292"/>
+          </a:xfrm>
+          <a:prstGeom prst="rect">
+            <a:avLst/>
+          </a:prstGeom>
+          <a:solidFill>
+            <a:schemeClr val="bg1"/>
+          </a:solidFill>
+        </p:spPr>
+        <p:style>
+          <a:lnRef idx="2">
+            <a:schemeClr val="accent1">
+              <a:shade val="50000"/>
+            </a:schemeClr>
+          </a:lnRef>
+          <a:fillRef idx="1">
+            <a:schemeClr val="accent1"/>
+          </a:fillRef>
+          <a:effectRef idx="0">
+            <a:schemeClr val="accent1"/>
+          </a:effectRef>
+          <a:fontRef idx="minor">
+            <a:schemeClr val="lt1"/>
+          </a:fontRef>
+        </p:style>
+        <p:txBody>
+          <a:bodyPr rtlCol="0" anchor="ctr"/>
+          <a:lstStyle/>
+          <a:p>
+            <a:pPr algn="ctr"/>
+            <a:endParaRPr lang="nl-BE"/>
+          </a:p>
+        </p:txBody>
+      </p:sp>
+      <p:sp>
+        <p:nvSpPr>
+          <p:cNvPr id="16" name="Rechthoek 15"/>
+          <p:cNvSpPr/>
+          <p:nvPr/>
+        </p:nvSpPr>
+        <p:spPr>
+          <a:xfrm>
+            <a:off x="6084280" y="2434719"/>
+            <a:ext cx="905608" cy="580292"/>
+          </a:xfrm>
+          <a:prstGeom prst="rect">
+            <a:avLst/>
+          </a:prstGeom>
+          <a:solidFill>
+            <a:schemeClr val="bg1"/>
+          </a:solidFill>
+        </p:spPr>
+        <p:style>
+          <a:lnRef idx="2">
+            <a:schemeClr val="accent1">
+              <a:shade val="50000"/>
+            </a:schemeClr>
+          </a:lnRef>
+          <a:fillRef idx="1">
+            <a:schemeClr val="accent1"/>
+          </a:fillRef>
+          <a:effectRef idx="0">
+            <a:schemeClr val="accent1"/>
+          </a:effectRef>
+          <a:fontRef idx="minor">
+            <a:schemeClr val="lt1"/>
+          </a:fontRef>
+        </p:style>
+        <p:txBody>
+          <a:bodyPr rtlCol="0" anchor="ctr"/>
+          <a:lstStyle/>
+          <a:p>
+            <a:pPr algn="ctr"/>
+            <a:endParaRPr lang="nl-BE"/>
+          </a:p>
+        </p:txBody>
+      </p:sp>
+      <p:sp>
+        <p:nvSpPr>
+          <p:cNvPr id="17" name="Rechthoek 16"/>
+          <p:cNvSpPr/>
+          <p:nvPr/>
+        </p:nvSpPr>
+        <p:spPr>
+          <a:xfrm>
+            <a:off x="4765427" y="3423557"/>
+            <a:ext cx="905608" cy="580292"/>
+          </a:xfrm>
+          <a:prstGeom prst="rect">
+            <a:avLst/>
+          </a:prstGeom>
+          <a:solidFill>
+            <a:schemeClr val="bg1"/>
+          </a:solidFill>
+        </p:spPr>
+        <p:style>
+          <a:lnRef idx="2">
+            <a:schemeClr val="accent1">
+              <a:shade val="50000"/>
+            </a:schemeClr>
+          </a:lnRef>
+          <a:fillRef idx="1">
+            <a:schemeClr val="accent1"/>
+          </a:fillRef>
+          <a:effectRef idx="0">
+            <a:schemeClr val="accent1"/>
+          </a:effectRef>
+          <a:fontRef idx="minor">
+            <a:schemeClr val="lt1"/>
+          </a:fontRef>
+        </p:style>
+        <p:txBody>
+          <a:bodyPr rtlCol="0" anchor="ctr"/>
+          <a:lstStyle/>
+          <a:p>
+            <a:pPr algn="ctr"/>
+            <a:endParaRPr lang="nl-BE"/>
+          </a:p>
+        </p:txBody>
+      </p:sp>
+      <p:sp>
+        <p:nvSpPr>
+          <p:cNvPr id="18" name="Rechthoek 17"/>
+          <p:cNvSpPr/>
+          <p:nvPr/>
+        </p:nvSpPr>
+        <p:spPr>
+          <a:xfrm>
+            <a:off x="6071088" y="3423557"/>
+            <a:ext cx="905608" cy="580292"/>
+          </a:xfrm>
+          <a:prstGeom prst="rect">
+            <a:avLst/>
+          </a:prstGeom>
+          <a:solidFill>
+            <a:schemeClr val="bg1"/>
+          </a:solidFill>
+        </p:spPr>
+        <p:style>
+          <a:lnRef idx="2">
+            <a:schemeClr val="accent1">
+              <a:shade val="50000"/>
+            </a:schemeClr>
+          </a:lnRef>
+          <a:fillRef idx="1">
+            <a:schemeClr val="accent1"/>
+          </a:fillRef>
+          <a:effectRef idx="0">
+            <a:schemeClr val="accent1"/>
+          </a:effectRef>
+          <a:fontRef idx="minor">
+            <a:schemeClr val="lt1"/>
+          </a:fontRef>
+        </p:style>
+        <p:txBody>
+          <a:bodyPr rtlCol="0" anchor="ctr"/>
+          <a:lstStyle/>
+          <a:p>
+            <a:pPr algn="ctr"/>
+            <a:endParaRPr lang="nl-BE"/>
+          </a:p>
+        </p:txBody>
+      </p:sp>
+      <p:sp>
+        <p:nvSpPr>
+          <p:cNvPr id="19" name="Tekstvak 18"/>
+          <p:cNvSpPr txBox="1"/>
+          <p:nvPr/>
+        </p:nvSpPr>
+        <p:spPr>
+          <a:xfrm>
+            <a:off x="5057774" y="2128489"/>
+            <a:ext cx="1182563" cy="253916"/>
+          </a:xfrm>
+          <a:prstGeom prst="rect">
+            <a:avLst/>
+          </a:prstGeom>
+          <a:noFill/>
+        </p:spPr>
+        <p:txBody>
+          <a:bodyPr wrap="square" rtlCol="0">
+            <a:spAutoFit/>
+          </a:bodyPr>
+          <a:lstStyle/>
+          <a:p>
+            <a:r>
+              <a:rPr lang="nl-BE" sz="1050" dirty="0"/>
+              <a:t>Titel </a:t>
+            </a:r>
+          </a:p>
+        </p:txBody>
+      </p:sp>
+      <p:sp>
+        <p:nvSpPr>
+          <p:cNvPr id="20" name="Tekstvak 19"/>
+          <p:cNvSpPr txBox="1"/>
+          <p:nvPr/>
+        </p:nvSpPr>
+        <p:spPr>
+          <a:xfrm>
+            <a:off x="6284298" y="2139605"/>
+            <a:ext cx="1182563" cy="253916"/>
+          </a:xfrm>
+          <a:prstGeom prst="rect">
+            <a:avLst/>
+          </a:prstGeom>
+          <a:noFill/>
+        </p:spPr>
+        <p:txBody>
+          <a:bodyPr wrap="square" rtlCol="0">
+            <a:spAutoFit/>
+          </a:bodyPr>
+          <a:lstStyle/>
+          <a:p>
+            <a:r>
+              <a:rPr lang="nl-BE" sz="1050" dirty="0"/>
+              <a:t>Titel</a:t>
+            </a:r>
+          </a:p>
+        </p:txBody>
+      </p:sp>
+      <p:sp>
+        <p:nvSpPr>
+          <p:cNvPr id="21" name="Tekstvak 20"/>
+          <p:cNvSpPr txBox="1"/>
+          <p:nvPr/>
+        </p:nvSpPr>
+        <p:spPr>
+          <a:xfrm>
+            <a:off x="5022605" y="3107012"/>
+            <a:ext cx="1182563" cy="253916"/>
+          </a:xfrm>
+          <a:prstGeom prst="rect">
+            <a:avLst/>
+          </a:prstGeom>
+          <a:noFill/>
+        </p:spPr>
+        <p:txBody>
+          <a:bodyPr wrap="square" rtlCol="0">
+            <a:spAutoFit/>
+          </a:bodyPr>
+          <a:lstStyle/>
+          <a:p>
+            <a:r>
+              <a:rPr lang="nl-BE" sz="1050" dirty="0"/>
+              <a:t>Titel</a:t>
+            </a:r>
+          </a:p>
+        </p:txBody>
+      </p:sp>
+      <p:sp>
+        <p:nvSpPr>
+          <p:cNvPr id="22" name="Tekstvak 21"/>
+          <p:cNvSpPr txBox="1"/>
+          <p:nvPr/>
+        </p:nvSpPr>
+        <p:spPr>
+          <a:xfrm>
+            <a:off x="6284298" y="3107012"/>
+            <a:ext cx="1182563" cy="253916"/>
+          </a:xfrm>
+          <a:prstGeom prst="rect">
+            <a:avLst/>
+          </a:prstGeom>
+          <a:noFill/>
+        </p:spPr>
+        <p:txBody>
+          <a:bodyPr wrap="square" rtlCol="0">
+            <a:spAutoFit/>
+          </a:bodyPr>
+          <a:lstStyle/>
+          <a:p>
+            <a:r>
+              <a:rPr lang="nl-BE" sz="1050" dirty="0"/>
+              <a:t>Titel </a:t>
+            </a:r>
+          </a:p>
+        </p:txBody>
+      </p:sp>
+      <p:sp>
+        <p:nvSpPr>
+          <p:cNvPr id="23" name="Tekstvak 22"/>
+          <p:cNvSpPr txBox="1"/>
+          <p:nvPr/>
+        </p:nvSpPr>
+        <p:spPr>
+          <a:xfrm>
+            <a:off x="4985244" y="4092870"/>
+            <a:ext cx="1182563" cy="253916"/>
+          </a:xfrm>
+          <a:prstGeom prst="rect">
+            <a:avLst/>
+          </a:prstGeom>
+          <a:noFill/>
+        </p:spPr>
+        <p:txBody>
+          <a:bodyPr wrap="square" rtlCol="0">
+            <a:spAutoFit/>
+          </a:bodyPr>
+          <a:lstStyle/>
+          <a:p>
+            <a:r>
+              <a:rPr lang="nl-BE" sz="1050" dirty="0"/>
+              <a:t>Titel</a:t>
+            </a:r>
+          </a:p>
+        </p:txBody>
+      </p:sp>
+      <p:sp>
+        <p:nvSpPr>
+          <p:cNvPr id="24" name="Tekstvak 23"/>
+          <p:cNvSpPr txBox="1"/>
+          <p:nvPr/>
+        </p:nvSpPr>
+        <p:spPr>
+          <a:xfrm>
+            <a:off x="6240337" y="4078000"/>
+            <a:ext cx="1182563" cy="253916"/>
+          </a:xfrm>
+          <a:prstGeom prst="rect">
+            <a:avLst/>
+          </a:prstGeom>
+          <a:noFill/>
+        </p:spPr>
+        <p:txBody>
+          <a:bodyPr wrap="square" rtlCol="0">
+            <a:spAutoFit/>
+          </a:bodyPr>
+          <a:lstStyle/>
+          <a:p>
+            <a:r>
+              <a:rPr lang="nl-BE" sz="1050" dirty="0"/>
+              <a:t>Titel </a:t>
+            </a:r>
+          </a:p>
+        </p:txBody>
+      </p:sp>
+    </p:spTree>
+    <p:extLst>
+      <p:ext uri="{BB962C8B-B14F-4D97-AF65-F5344CB8AC3E}">
+        <p14:creationId xmlns:p14="http://schemas.microsoft.com/office/powerpoint/2010/main" val="3772283312"/>
+      </p:ext>
+    </p:extLst>
+  </p:cSld>
+  <p:clrMapOvr>
+    <a:masterClrMapping/>
+  </p:clrMapOvr>
+</p:sld>
+</file>
+
+<file path=ppt/slides/slide7.xml><?xml version="1.0" encoding="utf-8"?>
+<p:sld xmlns:a="http://schemas.openxmlformats.org/drawingml/2006/main" xmlns:r="http://schemas.openxmlformats.org/officeDocument/2006/relationships" xmlns:p="http://schemas.openxmlformats.org/presentationml/2006/main">
+  <p:cSld>
+    <p:spTree>
+      <p:nvGrpSpPr>
+        <p:cNvPr id="1" name=""/>
+        <p:cNvGrpSpPr/>
+        <p:nvPr/>
+      </p:nvGrpSpPr>
+      <p:grpSpPr>
+        <a:xfrm>
+          <a:off x="0" y="0"/>
+          <a:ext cx="0" cy="0"/>
+          <a:chOff x="0" y="0"/>
+          <a:chExt cx="0" cy="0"/>
+        </a:xfrm>
+      </p:grpSpPr>
+      <p:sp>
+        <p:nvSpPr>
+          <p:cNvPr id="4" name="Rechthoek 3"/>
+          <p:cNvSpPr/>
+          <p:nvPr/>
+        </p:nvSpPr>
+        <p:spPr>
+          <a:xfrm>
+            <a:off x="4097217" y="158262"/>
+            <a:ext cx="3640015" cy="6515100"/>
+          </a:xfrm>
+          <a:prstGeom prst="rect">
+            <a:avLst/>
+          </a:prstGeom>
+          <a:noFill/>
+          <a:ln w="76200"/>
+        </p:spPr>
+        <p:style>
+          <a:lnRef idx="2">
+            <a:schemeClr val="accent1">
+              <a:shade val="50000"/>
+            </a:schemeClr>
+          </a:lnRef>
+          <a:fillRef idx="1">
+            <a:schemeClr val="accent1"/>
+          </a:fillRef>
+          <a:effectRef idx="0">
+            <a:schemeClr val="accent1"/>
+          </a:effectRef>
+          <a:fontRef idx="minor">
+            <a:schemeClr val="lt1"/>
+          </a:fontRef>
+        </p:style>
+        <p:txBody>
+          <a:bodyPr rtlCol="0" anchor="ctr"/>
+          <a:lstStyle/>
+          <a:p>
+            <a:pPr algn="ctr"/>
+            <a:endParaRPr lang="nl-BE"/>
+          </a:p>
+        </p:txBody>
+      </p:sp>
+      <p:sp>
+        <p:nvSpPr>
+          <p:cNvPr id="5" name="Tekstvak 4"/>
+          <p:cNvSpPr txBox="1"/>
+          <p:nvPr/>
+        </p:nvSpPr>
+        <p:spPr>
+          <a:xfrm>
+            <a:off x="4303835" y="6154615"/>
+            <a:ext cx="3226777" cy="369277"/>
+          </a:xfrm>
+          <a:prstGeom prst="rect">
+            <a:avLst/>
+          </a:prstGeom>
+          <a:noFill/>
+        </p:spPr>
+        <p:txBody>
+          <a:bodyPr wrap="square" rtlCol="0">
+            <a:spAutoFit/>
+          </a:bodyPr>
+          <a:lstStyle/>
+          <a:p>
+            <a:r>
+              <a:rPr lang="nl-BE" dirty="0"/>
+              <a:t>© Stephen Lanszweert 2017</a:t>
+            </a:r>
+          </a:p>
+        </p:txBody>
+      </p:sp>
+      <p:sp>
+        <p:nvSpPr>
+          <p:cNvPr id="6" name="Tekstvak 5"/>
+          <p:cNvSpPr txBox="1"/>
+          <p:nvPr/>
+        </p:nvSpPr>
+        <p:spPr>
+          <a:xfrm>
+            <a:off x="5134708" y="465992"/>
+            <a:ext cx="1960684" cy="369332"/>
+          </a:xfrm>
+          <a:prstGeom prst="rect">
+            <a:avLst/>
+          </a:prstGeom>
+          <a:noFill/>
+        </p:spPr>
+        <p:txBody>
+          <a:bodyPr wrap="square" rtlCol="0">
+            <a:spAutoFit/>
+          </a:bodyPr>
+          <a:lstStyle/>
+          <a:p>
+            <a:r>
+              <a:rPr lang="nl-BE" dirty="0"/>
+              <a:t>Titel foto</a:t>
+            </a:r>
+          </a:p>
+        </p:txBody>
+      </p:sp>
+      <p:sp>
+        <p:nvSpPr>
+          <p:cNvPr id="7" name="Rechthoek 6"/>
+          <p:cNvSpPr/>
+          <p:nvPr/>
+        </p:nvSpPr>
+        <p:spPr>
+          <a:xfrm>
+            <a:off x="4488472" y="1305727"/>
+            <a:ext cx="2848707" cy="3174023"/>
+          </a:xfrm>
+          <a:prstGeom prst="rect">
+            <a:avLst/>
+          </a:prstGeom>
+        </p:spPr>
+        <p:style>
+          <a:lnRef idx="2">
+            <a:schemeClr val="accent1">
+              <a:shade val="50000"/>
+            </a:schemeClr>
+          </a:lnRef>
+          <a:fillRef idx="1">
+            <a:schemeClr val="accent1"/>
+          </a:fillRef>
+          <a:effectRef idx="0">
+            <a:schemeClr val="accent1"/>
+          </a:effectRef>
+          <a:fontRef idx="minor">
+            <a:schemeClr val="lt1"/>
+          </a:fontRef>
+        </p:style>
+        <p:txBody>
+          <a:bodyPr rtlCol="0" anchor="ctr"/>
+          <a:lstStyle/>
+          <a:p>
+            <a:pPr algn="ctr"/>
+            <a:r>
+              <a:rPr lang="nl-BE" dirty="0"/>
+              <a:t>Foto in het groot</a:t>
+            </a:r>
+          </a:p>
+        </p:txBody>
+      </p:sp>
+      <p:sp>
+        <p:nvSpPr>
+          <p:cNvPr id="20" name="Actieknop: Startpagina 19">
+            <a:hlinkClick r:id="" action="ppaction://noaction" highlightClick="1"/>
+          </p:cNvPr>
+          <p:cNvSpPr/>
+          <p:nvPr/>
+        </p:nvSpPr>
+        <p:spPr>
+          <a:xfrm>
+            <a:off x="4314827" y="878699"/>
+            <a:ext cx="347289" cy="283827"/>
+          </a:xfrm>
+          <a:prstGeom prst="actionButtonHome">
+            <a:avLst/>
+          </a:prstGeom>
+        </p:spPr>
+        <p:style>
+          <a:lnRef idx="2">
+            <a:schemeClr val="accent1">
+              <a:shade val="50000"/>
+            </a:schemeClr>
+          </a:lnRef>
+          <a:fillRef idx="1">
+            <a:schemeClr val="accent1"/>
+          </a:fillRef>
+          <a:effectRef idx="0">
+            <a:schemeClr val="accent1"/>
+          </a:effectRef>
+          <a:fontRef idx="minor">
+            <a:schemeClr val="lt1"/>
+          </a:fontRef>
+        </p:style>
+        <p:txBody>
+          <a:bodyPr rtlCol="0" anchor="ctr"/>
+          <a:lstStyle/>
+          <a:p>
+            <a:pPr algn="ctr"/>
+            <a:endParaRPr lang="nl-BE"/>
+          </a:p>
+        </p:txBody>
+      </p:sp>
+      <p:sp>
+        <p:nvSpPr>
+          <p:cNvPr id="21" name="Actieknop: Terug of Vorige 20">
+            <a:hlinkClick r:id="" action="ppaction://noaction" highlightClick="1"/>
+          </p:cNvPr>
+          <p:cNvSpPr/>
+          <p:nvPr/>
+        </p:nvSpPr>
+        <p:spPr>
+          <a:xfrm>
+            <a:off x="4800591" y="877413"/>
+            <a:ext cx="347289" cy="289339"/>
+          </a:xfrm>
+          <a:prstGeom prst="actionButtonBackPrevious">
+            <a:avLst/>
+          </a:prstGeom>
+        </p:spPr>
+        <p:style>
+          <a:lnRef idx="2">
+            <a:schemeClr val="accent1">
+              <a:shade val="50000"/>
+            </a:schemeClr>
+          </a:lnRef>
+          <a:fillRef idx="1">
+            <a:schemeClr val="accent1"/>
+          </a:fillRef>
+          <a:effectRef idx="0">
+            <a:schemeClr val="accent1"/>
+          </a:effectRef>
+          <a:fontRef idx="minor">
+            <a:schemeClr val="lt1"/>
+          </a:fontRef>
+        </p:style>
+        <p:txBody>
+          <a:bodyPr rtlCol="0" anchor="ctr"/>
+          <a:lstStyle/>
+          <a:p>
+            <a:pPr algn="ctr"/>
+            <a:endParaRPr lang="nl-BE"/>
+          </a:p>
+        </p:txBody>
+      </p:sp>
+      <p:sp>
+        <p:nvSpPr>
+          <p:cNvPr id="22" name="Tekstvak 21"/>
+          <p:cNvSpPr txBox="1"/>
+          <p:nvPr/>
+        </p:nvSpPr>
+        <p:spPr>
+          <a:xfrm>
+            <a:off x="272562" y="219808"/>
+            <a:ext cx="3209192" cy="646331"/>
+          </a:xfrm>
+          <a:prstGeom prst="rect">
+            <a:avLst/>
+          </a:prstGeom>
+          <a:noFill/>
+        </p:spPr>
+        <p:txBody>
+          <a:bodyPr wrap="square" rtlCol="0">
+            <a:spAutoFit/>
+          </a:bodyPr>
+          <a:lstStyle/>
+          <a:p>
+            <a:r>
+              <a:rPr lang="nl-BE" dirty="0"/>
+              <a:t>Extra feature: drukken op afbeelding -&gt; gedrukt op foto</a:t>
+            </a:r>
+          </a:p>
+        </p:txBody>
+      </p:sp>
+      <p:sp>
+        <p:nvSpPr>
+          <p:cNvPr id="23" name="Tekstvak 22"/>
+          <p:cNvSpPr txBox="1"/>
+          <p:nvPr/>
+        </p:nvSpPr>
+        <p:spPr>
+          <a:xfrm>
+            <a:off x="4488472" y="4766310"/>
+            <a:ext cx="2289518" cy="369332"/>
+          </a:xfrm>
+          <a:prstGeom prst="rect">
+            <a:avLst/>
+          </a:prstGeom>
+          <a:noFill/>
+        </p:spPr>
+        <p:txBody>
+          <a:bodyPr wrap="square" rtlCol="0">
+            <a:spAutoFit/>
+          </a:bodyPr>
+          <a:lstStyle/>
+          <a:p>
+            <a:r>
+              <a:rPr lang="nl-BE" dirty="0"/>
+              <a:t>Auteur</a:t>
+            </a:r>
+          </a:p>
+        </p:txBody>
+      </p:sp>
+      <p:sp>
+        <p:nvSpPr>
+          <p:cNvPr id="24" name="Tekstvak 23"/>
+          <p:cNvSpPr txBox="1"/>
+          <p:nvPr/>
+        </p:nvSpPr>
+        <p:spPr>
+          <a:xfrm>
+            <a:off x="4387353" y="5237536"/>
+            <a:ext cx="3143259" cy="369332"/>
+          </a:xfrm>
+          <a:prstGeom prst="rect">
+            <a:avLst/>
+          </a:prstGeom>
+          <a:noFill/>
+        </p:spPr>
+        <p:txBody>
+          <a:bodyPr wrap="square" rtlCol="0">
+            <a:spAutoFit/>
+          </a:bodyPr>
+          <a:lstStyle/>
+          <a:p>
+            <a:r>
+              <a:rPr lang="nl-BE" dirty="0"/>
+              <a:t>Wilt u deze foto downloaden?</a:t>
+            </a:r>
+          </a:p>
+        </p:txBody>
+      </p:sp>
+      <p:sp>
+        <p:nvSpPr>
+          <p:cNvPr id="2" name="Rechthoek 1"/>
+          <p:cNvSpPr/>
+          <p:nvPr/>
+        </p:nvSpPr>
+        <p:spPr>
+          <a:xfrm>
+            <a:off x="4800591" y="5667905"/>
+            <a:ext cx="628659" cy="451045"/>
+          </a:xfrm>
+          <a:prstGeom prst="rect">
+            <a:avLst/>
+          </a:prstGeom>
+        </p:spPr>
+        <p:style>
+          <a:lnRef idx="2">
+            <a:schemeClr val="accent1">
+              <a:shade val="50000"/>
+            </a:schemeClr>
+          </a:lnRef>
+          <a:fillRef idx="1">
+            <a:schemeClr val="accent1"/>
+          </a:fillRef>
+          <a:effectRef idx="0">
+            <a:schemeClr val="accent1"/>
+          </a:effectRef>
+          <a:fontRef idx="minor">
+            <a:schemeClr val="lt1"/>
+          </a:fontRef>
+        </p:style>
+        <p:txBody>
+          <a:bodyPr rtlCol="0" anchor="ctr"/>
+          <a:lstStyle/>
+          <a:p>
+            <a:pPr algn="ctr"/>
+            <a:r>
+              <a:rPr lang="nl-BE" dirty="0"/>
+              <a:t>Ja</a:t>
+            </a:r>
+          </a:p>
+        </p:txBody>
+      </p:sp>
+      <p:sp>
+        <p:nvSpPr>
+          <p:cNvPr id="12" name="Rechthoek 11"/>
+          <p:cNvSpPr/>
+          <p:nvPr/>
+        </p:nvSpPr>
+        <p:spPr>
+          <a:xfrm>
+            <a:off x="6149331" y="5683389"/>
+            <a:ext cx="628659" cy="451045"/>
+          </a:xfrm>
+          <a:prstGeom prst="rect">
+            <a:avLst/>
+          </a:prstGeom>
+        </p:spPr>
+        <p:style>
+          <a:lnRef idx="2">
+            <a:schemeClr val="accent1">
+              <a:shade val="50000"/>
+            </a:schemeClr>
+          </a:lnRef>
+          <a:fillRef idx="1">
+            <a:schemeClr val="accent1"/>
+          </a:fillRef>
+          <a:effectRef idx="0">
+            <a:schemeClr val="accent1"/>
+          </a:effectRef>
+          <a:fontRef idx="minor">
+            <a:schemeClr val="lt1"/>
+          </a:fontRef>
+        </p:style>
+        <p:txBody>
+          <a:bodyPr rtlCol="0" anchor="ctr"/>
+          <a:lstStyle/>
+          <a:p>
+            <a:pPr algn="ctr"/>
+            <a:r>
+              <a:rPr lang="nl-BE" dirty="0"/>
+              <a:t>Nee</a:t>
+            </a:r>
+          </a:p>
+        </p:txBody>
+      </p:sp>
+    </p:spTree>
+    <p:extLst>
+      <p:ext uri="{BB962C8B-B14F-4D97-AF65-F5344CB8AC3E}">
+        <p14:creationId xmlns:p14="http://schemas.microsoft.com/office/powerpoint/2010/main" val="2192001949"/>
       </p:ext>
     </p:extLst>
   </p:cSld>

--- a/BasisWireframe_SL.pptx
+++ b/BasisWireframe_SL.pptx
@@ -5,7 +5,7 @@
     <p:sldMasterId id="2147483648" r:id="rId1"/>
   </p:sldMasterIdLst>
   <p:notesMasterIdLst>
-    <p:notesMasterId r:id="rId9"/>
+    <p:notesMasterId r:id="rId11"/>
   </p:notesMasterIdLst>
   <p:sldIdLst>
     <p:sldId id="257" r:id="rId2"/>
@@ -15,6 +15,8 @@
     <p:sldId id="260" r:id="rId6"/>
     <p:sldId id="261" r:id="rId7"/>
     <p:sldId id="262" r:id="rId8"/>
+    <p:sldId id="263" r:id="rId9"/>
+    <p:sldId id="264" r:id="rId10"/>
   </p:sldIdLst>
   <p:sldSz cx="12192000" cy="6858000"/>
   <p:notesSz cx="6858000" cy="9144000"/>
@@ -116,7 +118,7 @@
   <p:extLst>
     <p:ext uri="{521415D9-36F7-43E2-AB2F-B90AF26B5E84}">
       <p14:sectionLst xmlns:p14="http://schemas.microsoft.com/office/powerpoint/2010/main">
-        <p14:section name="Standaardsectie" id="{802F04CD-31CC-4880-BC44-1FCF8F34C46C}">
+        <p14:section name="Basisapplicatie" id="{802F04CD-31CC-4880-BC44-1FCF8F34C46C}">
           <p14:sldIdLst>
             <p14:sldId id="257"/>
             <p14:sldId id="256"/>
@@ -129,6 +131,12 @@
             <p14:sldId id="260"/>
             <p14:sldId id="261"/>
             <p14:sldId id="262"/>
+          </p14:sldIdLst>
+        </p14:section>
+        <p14:section name="Extra feature 2" id="{47D3AA0E-3A77-4118-AEDD-8751D17F5E6F}">
+          <p14:sldIdLst>
+            <p14:sldId id="263"/>
+            <p14:sldId id="264"/>
           </p14:sldIdLst>
         </p14:section>
       </p14:sectionLst>
@@ -1189,6 +1197,237 @@
     <p:extLst>
       <p:ext uri="{BB962C8B-B14F-4D97-AF65-F5344CB8AC3E}">
         <p14:creationId xmlns:p14="http://schemas.microsoft.com/office/powerpoint/2010/main" val="334290938"/>
+      </p:ext>
+    </p:extLst>
+  </p:cSld>
+  <p:clrMapOvr>
+    <a:masterClrMapping/>
+  </p:clrMapOvr>
+</p:notes>
+</file>
+
+<file path=ppt/notesSlides/notesSlide8.xml><?xml version="1.0" encoding="utf-8"?>
+<p:notes xmlns:a="http://schemas.openxmlformats.org/drawingml/2006/main" xmlns:r="http://schemas.openxmlformats.org/officeDocument/2006/relationships" xmlns:p="http://schemas.openxmlformats.org/presentationml/2006/main">
+  <p:cSld>
+    <p:spTree>
+      <p:nvGrpSpPr>
+        <p:cNvPr id="1" name=""/>
+        <p:cNvGrpSpPr/>
+        <p:nvPr/>
+      </p:nvGrpSpPr>
+      <p:grpSpPr>
+        <a:xfrm>
+          <a:off x="0" y="0"/>
+          <a:ext cx="0" cy="0"/>
+          <a:chOff x="0" y="0"/>
+          <a:chExt cx="0" cy="0"/>
+        </a:xfrm>
+      </p:grpSpPr>
+      <p:sp>
+        <p:nvSpPr>
+          <p:cNvPr id="2" name="Tijdelijke aanduiding voor dia-afbeelding 1"/>
+          <p:cNvSpPr>
+            <a:spLocks noGrp="1" noRot="1" noChangeAspect="1"/>
+          </p:cNvSpPr>
+          <p:nvPr>
+            <p:ph type="sldImg"/>
+          </p:nvPr>
+        </p:nvSpPr>
+        <p:spPr/>
+      </p:sp>
+      <p:sp>
+        <p:nvSpPr>
+          <p:cNvPr id="3" name="Tijdelijke aanduiding voor notities 2"/>
+          <p:cNvSpPr>
+            <a:spLocks noGrp="1"/>
+          </p:cNvSpPr>
+          <p:nvPr>
+            <p:ph type="body" idx="1"/>
+          </p:nvPr>
+        </p:nvSpPr>
+        <p:spPr/>
+        <p:txBody>
+          <a:bodyPr/>
+          <a:lstStyle/>
+          <a:p>
+            <a:r>
+              <a:rPr lang="nl-BE" dirty="0"/>
+              <a:t>Bij</a:t>
+            </a:r>
+            <a:r>
+              <a:rPr lang="nl-BE" baseline="0" dirty="0"/>
+              <a:t> deze 2</a:t>
+            </a:r>
+            <a:r>
+              <a:rPr lang="nl-BE" baseline="30000" dirty="0"/>
+              <a:t>de</a:t>
+            </a:r>
+            <a:r>
+              <a:rPr lang="nl-BE" baseline="0" dirty="0"/>
+              <a:t> feature krijgt de gebruiker ook de mogelijkheid om de meest opgezochte afbeeldingen te bekijken.</a:t>
+            </a:r>
+          </a:p>
+          <a:p>
+            <a:r>
+              <a:rPr lang="nl-BE" baseline="0" dirty="0"/>
+              <a:t>Dit gebeurd door een extra knop in het allereerste startscherm.</a:t>
+            </a:r>
+          </a:p>
+          <a:p>
+            <a:endParaRPr lang="nl-BE" baseline="0" dirty="0"/>
+          </a:p>
+          <a:p>
+            <a:r>
+              <a:rPr lang="nl-BE" baseline="0" dirty="0"/>
+              <a:t>Als de gebruiker op deze knop drukt wordt hij doorverwezen naar een andere pagina waar dan de meest bekeken foto’s op getoond worden.</a:t>
+            </a:r>
+            <a:endParaRPr lang="nl-BE" dirty="0"/>
+          </a:p>
+        </p:txBody>
+      </p:sp>
+      <p:sp>
+        <p:nvSpPr>
+          <p:cNvPr id="4" name="Tijdelijke aanduiding voor dianummer 3"/>
+          <p:cNvSpPr>
+            <a:spLocks noGrp="1"/>
+          </p:cNvSpPr>
+          <p:nvPr>
+            <p:ph type="sldNum" sz="quarter" idx="10"/>
+          </p:nvPr>
+        </p:nvSpPr>
+        <p:spPr/>
+        <p:txBody>
+          <a:bodyPr/>
+          <a:lstStyle/>
+          <a:p>
+            <a:fld id="{4003FF78-445D-4257-8F4B-63464B868E86}" type="slidenum">
+              <a:rPr lang="nl-BE" smtClean="0"/>
+              <a:t>8</a:t>
+            </a:fld>
+            <a:endParaRPr lang="nl-BE"/>
+          </a:p>
+        </p:txBody>
+      </p:sp>
+    </p:spTree>
+    <p:extLst>
+      <p:ext uri="{BB962C8B-B14F-4D97-AF65-F5344CB8AC3E}">
+        <p14:creationId xmlns:p14="http://schemas.microsoft.com/office/powerpoint/2010/main" val="2305129094"/>
+      </p:ext>
+    </p:extLst>
+  </p:cSld>
+  <p:clrMapOvr>
+    <a:masterClrMapping/>
+  </p:clrMapOvr>
+</p:notes>
+</file>
+
+<file path=ppt/notesSlides/notesSlide9.xml><?xml version="1.0" encoding="utf-8"?>
+<p:notes xmlns:a="http://schemas.openxmlformats.org/drawingml/2006/main" xmlns:r="http://schemas.openxmlformats.org/officeDocument/2006/relationships" xmlns:p="http://schemas.openxmlformats.org/presentationml/2006/main">
+  <p:cSld>
+    <p:spTree>
+      <p:nvGrpSpPr>
+        <p:cNvPr id="1" name=""/>
+        <p:cNvGrpSpPr/>
+        <p:nvPr/>
+      </p:nvGrpSpPr>
+      <p:grpSpPr>
+        <a:xfrm>
+          <a:off x="0" y="0"/>
+          <a:ext cx="0" cy="0"/>
+          <a:chOff x="0" y="0"/>
+          <a:chExt cx="0" cy="0"/>
+        </a:xfrm>
+      </p:grpSpPr>
+      <p:sp>
+        <p:nvSpPr>
+          <p:cNvPr id="2" name="Tijdelijke aanduiding voor dia-afbeelding 1"/>
+          <p:cNvSpPr>
+            <a:spLocks noGrp="1" noRot="1" noChangeAspect="1"/>
+          </p:cNvSpPr>
+          <p:nvPr>
+            <p:ph type="sldImg"/>
+          </p:nvPr>
+        </p:nvSpPr>
+        <p:spPr/>
+      </p:sp>
+      <p:sp>
+        <p:nvSpPr>
+          <p:cNvPr id="3" name="Tijdelijke aanduiding voor notities 2"/>
+          <p:cNvSpPr>
+            <a:spLocks noGrp="1"/>
+          </p:cNvSpPr>
+          <p:nvPr>
+            <p:ph type="body" idx="1"/>
+          </p:nvPr>
+        </p:nvSpPr>
+        <p:spPr/>
+        <p:txBody>
+          <a:bodyPr/>
+          <a:lstStyle/>
+          <a:p>
+            <a:r>
+              <a:rPr lang="nl-BE" dirty="0"/>
+              <a:t>Hier komen dan de meest bekeken afbeeldingen. </a:t>
+            </a:r>
+          </a:p>
+          <a:p>
+            <a:endParaRPr lang="nl-BE" dirty="0"/>
+          </a:p>
+          <a:p>
+            <a:endParaRPr lang="nl-BE" dirty="0"/>
+          </a:p>
+          <a:p>
+            <a:r>
+              <a:rPr lang="nl-BE" dirty="0"/>
+              <a:t>De</a:t>
+            </a:r>
+            <a:r>
+              <a:rPr lang="nl-BE" baseline="0" dirty="0"/>
+              <a:t> gebruiker kan vervolgens op de afbeelding zelf drukken, dan verschijnt er onderaan extra info over de foto (zoals de titel</a:t>
+            </a:r>
+            <a:r>
+              <a:rPr lang="nl-BE" baseline="0"/>
+              <a:t>, de auteur </a:t>
+            </a:r>
+            <a:r>
+              <a:rPr lang="nl-BE" baseline="0" dirty="0"/>
+              <a:t>en </a:t>
+            </a:r>
+            <a:r>
+              <a:rPr lang="nl-BE" baseline="0"/>
+              <a:t>de locatie)</a:t>
+            </a:r>
+            <a:endParaRPr lang="nl-BE" dirty="0"/>
+          </a:p>
+        </p:txBody>
+      </p:sp>
+      <p:sp>
+        <p:nvSpPr>
+          <p:cNvPr id="4" name="Tijdelijke aanduiding voor dianummer 3"/>
+          <p:cNvSpPr>
+            <a:spLocks noGrp="1"/>
+          </p:cNvSpPr>
+          <p:nvPr>
+            <p:ph type="sldNum" sz="quarter" idx="10"/>
+          </p:nvPr>
+        </p:nvSpPr>
+        <p:spPr/>
+        <p:txBody>
+          <a:bodyPr/>
+          <a:lstStyle/>
+          <a:p>
+            <a:fld id="{4003FF78-445D-4257-8F4B-63464B868E86}" type="slidenum">
+              <a:rPr lang="nl-BE" smtClean="0"/>
+              <a:t>9</a:t>
+            </a:fld>
+            <a:endParaRPr lang="nl-BE"/>
+          </a:p>
+        </p:txBody>
+      </p:sp>
+    </p:spTree>
+    <p:extLst>
+      <p:ext uri="{BB962C8B-B14F-4D97-AF65-F5344CB8AC3E}">
+        <p14:creationId xmlns:p14="http://schemas.microsoft.com/office/powerpoint/2010/main" val="3743440575"/>
       </p:ext>
     </p:extLst>
   </p:cSld>
@@ -7624,6 +7863,1019 @@
     <p:extLst>
       <p:ext uri="{BB962C8B-B14F-4D97-AF65-F5344CB8AC3E}">
         <p14:creationId xmlns:p14="http://schemas.microsoft.com/office/powerpoint/2010/main" val="2192001949"/>
+      </p:ext>
+    </p:extLst>
+  </p:cSld>
+  <p:clrMapOvr>
+    <a:masterClrMapping/>
+  </p:clrMapOvr>
+</p:sld>
+</file>
+
+<file path=ppt/slides/slide8.xml><?xml version="1.0" encoding="utf-8"?>
+<p:sld xmlns:a="http://schemas.openxmlformats.org/drawingml/2006/main" xmlns:r="http://schemas.openxmlformats.org/officeDocument/2006/relationships" xmlns:p="http://schemas.openxmlformats.org/presentationml/2006/main">
+  <p:cSld>
+    <p:spTree>
+      <p:nvGrpSpPr>
+        <p:cNvPr id="1" name=""/>
+        <p:cNvGrpSpPr/>
+        <p:nvPr/>
+      </p:nvGrpSpPr>
+      <p:grpSpPr>
+        <a:xfrm>
+          <a:off x="0" y="0"/>
+          <a:ext cx="0" cy="0"/>
+          <a:chOff x="0" y="0"/>
+          <a:chExt cx="0" cy="0"/>
+        </a:xfrm>
+      </p:grpSpPr>
+      <p:sp>
+        <p:nvSpPr>
+          <p:cNvPr id="4" name="Rechthoek 3"/>
+          <p:cNvSpPr/>
+          <p:nvPr/>
+        </p:nvSpPr>
+        <p:spPr>
+          <a:xfrm>
+            <a:off x="4097217" y="158262"/>
+            <a:ext cx="3640015" cy="6515100"/>
+          </a:xfrm>
+          <a:prstGeom prst="rect">
+            <a:avLst/>
+          </a:prstGeom>
+          <a:noFill/>
+          <a:ln w="76200"/>
+        </p:spPr>
+        <p:style>
+          <a:lnRef idx="2">
+            <a:schemeClr val="accent1">
+              <a:shade val="50000"/>
+            </a:schemeClr>
+          </a:lnRef>
+          <a:fillRef idx="1">
+            <a:schemeClr val="accent1"/>
+          </a:fillRef>
+          <a:effectRef idx="0">
+            <a:schemeClr val="accent1"/>
+          </a:effectRef>
+          <a:fontRef idx="minor">
+            <a:schemeClr val="lt1"/>
+          </a:fontRef>
+        </p:style>
+        <p:txBody>
+          <a:bodyPr rtlCol="0" anchor="ctr"/>
+          <a:lstStyle/>
+          <a:p>
+            <a:pPr algn="ctr"/>
+            <a:endParaRPr lang="nl-BE"/>
+          </a:p>
+        </p:txBody>
+      </p:sp>
+      <p:sp>
+        <p:nvSpPr>
+          <p:cNvPr id="5" name="Tekstvak 4"/>
+          <p:cNvSpPr txBox="1"/>
+          <p:nvPr/>
+        </p:nvSpPr>
+        <p:spPr>
+          <a:xfrm>
+            <a:off x="4484078" y="1213338"/>
+            <a:ext cx="2866292" cy="646331"/>
+          </a:xfrm>
+          <a:prstGeom prst="rect">
+            <a:avLst/>
+          </a:prstGeom>
+          <a:noFill/>
+        </p:spPr>
+        <p:txBody>
+          <a:bodyPr wrap="square" rtlCol="0">
+            <a:spAutoFit/>
+          </a:bodyPr>
+          <a:lstStyle/>
+          <a:p>
+            <a:r>
+              <a:rPr lang="nl-BE" dirty="0"/>
+              <a:t>Welkom bij de zoek-app van Stephen Lanszweert</a:t>
+            </a:r>
+          </a:p>
+        </p:txBody>
+      </p:sp>
+      <p:sp>
+        <p:nvSpPr>
+          <p:cNvPr id="6" name="Rechthoek 5"/>
+          <p:cNvSpPr/>
+          <p:nvPr/>
+        </p:nvSpPr>
+        <p:spPr>
+          <a:xfrm>
+            <a:off x="4484078" y="2901462"/>
+            <a:ext cx="2699237" cy="1327638"/>
+          </a:xfrm>
+          <a:prstGeom prst="rect">
+            <a:avLst/>
+          </a:prstGeom>
+        </p:spPr>
+        <p:style>
+          <a:lnRef idx="2">
+            <a:schemeClr val="accent1">
+              <a:shade val="50000"/>
+            </a:schemeClr>
+          </a:lnRef>
+          <a:fillRef idx="1">
+            <a:schemeClr val="accent1"/>
+          </a:fillRef>
+          <a:effectRef idx="0">
+            <a:schemeClr val="accent1"/>
+          </a:effectRef>
+          <a:fontRef idx="minor">
+            <a:schemeClr val="lt1"/>
+          </a:fontRef>
+        </p:style>
+        <p:txBody>
+          <a:bodyPr rtlCol="0" anchor="ctr"/>
+          <a:lstStyle/>
+          <a:p>
+            <a:pPr algn="ctr"/>
+            <a:r>
+              <a:rPr lang="nl-BE" dirty="0"/>
+              <a:t>Geef hier de zoekterm in:</a:t>
+            </a:r>
+          </a:p>
+          <a:p>
+            <a:pPr algn="ctr"/>
+            <a:r>
+              <a:rPr lang="nl-BE" dirty="0"/>
+              <a:t>ZOEKTERM</a:t>
+            </a:r>
+          </a:p>
+        </p:txBody>
+      </p:sp>
+      <p:sp>
+        <p:nvSpPr>
+          <p:cNvPr id="7" name="Tekstvak 6"/>
+          <p:cNvSpPr txBox="1"/>
+          <p:nvPr/>
+        </p:nvSpPr>
+        <p:spPr>
+          <a:xfrm>
+            <a:off x="4303835" y="6154615"/>
+            <a:ext cx="3226777" cy="369277"/>
+          </a:xfrm>
+          <a:prstGeom prst="rect">
+            <a:avLst/>
+          </a:prstGeom>
+          <a:noFill/>
+        </p:spPr>
+        <p:txBody>
+          <a:bodyPr wrap="square" rtlCol="0">
+            <a:spAutoFit/>
+          </a:bodyPr>
+          <a:lstStyle/>
+          <a:p>
+            <a:r>
+              <a:rPr lang="nl-BE" dirty="0"/>
+              <a:t>© Stephen Lanszweert 2017</a:t>
+            </a:r>
+          </a:p>
+        </p:txBody>
+      </p:sp>
+      <p:sp>
+        <p:nvSpPr>
+          <p:cNvPr id="8" name="Rechthoek 7"/>
+          <p:cNvSpPr/>
+          <p:nvPr/>
+        </p:nvSpPr>
+        <p:spPr>
+          <a:xfrm>
+            <a:off x="5154930" y="4537710"/>
+            <a:ext cx="1383030" cy="514350"/>
+          </a:xfrm>
+          <a:prstGeom prst="rect">
+            <a:avLst/>
+          </a:prstGeom>
+        </p:spPr>
+        <p:style>
+          <a:lnRef idx="2">
+            <a:schemeClr val="accent1">
+              <a:shade val="50000"/>
+            </a:schemeClr>
+          </a:lnRef>
+          <a:fillRef idx="1">
+            <a:schemeClr val="accent1"/>
+          </a:fillRef>
+          <a:effectRef idx="0">
+            <a:schemeClr val="accent1"/>
+          </a:effectRef>
+          <a:fontRef idx="minor">
+            <a:schemeClr val="lt1"/>
+          </a:fontRef>
+        </p:style>
+        <p:txBody>
+          <a:bodyPr rtlCol="0" anchor="ctr"/>
+          <a:lstStyle/>
+          <a:p>
+            <a:pPr algn="ctr"/>
+            <a:r>
+              <a:rPr lang="nl-BE" dirty="0"/>
+              <a:t>Zoek!</a:t>
+            </a:r>
+          </a:p>
+        </p:txBody>
+      </p:sp>
+      <p:sp>
+        <p:nvSpPr>
+          <p:cNvPr id="9" name="Tekstvak 8"/>
+          <p:cNvSpPr txBox="1"/>
+          <p:nvPr/>
+        </p:nvSpPr>
+        <p:spPr>
+          <a:xfrm>
+            <a:off x="272562" y="219808"/>
+            <a:ext cx="3209192" cy="369332"/>
+          </a:xfrm>
+          <a:prstGeom prst="rect">
+            <a:avLst/>
+          </a:prstGeom>
+          <a:noFill/>
+        </p:spPr>
+        <p:txBody>
+          <a:bodyPr wrap="square" rtlCol="0">
+            <a:spAutoFit/>
+          </a:bodyPr>
+          <a:lstStyle/>
+          <a:p>
+            <a:r>
+              <a:rPr lang="nl-BE" dirty="0"/>
+              <a:t>Extra feature: extra zoekoptie</a:t>
+            </a:r>
+          </a:p>
+        </p:txBody>
+      </p:sp>
+      <p:sp>
+        <p:nvSpPr>
+          <p:cNvPr id="27" name="Rechthoek 26"/>
+          <p:cNvSpPr/>
+          <p:nvPr/>
+        </p:nvSpPr>
+        <p:spPr>
+          <a:xfrm>
+            <a:off x="4484078" y="5383530"/>
+            <a:ext cx="2699237" cy="537210"/>
+          </a:xfrm>
+          <a:prstGeom prst="rect">
+            <a:avLst/>
+          </a:prstGeom>
+          <a:ln w="38100">
+            <a:prstDash val="sysDash"/>
+          </a:ln>
+        </p:spPr>
+        <p:style>
+          <a:lnRef idx="2">
+            <a:schemeClr val="accent1">
+              <a:shade val="50000"/>
+            </a:schemeClr>
+          </a:lnRef>
+          <a:fillRef idx="1">
+            <a:schemeClr val="accent1"/>
+          </a:fillRef>
+          <a:effectRef idx="0">
+            <a:schemeClr val="accent1"/>
+          </a:effectRef>
+          <a:fontRef idx="minor">
+            <a:schemeClr val="lt1"/>
+          </a:fontRef>
+        </p:style>
+        <p:txBody>
+          <a:bodyPr rtlCol="0" anchor="ctr"/>
+          <a:lstStyle/>
+          <a:p>
+            <a:pPr algn="ctr"/>
+            <a:r>
+              <a:rPr lang="nl-BE" dirty="0"/>
+              <a:t>Zoek op meest bekeken</a:t>
+            </a:r>
+          </a:p>
+        </p:txBody>
+      </p:sp>
+    </p:spTree>
+    <p:extLst>
+      <p:ext uri="{BB962C8B-B14F-4D97-AF65-F5344CB8AC3E}">
+        <p14:creationId xmlns:p14="http://schemas.microsoft.com/office/powerpoint/2010/main" val="2439437218"/>
+      </p:ext>
+    </p:extLst>
+  </p:cSld>
+  <p:clrMapOvr>
+    <a:masterClrMapping/>
+  </p:clrMapOvr>
+</p:sld>
+</file>
+
+<file path=ppt/slides/slide9.xml><?xml version="1.0" encoding="utf-8"?>
+<p:sld xmlns:a="http://schemas.openxmlformats.org/drawingml/2006/main" xmlns:r="http://schemas.openxmlformats.org/officeDocument/2006/relationships" xmlns:p="http://schemas.openxmlformats.org/presentationml/2006/main">
+  <p:cSld>
+    <p:spTree>
+      <p:nvGrpSpPr>
+        <p:cNvPr id="1" name=""/>
+        <p:cNvGrpSpPr/>
+        <p:nvPr/>
+      </p:nvGrpSpPr>
+      <p:grpSpPr>
+        <a:xfrm>
+          <a:off x="0" y="0"/>
+          <a:ext cx="0" cy="0"/>
+          <a:chOff x="0" y="0"/>
+          <a:chExt cx="0" cy="0"/>
+        </a:xfrm>
+      </p:grpSpPr>
+      <p:sp>
+        <p:nvSpPr>
+          <p:cNvPr id="4" name="Rechthoek 3"/>
+          <p:cNvSpPr/>
+          <p:nvPr/>
+        </p:nvSpPr>
+        <p:spPr>
+          <a:xfrm>
+            <a:off x="4097217" y="158262"/>
+            <a:ext cx="3640015" cy="6515100"/>
+          </a:xfrm>
+          <a:prstGeom prst="rect">
+            <a:avLst/>
+          </a:prstGeom>
+          <a:noFill/>
+          <a:ln w="76200"/>
+        </p:spPr>
+        <p:style>
+          <a:lnRef idx="2">
+            <a:schemeClr val="accent1">
+              <a:shade val="50000"/>
+            </a:schemeClr>
+          </a:lnRef>
+          <a:fillRef idx="1">
+            <a:schemeClr val="accent1"/>
+          </a:fillRef>
+          <a:effectRef idx="0">
+            <a:schemeClr val="accent1"/>
+          </a:effectRef>
+          <a:fontRef idx="minor">
+            <a:schemeClr val="lt1"/>
+          </a:fontRef>
+        </p:style>
+        <p:txBody>
+          <a:bodyPr rtlCol="0" anchor="ctr"/>
+          <a:lstStyle/>
+          <a:p>
+            <a:pPr algn="ctr"/>
+            <a:endParaRPr lang="nl-BE"/>
+          </a:p>
+        </p:txBody>
+      </p:sp>
+      <p:sp>
+        <p:nvSpPr>
+          <p:cNvPr id="9" name="Tekstvak 8"/>
+          <p:cNvSpPr txBox="1"/>
+          <p:nvPr/>
+        </p:nvSpPr>
+        <p:spPr>
+          <a:xfrm>
+            <a:off x="272562" y="219808"/>
+            <a:ext cx="3209192" cy="646331"/>
+          </a:xfrm>
+          <a:prstGeom prst="rect">
+            <a:avLst/>
+          </a:prstGeom>
+          <a:noFill/>
+        </p:spPr>
+        <p:txBody>
+          <a:bodyPr wrap="square" rtlCol="0">
+            <a:spAutoFit/>
+          </a:bodyPr>
+          <a:lstStyle/>
+          <a:p>
+            <a:r>
+              <a:rPr lang="nl-BE" dirty="0"/>
+              <a:t>Extra feature: extra zoekoptie -&gt; extra scherm </a:t>
+            </a:r>
+          </a:p>
+        </p:txBody>
+      </p:sp>
+      <p:sp>
+        <p:nvSpPr>
+          <p:cNvPr id="10" name="Tekstvak 9"/>
+          <p:cNvSpPr txBox="1"/>
+          <p:nvPr/>
+        </p:nvSpPr>
+        <p:spPr>
+          <a:xfrm>
+            <a:off x="5134707" y="465992"/>
+            <a:ext cx="2202471" cy="369332"/>
+          </a:xfrm>
+          <a:prstGeom prst="rect">
+            <a:avLst/>
+          </a:prstGeom>
+          <a:noFill/>
+        </p:spPr>
+        <p:txBody>
+          <a:bodyPr wrap="square" rtlCol="0">
+            <a:spAutoFit/>
+          </a:bodyPr>
+          <a:lstStyle/>
+          <a:p>
+            <a:r>
+              <a:rPr lang="nl-BE" dirty="0"/>
+              <a:t>Meest bekeken foto’s</a:t>
+            </a:r>
+          </a:p>
+        </p:txBody>
+      </p:sp>
+      <p:sp>
+        <p:nvSpPr>
+          <p:cNvPr id="11" name="Rechthoek 10"/>
+          <p:cNvSpPr/>
+          <p:nvPr/>
+        </p:nvSpPr>
+        <p:spPr>
+          <a:xfrm>
+            <a:off x="4488472" y="1305727"/>
+            <a:ext cx="2848707" cy="3174023"/>
+          </a:xfrm>
+          <a:prstGeom prst="rect">
+            <a:avLst/>
+          </a:prstGeom>
+        </p:spPr>
+        <p:style>
+          <a:lnRef idx="2">
+            <a:schemeClr val="accent1">
+              <a:shade val="50000"/>
+            </a:schemeClr>
+          </a:lnRef>
+          <a:fillRef idx="1">
+            <a:schemeClr val="accent1"/>
+          </a:fillRef>
+          <a:effectRef idx="0">
+            <a:schemeClr val="accent1"/>
+          </a:effectRef>
+          <a:fontRef idx="minor">
+            <a:schemeClr val="lt1"/>
+          </a:fontRef>
+        </p:style>
+        <p:txBody>
+          <a:bodyPr rtlCol="0" anchor="ctr"/>
+          <a:lstStyle/>
+          <a:p>
+            <a:pPr algn="ctr"/>
+            <a:endParaRPr lang="nl-BE" dirty="0"/>
+          </a:p>
+        </p:txBody>
+      </p:sp>
+      <p:sp>
+        <p:nvSpPr>
+          <p:cNvPr id="12" name="Actieknop: Startpagina 11">
+            <a:hlinkClick r:id="" action="ppaction://noaction" highlightClick="1"/>
+          </p:cNvPr>
+          <p:cNvSpPr/>
+          <p:nvPr/>
+        </p:nvSpPr>
+        <p:spPr>
+          <a:xfrm>
+            <a:off x="4314827" y="878699"/>
+            <a:ext cx="347289" cy="283827"/>
+          </a:xfrm>
+          <a:prstGeom prst="actionButtonHome">
+            <a:avLst/>
+          </a:prstGeom>
+        </p:spPr>
+        <p:style>
+          <a:lnRef idx="2">
+            <a:schemeClr val="accent1">
+              <a:shade val="50000"/>
+            </a:schemeClr>
+          </a:lnRef>
+          <a:fillRef idx="1">
+            <a:schemeClr val="accent1"/>
+          </a:fillRef>
+          <a:effectRef idx="0">
+            <a:schemeClr val="accent1"/>
+          </a:effectRef>
+          <a:fontRef idx="minor">
+            <a:schemeClr val="lt1"/>
+          </a:fontRef>
+        </p:style>
+        <p:txBody>
+          <a:bodyPr rtlCol="0" anchor="ctr"/>
+          <a:lstStyle/>
+          <a:p>
+            <a:pPr algn="ctr"/>
+            <a:endParaRPr lang="nl-BE"/>
+          </a:p>
+        </p:txBody>
+      </p:sp>
+      <p:sp>
+        <p:nvSpPr>
+          <p:cNvPr id="13" name="Actieknop: Terug of Vorige 12">
+            <a:hlinkClick r:id="" action="ppaction://noaction" highlightClick="1"/>
+          </p:cNvPr>
+          <p:cNvSpPr/>
+          <p:nvPr/>
+        </p:nvSpPr>
+        <p:spPr>
+          <a:xfrm>
+            <a:off x="4800591" y="877413"/>
+            <a:ext cx="347289" cy="289339"/>
+          </a:xfrm>
+          <a:prstGeom prst="actionButtonBackPrevious">
+            <a:avLst/>
+          </a:prstGeom>
+        </p:spPr>
+        <p:style>
+          <a:lnRef idx="2">
+            <a:schemeClr val="accent1">
+              <a:shade val="50000"/>
+            </a:schemeClr>
+          </a:lnRef>
+          <a:fillRef idx="1">
+            <a:schemeClr val="accent1"/>
+          </a:fillRef>
+          <a:effectRef idx="0">
+            <a:schemeClr val="accent1"/>
+          </a:effectRef>
+          <a:fontRef idx="minor">
+            <a:schemeClr val="lt1"/>
+          </a:fontRef>
+        </p:style>
+        <p:txBody>
+          <a:bodyPr rtlCol="0" anchor="ctr"/>
+          <a:lstStyle/>
+          <a:p>
+            <a:pPr algn="ctr"/>
+            <a:endParaRPr lang="nl-BE"/>
+          </a:p>
+        </p:txBody>
+      </p:sp>
+      <p:sp>
+        <p:nvSpPr>
+          <p:cNvPr id="14" name="Rechthoek 13"/>
+          <p:cNvSpPr/>
+          <p:nvPr/>
+        </p:nvSpPr>
+        <p:spPr>
+          <a:xfrm>
+            <a:off x="4765427" y="1542707"/>
+            <a:ext cx="905608" cy="580292"/>
+          </a:xfrm>
+          <a:prstGeom prst="rect">
+            <a:avLst/>
+          </a:prstGeom>
+          <a:solidFill>
+            <a:srgbClr val="FFFF00"/>
+          </a:solidFill>
+        </p:spPr>
+        <p:style>
+          <a:lnRef idx="2">
+            <a:schemeClr val="accent1">
+              <a:shade val="50000"/>
+            </a:schemeClr>
+          </a:lnRef>
+          <a:fillRef idx="1">
+            <a:schemeClr val="accent1"/>
+          </a:fillRef>
+          <a:effectRef idx="0">
+            <a:schemeClr val="accent1"/>
+          </a:effectRef>
+          <a:fontRef idx="minor">
+            <a:schemeClr val="lt1"/>
+          </a:fontRef>
+        </p:style>
+        <p:txBody>
+          <a:bodyPr rtlCol="0" anchor="ctr"/>
+          <a:lstStyle/>
+          <a:p>
+            <a:pPr algn="ctr"/>
+            <a:endParaRPr lang="nl-BE"/>
+          </a:p>
+        </p:txBody>
+      </p:sp>
+      <p:sp>
+        <p:nvSpPr>
+          <p:cNvPr id="15" name="Rechthoek 14"/>
+          <p:cNvSpPr/>
+          <p:nvPr/>
+        </p:nvSpPr>
+        <p:spPr>
+          <a:xfrm>
+            <a:off x="6071088" y="1533086"/>
+            <a:ext cx="905608" cy="580292"/>
+          </a:xfrm>
+          <a:prstGeom prst="rect">
+            <a:avLst/>
+          </a:prstGeom>
+          <a:solidFill>
+            <a:schemeClr val="bg1"/>
+          </a:solidFill>
+        </p:spPr>
+        <p:style>
+          <a:lnRef idx="2">
+            <a:schemeClr val="accent1">
+              <a:shade val="50000"/>
+            </a:schemeClr>
+          </a:lnRef>
+          <a:fillRef idx="1">
+            <a:schemeClr val="accent1"/>
+          </a:fillRef>
+          <a:effectRef idx="0">
+            <a:schemeClr val="accent1"/>
+          </a:effectRef>
+          <a:fontRef idx="minor">
+            <a:schemeClr val="lt1"/>
+          </a:fontRef>
+        </p:style>
+        <p:txBody>
+          <a:bodyPr rtlCol="0" anchor="ctr"/>
+          <a:lstStyle/>
+          <a:p>
+            <a:pPr algn="ctr"/>
+            <a:endParaRPr lang="nl-BE"/>
+          </a:p>
+        </p:txBody>
+      </p:sp>
+      <p:sp>
+        <p:nvSpPr>
+          <p:cNvPr id="16" name="Rechthoek 15"/>
+          <p:cNvSpPr/>
+          <p:nvPr/>
+        </p:nvSpPr>
+        <p:spPr>
+          <a:xfrm>
+            <a:off x="4765427" y="2486060"/>
+            <a:ext cx="905608" cy="580292"/>
+          </a:xfrm>
+          <a:prstGeom prst="rect">
+            <a:avLst/>
+          </a:prstGeom>
+          <a:solidFill>
+            <a:schemeClr val="bg1"/>
+          </a:solidFill>
+        </p:spPr>
+        <p:style>
+          <a:lnRef idx="2">
+            <a:schemeClr val="accent1">
+              <a:shade val="50000"/>
+            </a:schemeClr>
+          </a:lnRef>
+          <a:fillRef idx="1">
+            <a:schemeClr val="accent1"/>
+          </a:fillRef>
+          <a:effectRef idx="0">
+            <a:schemeClr val="accent1"/>
+          </a:effectRef>
+          <a:fontRef idx="minor">
+            <a:schemeClr val="lt1"/>
+          </a:fontRef>
+        </p:style>
+        <p:txBody>
+          <a:bodyPr rtlCol="0" anchor="ctr"/>
+          <a:lstStyle/>
+          <a:p>
+            <a:pPr algn="ctr"/>
+            <a:endParaRPr lang="nl-BE"/>
+          </a:p>
+        </p:txBody>
+      </p:sp>
+      <p:sp>
+        <p:nvSpPr>
+          <p:cNvPr id="17" name="Rechthoek 16"/>
+          <p:cNvSpPr/>
+          <p:nvPr/>
+        </p:nvSpPr>
+        <p:spPr>
+          <a:xfrm>
+            <a:off x="6084280" y="2434719"/>
+            <a:ext cx="905608" cy="580292"/>
+          </a:xfrm>
+          <a:prstGeom prst="rect">
+            <a:avLst/>
+          </a:prstGeom>
+          <a:solidFill>
+            <a:schemeClr val="bg1"/>
+          </a:solidFill>
+        </p:spPr>
+        <p:style>
+          <a:lnRef idx="2">
+            <a:schemeClr val="accent1">
+              <a:shade val="50000"/>
+            </a:schemeClr>
+          </a:lnRef>
+          <a:fillRef idx="1">
+            <a:schemeClr val="accent1"/>
+          </a:fillRef>
+          <a:effectRef idx="0">
+            <a:schemeClr val="accent1"/>
+          </a:effectRef>
+          <a:fontRef idx="minor">
+            <a:schemeClr val="lt1"/>
+          </a:fontRef>
+        </p:style>
+        <p:txBody>
+          <a:bodyPr rtlCol="0" anchor="ctr"/>
+          <a:lstStyle/>
+          <a:p>
+            <a:pPr algn="ctr"/>
+            <a:endParaRPr lang="nl-BE"/>
+          </a:p>
+        </p:txBody>
+      </p:sp>
+      <p:sp>
+        <p:nvSpPr>
+          <p:cNvPr id="18" name="Rechthoek 17"/>
+          <p:cNvSpPr/>
+          <p:nvPr/>
+        </p:nvSpPr>
+        <p:spPr>
+          <a:xfrm>
+            <a:off x="4765427" y="3423557"/>
+            <a:ext cx="905608" cy="580292"/>
+          </a:xfrm>
+          <a:prstGeom prst="rect">
+            <a:avLst/>
+          </a:prstGeom>
+          <a:solidFill>
+            <a:schemeClr val="bg1"/>
+          </a:solidFill>
+        </p:spPr>
+        <p:style>
+          <a:lnRef idx="2">
+            <a:schemeClr val="accent1">
+              <a:shade val="50000"/>
+            </a:schemeClr>
+          </a:lnRef>
+          <a:fillRef idx="1">
+            <a:schemeClr val="accent1"/>
+          </a:fillRef>
+          <a:effectRef idx="0">
+            <a:schemeClr val="accent1"/>
+          </a:effectRef>
+          <a:fontRef idx="minor">
+            <a:schemeClr val="lt1"/>
+          </a:fontRef>
+        </p:style>
+        <p:txBody>
+          <a:bodyPr rtlCol="0" anchor="ctr"/>
+          <a:lstStyle/>
+          <a:p>
+            <a:pPr algn="ctr"/>
+            <a:endParaRPr lang="nl-BE"/>
+          </a:p>
+        </p:txBody>
+      </p:sp>
+      <p:sp>
+        <p:nvSpPr>
+          <p:cNvPr id="19" name="Rechthoek 18"/>
+          <p:cNvSpPr/>
+          <p:nvPr/>
+        </p:nvSpPr>
+        <p:spPr>
+          <a:xfrm>
+            <a:off x="6071088" y="3423557"/>
+            <a:ext cx="905608" cy="580292"/>
+          </a:xfrm>
+          <a:prstGeom prst="rect">
+            <a:avLst/>
+          </a:prstGeom>
+          <a:solidFill>
+            <a:schemeClr val="bg1"/>
+          </a:solidFill>
+        </p:spPr>
+        <p:style>
+          <a:lnRef idx="2">
+            <a:schemeClr val="accent1">
+              <a:shade val="50000"/>
+            </a:schemeClr>
+          </a:lnRef>
+          <a:fillRef idx="1">
+            <a:schemeClr val="accent1"/>
+          </a:fillRef>
+          <a:effectRef idx="0">
+            <a:schemeClr val="accent1"/>
+          </a:effectRef>
+          <a:fontRef idx="minor">
+            <a:schemeClr val="lt1"/>
+          </a:fontRef>
+        </p:style>
+        <p:txBody>
+          <a:bodyPr rtlCol="0" anchor="ctr"/>
+          <a:lstStyle/>
+          <a:p>
+            <a:pPr algn="ctr"/>
+            <a:endParaRPr lang="nl-BE"/>
+          </a:p>
+        </p:txBody>
+      </p:sp>
+      <p:sp>
+        <p:nvSpPr>
+          <p:cNvPr id="20" name="Tekstvak 19"/>
+          <p:cNvSpPr txBox="1"/>
+          <p:nvPr/>
+        </p:nvSpPr>
+        <p:spPr>
+          <a:xfrm>
+            <a:off x="5057774" y="2128489"/>
+            <a:ext cx="1182563" cy="253916"/>
+          </a:xfrm>
+          <a:prstGeom prst="rect">
+            <a:avLst/>
+          </a:prstGeom>
+          <a:noFill/>
+        </p:spPr>
+        <p:txBody>
+          <a:bodyPr wrap="square" rtlCol="0">
+            <a:spAutoFit/>
+          </a:bodyPr>
+          <a:lstStyle/>
+          <a:p>
+            <a:r>
+              <a:rPr lang="nl-BE" sz="1050" dirty="0"/>
+              <a:t>Titel </a:t>
+            </a:r>
+          </a:p>
+        </p:txBody>
+      </p:sp>
+      <p:sp>
+        <p:nvSpPr>
+          <p:cNvPr id="21" name="Tekstvak 20"/>
+          <p:cNvSpPr txBox="1"/>
+          <p:nvPr/>
+        </p:nvSpPr>
+        <p:spPr>
+          <a:xfrm>
+            <a:off x="6284298" y="2139605"/>
+            <a:ext cx="1182563" cy="253916"/>
+          </a:xfrm>
+          <a:prstGeom prst="rect">
+            <a:avLst/>
+          </a:prstGeom>
+          <a:noFill/>
+        </p:spPr>
+        <p:txBody>
+          <a:bodyPr wrap="square" rtlCol="0">
+            <a:spAutoFit/>
+          </a:bodyPr>
+          <a:lstStyle/>
+          <a:p>
+            <a:r>
+              <a:rPr lang="nl-BE" sz="1050" dirty="0"/>
+              <a:t>Titel</a:t>
+            </a:r>
+          </a:p>
+        </p:txBody>
+      </p:sp>
+      <p:sp>
+        <p:nvSpPr>
+          <p:cNvPr id="22" name="Tekstvak 21"/>
+          <p:cNvSpPr txBox="1"/>
+          <p:nvPr/>
+        </p:nvSpPr>
+        <p:spPr>
+          <a:xfrm>
+            <a:off x="5022605" y="3107012"/>
+            <a:ext cx="1182563" cy="253916"/>
+          </a:xfrm>
+          <a:prstGeom prst="rect">
+            <a:avLst/>
+          </a:prstGeom>
+          <a:noFill/>
+        </p:spPr>
+        <p:txBody>
+          <a:bodyPr wrap="square" rtlCol="0">
+            <a:spAutoFit/>
+          </a:bodyPr>
+          <a:lstStyle/>
+          <a:p>
+            <a:r>
+              <a:rPr lang="nl-BE" sz="1050" dirty="0"/>
+              <a:t>Titel</a:t>
+            </a:r>
+          </a:p>
+        </p:txBody>
+      </p:sp>
+      <p:sp>
+        <p:nvSpPr>
+          <p:cNvPr id="23" name="Tekstvak 22"/>
+          <p:cNvSpPr txBox="1"/>
+          <p:nvPr/>
+        </p:nvSpPr>
+        <p:spPr>
+          <a:xfrm>
+            <a:off x="6284298" y="3107012"/>
+            <a:ext cx="1182563" cy="253916"/>
+          </a:xfrm>
+          <a:prstGeom prst="rect">
+            <a:avLst/>
+          </a:prstGeom>
+          <a:noFill/>
+        </p:spPr>
+        <p:txBody>
+          <a:bodyPr wrap="square" rtlCol="0">
+            <a:spAutoFit/>
+          </a:bodyPr>
+          <a:lstStyle/>
+          <a:p>
+            <a:r>
+              <a:rPr lang="nl-BE" sz="1050" dirty="0"/>
+              <a:t>Titel </a:t>
+            </a:r>
+          </a:p>
+        </p:txBody>
+      </p:sp>
+      <p:sp>
+        <p:nvSpPr>
+          <p:cNvPr id="24" name="Tekstvak 23"/>
+          <p:cNvSpPr txBox="1"/>
+          <p:nvPr/>
+        </p:nvSpPr>
+        <p:spPr>
+          <a:xfrm>
+            <a:off x="4985244" y="4092870"/>
+            <a:ext cx="1182563" cy="253916"/>
+          </a:xfrm>
+          <a:prstGeom prst="rect">
+            <a:avLst/>
+          </a:prstGeom>
+          <a:noFill/>
+        </p:spPr>
+        <p:txBody>
+          <a:bodyPr wrap="square" rtlCol="0">
+            <a:spAutoFit/>
+          </a:bodyPr>
+          <a:lstStyle/>
+          <a:p>
+            <a:r>
+              <a:rPr lang="nl-BE" sz="1050" dirty="0"/>
+              <a:t>Titel</a:t>
+            </a:r>
+          </a:p>
+        </p:txBody>
+      </p:sp>
+      <p:sp>
+        <p:nvSpPr>
+          <p:cNvPr id="25" name="Tekstvak 24"/>
+          <p:cNvSpPr txBox="1"/>
+          <p:nvPr/>
+        </p:nvSpPr>
+        <p:spPr>
+          <a:xfrm>
+            <a:off x="6240337" y="4078000"/>
+            <a:ext cx="1182563" cy="253916"/>
+          </a:xfrm>
+          <a:prstGeom prst="rect">
+            <a:avLst/>
+          </a:prstGeom>
+          <a:noFill/>
+        </p:spPr>
+        <p:txBody>
+          <a:bodyPr wrap="square" rtlCol="0">
+            <a:spAutoFit/>
+          </a:bodyPr>
+          <a:lstStyle/>
+          <a:p>
+            <a:r>
+              <a:rPr lang="nl-BE" sz="1050" dirty="0"/>
+              <a:t>Titel </a:t>
+            </a:r>
+          </a:p>
+        </p:txBody>
+      </p:sp>
+      <p:sp>
+        <p:nvSpPr>
+          <p:cNvPr id="26" name="Tekstvak 25"/>
+          <p:cNvSpPr txBox="1"/>
+          <p:nvPr/>
+        </p:nvSpPr>
+        <p:spPr>
+          <a:xfrm>
+            <a:off x="4303835" y="6154615"/>
+            <a:ext cx="3226777" cy="369277"/>
+          </a:xfrm>
+          <a:prstGeom prst="rect">
+            <a:avLst/>
+          </a:prstGeom>
+          <a:noFill/>
+        </p:spPr>
+        <p:txBody>
+          <a:bodyPr wrap="square" rtlCol="0">
+            <a:spAutoFit/>
+          </a:bodyPr>
+          <a:lstStyle/>
+          <a:p>
+            <a:r>
+              <a:rPr lang="nl-BE" dirty="0"/>
+              <a:t>© Stephen Lanszweert 2017</a:t>
+            </a:r>
+          </a:p>
+        </p:txBody>
+      </p:sp>
+    </p:spTree>
+    <p:extLst>
+      <p:ext uri="{BB962C8B-B14F-4D97-AF65-F5344CB8AC3E}">
+        <p14:creationId xmlns:p14="http://schemas.microsoft.com/office/powerpoint/2010/main" val="3962873190"/>
       </p:ext>
     </p:extLst>
   </p:cSld>

--- a/BasisWireframe_SL.pptx
+++ b/BasisWireframe_SL.pptx
@@ -5,7 +5,7 @@
     <p:sldMasterId id="2147483648" r:id="rId1"/>
   </p:sldMasterIdLst>
   <p:notesMasterIdLst>
-    <p:notesMasterId r:id="rId11"/>
+    <p:notesMasterId r:id="rId13"/>
   </p:notesMasterIdLst>
   <p:sldIdLst>
     <p:sldId id="257" r:id="rId2"/>
@@ -15,8 +15,10 @@
     <p:sldId id="260" r:id="rId6"/>
     <p:sldId id="261" r:id="rId7"/>
     <p:sldId id="262" r:id="rId8"/>
-    <p:sldId id="263" r:id="rId9"/>
-    <p:sldId id="264" r:id="rId10"/>
+    <p:sldId id="266" r:id="rId9"/>
+    <p:sldId id="263" r:id="rId10"/>
+    <p:sldId id="264" r:id="rId11"/>
+    <p:sldId id="265" r:id="rId12"/>
   </p:sldIdLst>
   <p:sldSz cx="12192000" cy="6858000"/>
   <p:notesSz cx="6858000" cy="9144000"/>
@@ -131,12 +133,14 @@
             <p14:sldId id="260"/>
             <p14:sldId id="261"/>
             <p14:sldId id="262"/>
+            <p14:sldId id="266"/>
           </p14:sldIdLst>
         </p14:section>
         <p14:section name="Extra feature 2" id="{47D3AA0E-3A77-4118-AEDD-8751D17F5E6F}">
           <p14:sldIdLst>
             <p14:sldId id="263"/>
             <p14:sldId id="264"/>
+            <p14:sldId id="265"/>
           </p14:sldIdLst>
         </p14:section>
       </p14:sectionLst>
@@ -582,6 +586,232 @@
 </p:notes>
 </file>
 
+<file path=ppt/notesSlides/notesSlide10.xml><?xml version="1.0" encoding="utf-8"?>
+<p:notes xmlns:a="http://schemas.openxmlformats.org/drawingml/2006/main" xmlns:r="http://schemas.openxmlformats.org/officeDocument/2006/relationships" xmlns:p="http://schemas.openxmlformats.org/presentationml/2006/main">
+  <p:cSld>
+    <p:spTree>
+      <p:nvGrpSpPr>
+        <p:cNvPr id="1" name=""/>
+        <p:cNvGrpSpPr/>
+        <p:nvPr/>
+      </p:nvGrpSpPr>
+      <p:grpSpPr>
+        <a:xfrm>
+          <a:off x="0" y="0"/>
+          <a:ext cx="0" cy="0"/>
+          <a:chOff x="0" y="0"/>
+          <a:chExt cx="0" cy="0"/>
+        </a:xfrm>
+      </p:grpSpPr>
+      <p:sp>
+        <p:nvSpPr>
+          <p:cNvPr id="2" name="Tijdelijke aanduiding voor dia-afbeelding 1"/>
+          <p:cNvSpPr>
+            <a:spLocks noGrp="1" noRot="1" noChangeAspect="1"/>
+          </p:cNvSpPr>
+          <p:nvPr>
+            <p:ph type="sldImg"/>
+          </p:nvPr>
+        </p:nvSpPr>
+        <p:spPr/>
+      </p:sp>
+      <p:sp>
+        <p:nvSpPr>
+          <p:cNvPr id="3" name="Tijdelijke aanduiding voor notities 2"/>
+          <p:cNvSpPr>
+            <a:spLocks noGrp="1"/>
+          </p:cNvSpPr>
+          <p:nvPr>
+            <p:ph type="body" idx="1"/>
+          </p:nvPr>
+        </p:nvSpPr>
+        <p:spPr/>
+        <p:txBody>
+          <a:bodyPr/>
+          <a:lstStyle/>
+          <a:p>
+            <a:r>
+              <a:rPr lang="nl-BE" dirty="0"/>
+              <a:t>Hier komen dan de meest bekeken afbeeldingen. </a:t>
+            </a:r>
+          </a:p>
+          <a:p>
+            <a:endParaRPr lang="nl-BE" dirty="0"/>
+          </a:p>
+          <a:p>
+            <a:endParaRPr lang="nl-BE" dirty="0"/>
+          </a:p>
+          <a:p>
+            <a:r>
+              <a:rPr lang="nl-BE" dirty="0"/>
+              <a:t>De</a:t>
+            </a:r>
+            <a:r>
+              <a:rPr lang="nl-BE" baseline="0" dirty="0"/>
+              <a:t> gebruiker kan vervolgens op de afbeelding zelf drukken, dan verschijnt er onderaan extra info over de foto (zoals de titel</a:t>
+            </a:r>
+            <a:r>
+              <a:rPr lang="nl-BE" baseline="0"/>
+              <a:t>, de auteur </a:t>
+            </a:r>
+            <a:r>
+              <a:rPr lang="nl-BE" baseline="0" dirty="0"/>
+              <a:t>en </a:t>
+            </a:r>
+            <a:r>
+              <a:rPr lang="nl-BE" baseline="0"/>
+              <a:t>de locatie)</a:t>
+            </a:r>
+            <a:endParaRPr lang="nl-BE" dirty="0"/>
+          </a:p>
+        </p:txBody>
+      </p:sp>
+      <p:sp>
+        <p:nvSpPr>
+          <p:cNvPr id="4" name="Tijdelijke aanduiding voor dianummer 3"/>
+          <p:cNvSpPr>
+            <a:spLocks noGrp="1"/>
+          </p:cNvSpPr>
+          <p:nvPr>
+            <p:ph type="sldNum" sz="quarter" idx="10"/>
+          </p:nvPr>
+        </p:nvSpPr>
+        <p:spPr/>
+        <p:txBody>
+          <a:bodyPr/>
+          <a:lstStyle/>
+          <a:p>
+            <a:fld id="{4003FF78-445D-4257-8F4B-63464B868E86}" type="slidenum">
+              <a:rPr lang="nl-BE" smtClean="0"/>
+              <a:t>10</a:t>
+            </a:fld>
+            <a:endParaRPr lang="nl-BE"/>
+          </a:p>
+        </p:txBody>
+      </p:sp>
+    </p:spTree>
+    <p:extLst>
+      <p:ext uri="{BB962C8B-B14F-4D97-AF65-F5344CB8AC3E}">
+        <p14:creationId xmlns:p14="http://schemas.microsoft.com/office/powerpoint/2010/main" val="3743440575"/>
+      </p:ext>
+    </p:extLst>
+  </p:cSld>
+  <p:clrMapOvr>
+    <a:masterClrMapping/>
+  </p:clrMapOvr>
+</p:notes>
+</file>
+
+<file path=ppt/notesSlides/notesSlide11.xml><?xml version="1.0" encoding="utf-8"?>
+<p:notes xmlns:a="http://schemas.openxmlformats.org/drawingml/2006/main" xmlns:r="http://schemas.openxmlformats.org/officeDocument/2006/relationships" xmlns:p="http://schemas.openxmlformats.org/presentationml/2006/main">
+  <p:cSld>
+    <p:spTree>
+      <p:nvGrpSpPr>
+        <p:cNvPr id="1" name=""/>
+        <p:cNvGrpSpPr/>
+        <p:nvPr/>
+      </p:nvGrpSpPr>
+      <p:grpSpPr>
+        <a:xfrm>
+          <a:off x="0" y="0"/>
+          <a:ext cx="0" cy="0"/>
+          <a:chOff x="0" y="0"/>
+          <a:chExt cx="0" cy="0"/>
+        </a:xfrm>
+      </p:grpSpPr>
+      <p:sp>
+        <p:nvSpPr>
+          <p:cNvPr id="2" name="Tijdelijke aanduiding voor dia-afbeelding 1"/>
+          <p:cNvSpPr>
+            <a:spLocks noGrp="1" noRot="1" noChangeAspect="1"/>
+          </p:cNvSpPr>
+          <p:nvPr>
+            <p:ph type="sldImg"/>
+          </p:nvPr>
+        </p:nvSpPr>
+        <p:spPr/>
+      </p:sp>
+      <p:sp>
+        <p:nvSpPr>
+          <p:cNvPr id="3" name="Tijdelijke aanduiding voor notities 2"/>
+          <p:cNvSpPr>
+            <a:spLocks noGrp="1"/>
+          </p:cNvSpPr>
+          <p:nvPr>
+            <p:ph type="body" idx="1"/>
+          </p:nvPr>
+        </p:nvSpPr>
+        <p:spPr/>
+        <p:txBody>
+          <a:bodyPr/>
+          <a:lstStyle/>
+          <a:p>
+            <a:r>
+              <a:rPr lang="nl-BE" dirty="0"/>
+              <a:t>Hier komen dan de meest bekeken afbeeldingen. </a:t>
+            </a:r>
+          </a:p>
+          <a:p>
+            <a:endParaRPr lang="nl-BE" dirty="0"/>
+          </a:p>
+          <a:p>
+            <a:endParaRPr lang="nl-BE" dirty="0"/>
+          </a:p>
+          <a:p>
+            <a:r>
+              <a:rPr lang="nl-BE" dirty="0"/>
+              <a:t>De</a:t>
+            </a:r>
+            <a:r>
+              <a:rPr lang="nl-BE" baseline="0" dirty="0"/>
+              <a:t> gebruiker kan vervolgens op de afbeelding zelf drukken, dan verschijnt er een extra venster bovenop de andere foto’s waarbij de geselecteerde foto uitvergroot wordt.</a:t>
+            </a:r>
+          </a:p>
+          <a:p>
+            <a:r>
+              <a:rPr lang="nl-BE" baseline="0" dirty="0"/>
+              <a:t>Onderaan verschijnt er extra info over de foto (zoals de titel, de auteur en de locatie).</a:t>
+            </a:r>
+            <a:endParaRPr lang="nl-BE" dirty="0"/>
+          </a:p>
+        </p:txBody>
+      </p:sp>
+      <p:sp>
+        <p:nvSpPr>
+          <p:cNvPr id="4" name="Tijdelijke aanduiding voor dianummer 3"/>
+          <p:cNvSpPr>
+            <a:spLocks noGrp="1"/>
+          </p:cNvSpPr>
+          <p:nvPr>
+            <p:ph type="sldNum" sz="quarter" idx="10"/>
+          </p:nvPr>
+        </p:nvSpPr>
+        <p:spPr/>
+        <p:txBody>
+          <a:bodyPr/>
+          <a:lstStyle/>
+          <a:p>
+            <a:fld id="{4003FF78-445D-4257-8F4B-63464B868E86}" type="slidenum">
+              <a:rPr lang="nl-BE" smtClean="0"/>
+              <a:t>11</a:t>
+            </a:fld>
+            <a:endParaRPr lang="nl-BE"/>
+          </a:p>
+        </p:txBody>
+      </p:sp>
+    </p:spTree>
+    <p:extLst>
+      <p:ext uri="{BB962C8B-B14F-4D97-AF65-F5344CB8AC3E}">
+        <p14:creationId xmlns:p14="http://schemas.microsoft.com/office/powerpoint/2010/main" val="1684919145"/>
+      </p:ext>
+    </p:extLst>
+  </p:cSld>
+  <p:clrMapOvr>
+    <a:masterClrMapping/>
+  </p:clrMapOvr>
+</p:notes>
+</file>
+
 <file path=ppt/notesSlides/notesSlide2.xml><?xml version="1.0" encoding="utf-8"?>
 <p:notes xmlns:a="http://schemas.openxmlformats.org/drawingml/2006/main" xmlns:r="http://schemas.openxmlformats.org/officeDocument/2006/relationships" xmlns:p="http://schemas.openxmlformats.org/presentationml/2006/main">
   <p:cSld>
@@ -1252,34 +1482,26 @@
           <a:p>
             <a:r>
               <a:rPr lang="nl-BE" dirty="0"/>
-              <a:t>Bij</a:t>
+              <a:t>Hier komt de</a:t>
             </a:r>
             <a:r>
               <a:rPr lang="nl-BE" baseline="0" dirty="0"/>
-              <a:t> deze 2</a:t>
-            </a:r>
-            <a:r>
-              <a:rPr lang="nl-BE" baseline="30000" dirty="0"/>
-              <a:t>de</a:t>
-            </a:r>
+              <a:t> gebruiker op een pagina terecht waar hij de foto kan downloaden om zelf iets mee te doen. </a:t>
+            </a:r>
+          </a:p>
+          <a:p>
+            <a:endParaRPr lang="nl-BE" baseline="0" dirty="0"/>
+          </a:p>
+          <a:p>
             <a:r>
               <a:rPr lang="nl-BE" baseline="0" dirty="0"/>
-              <a:t> feature krijgt de gebruiker ook de mogelijkheid om de meest opgezochte afbeeldingen te bekijken.</a:t>
+              <a:t>Onderaan kan hij een keuze maken: drukt hij op ja wordt de foto gedownload en keert hij erna helemaal terug naar het begin.</a:t>
             </a:r>
           </a:p>
           <a:p>
             <a:r>
               <a:rPr lang="nl-BE" baseline="0" dirty="0"/>
-              <a:t>Dit gebeurd door een extra knop in het allereerste startscherm.</a:t>
-            </a:r>
-          </a:p>
-          <a:p>
-            <a:endParaRPr lang="nl-BE" baseline="0" dirty="0"/>
-          </a:p>
-          <a:p>
-            <a:r>
-              <a:rPr lang="nl-BE" baseline="0" dirty="0"/>
-              <a:t>Als de gebruiker op deze knop drukt wordt hij doorverwezen naar een andere pagina waar dan de meest bekeken foto’s op getoond worden.</a:t>
+              <a:t>Indien hij nee antwoordde keert hij automatisch terug naar het begin.</a:t>
             </a:r>
             <a:endParaRPr lang="nl-BE" dirty="0"/>
           </a:p>
@@ -1311,7 +1533,7 @@
     </p:spTree>
     <p:extLst>
       <p:ext uri="{BB962C8B-B14F-4D97-AF65-F5344CB8AC3E}">
-        <p14:creationId xmlns:p14="http://schemas.microsoft.com/office/powerpoint/2010/main" val="2305129094"/>
+        <p14:creationId xmlns:p14="http://schemas.microsoft.com/office/powerpoint/2010/main" val="2927850465"/>
       </p:ext>
     </p:extLst>
   </p:cSld>
@@ -1367,35 +1589,34 @@
           <a:p>
             <a:r>
               <a:rPr lang="nl-BE" dirty="0"/>
-              <a:t>Hier komen dan de meest bekeken afbeeldingen. </a:t>
-            </a:r>
-          </a:p>
-          <a:p>
-            <a:endParaRPr lang="nl-BE" dirty="0"/>
-          </a:p>
-          <a:p>
-            <a:endParaRPr lang="nl-BE" dirty="0"/>
-          </a:p>
-          <a:p>
-            <a:r>
-              <a:rPr lang="nl-BE" dirty="0"/>
-              <a:t>De</a:t>
+              <a:t>Bij</a:t>
             </a:r>
             <a:r>
               <a:rPr lang="nl-BE" baseline="0" dirty="0"/>
-              <a:t> gebruiker kan vervolgens op de afbeelding zelf drukken, dan verschijnt er onderaan extra info over de foto (zoals de titel</a:t>
-            </a:r>
-            <a:r>
-              <a:rPr lang="nl-BE" baseline="0"/>
-              <a:t>, de auteur </a:t>
+              <a:t> deze 2</a:t>
+            </a:r>
+            <a:r>
+              <a:rPr lang="nl-BE" baseline="30000" dirty="0"/>
+              <a:t>de</a:t>
             </a:r>
             <a:r>
               <a:rPr lang="nl-BE" baseline="0" dirty="0"/>
-              <a:t>en </a:t>
-            </a:r>
-            <a:r>
-              <a:rPr lang="nl-BE" baseline="0"/>
-              <a:t>de locatie)</a:t>
+              <a:t> feature krijgt de gebruiker ook de mogelijkheid om de meest opgezochte afbeeldingen te bekijken.</a:t>
+            </a:r>
+          </a:p>
+          <a:p>
+            <a:r>
+              <a:rPr lang="nl-BE" baseline="0" dirty="0"/>
+              <a:t>Dit gebeurd door een extra knop in het allereerste startscherm.</a:t>
+            </a:r>
+          </a:p>
+          <a:p>
+            <a:endParaRPr lang="nl-BE" baseline="0" dirty="0"/>
+          </a:p>
+          <a:p>
+            <a:r>
+              <a:rPr lang="nl-BE" baseline="0" dirty="0"/>
+              <a:t>Als de gebruiker op deze knop drukt wordt hij doorverwezen naar een andere pagina waar dan de meest bekeken foto’s op getoond worden.</a:t>
             </a:r>
             <a:endParaRPr lang="nl-BE" dirty="0"/>
           </a:p>
@@ -1427,7 +1648,7 @@
     </p:spTree>
     <p:extLst>
       <p:ext uri="{BB962C8B-B14F-4D97-AF65-F5344CB8AC3E}">
-        <p14:creationId xmlns:p14="http://schemas.microsoft.com/office/powerpoint/2010/main" val="3743440575"/>
+        <p14:creationId xmlns:p14="http://schemas.microsoft.com/office/powerpoint/2010/main" val="2305129094"/>
       </p:ext>
     </p:extLst>
   </p:cSld>
@@ -4446,7 +4667,9 @@
       </p:sp>
       <p:sp>
         <p:nvSpPr>
-          <p:cNvPr id="8" name="Rechthoek 7"/>
+          <p:cNvPr id="8" name="Rechthoek 7">
+            <a:hlinkClick r:id="rId3" action="ppaction://hlinksldjump"/>
+          </p:cNvPr>
           <p:cNvSpPr/>
           <p:nvPr/>
         </p:nvSpPr>
@@ -4491,6 +4714,1436 @@
     <p:extLst>
       <p:ext uri="{BB962C8B-B14F-4D97-AF65-F5344CB8AC3E}">
         <p14:creationId xmlns:p14="http://schemas.microsoft.com/office/powerpoint/2010/main" val="3204906389"/>
+      </p:ext>
+    </p:extLst>
+  </p:cSld>
+  <p:clrMapOvr>
+    <a:masterClrMapping/>
+  </p:clrMapOvr>
+</p:sld>
+</file>
+
+<file path=ppt/slides/slide10.xml><?xml version="1.0" encoding="utf-8"?>
+<p:sld xmlns:a="http://schemas.openxmlformats.org/drawingml/2006/main" xmlns:r="http://schemas.openxmlformats.org/officeDocument/2006/relationships" xmlns:p="http://schemas.openxmlformats.org/presentationml/2006/main">
+  <p:cSld>
+    <p:spTree>
+      <p:nvGrpSpPr>
+        <p:cNvPr id="1" name=""/>
+        <p:cNvGrpSpPr/>
+        <p:nvPr/>
+      </p:nvGrpSpPr>
+      <p:grpSpPr>
+        <a:xfrm>
+          <a:off x="0" y="0"/>
+          <a:ext cx="0" cy="0"/>
+          <a:chOff x="0" y="0"/>
+          <a:chExt cx="0" cy="0"/>
+        </a:xfrm>
+      </p:grpSpPr>
+      <p:sp>
+        <p:nvSpPr>
+          <p:cNvPr id="4" name="Rechthoek 3"/>
+          <p:cNvSpPr/>
+          <p:nvPr/>
+        </p:nvSpPr>
+        <p:spPr>
+          <a:xfrm>
+            <a:off x="4097217" y="158262"/>
+            <a:ext cx="3640015" cy="6515100"/>
+          </a:xfrm>
+          <a:prstGeom prst="rect">
+            <a:avLst/>
+          </a:prstGeom>
+          <a:noFill/>
+          <a:ln w="76200"/>
+        </p:spPr>
+        <p:style>
+          <a:lnRef idx="2">
+            <a:schemeClr val="accent1">
+              <a:shade val="50000"/>
+            </a:schemeClr>
+          </a:lnRef>
+          <a:fillRef idx="1">
+            <a:schemeClr val="accent1"/>
+          </a:fillRef>
+          <a:effectRef idx="0">
+            <a:schemeClr val="accent1"/>
+          </a:effectRef>
+          <a:fontRef idx="minor">
+            <a:schemeClr val="lt1"/>
+          </a:fontRef>
+        </p:style>
+        <p:txBody>
+          <a:bodyPr rtlCol="0" anchor="ctr"/>
+          <a:lstStyle/>
+          <a:p>
+            <a:pPr algn="ctr"/>
+            <a:endParaRPr lang="nl-BE"/>
+          </a:p>
+        </p:txBody>
+      </p:sp>
+      <p:sp>
+        <p:nvSpPr>
+          <p:cNvPr id="9" name="Tekstvak 8"/>
+          <p:cNvSpPr txBox="1"/>
+          <p:nvPr/>
+        </p:nvSpPr>
+        <p:spPr>
+          <a:xfrm>
+            <a:off x="272562" y="219808"/>
+            <a:ext cx="3209192" cy="646331"/>
+          </a:xfrm>
+          <a:prstGeom prst="rect">
+            <a:avLst/>
+          </a:prstGeom>
+          <a:noFill/>
+        </p:spPr>
+        <p:txBody>
+          <a:bodyPr wrap="square" rtlCol="0">
+            <a:spAutoFit/>
+          </a:bodyPr>
+          <a:lstStyle/>
+          <a:p>
+            <a:r>
+              <a:rPr lang="nl-BE" dirty="0"/>
+              <a:t>Extra feature: extra zoekoptie -&gt; extra scherm </a:t>
+            </a:r>
+          </a:p>
+        </p:txBody>
+      </p:sp>
+      <p:sp>
+        <p:nvSpPr>
+          <p:cNvPr id="10" name="Tekstvak 9"/>
+          <p:cNvSpPr txBox="1"/>
+          <p:nvPr/>
+        </p:nvSpPr>
+        <p:spPr>
+          <a:xfrm>
+            <a:off x="5134707" y="465992"/>
+            <a:ext cx="2202471" cy="369332"/>
+          </a:xfrm>
+          <a:prstGeom prst="rect">
+            <a:avLst/>
+          </a:prstGeom>
+          <a:noFill/>
+        </p:spPr>
+        <p:txBody>
+          <a:bodyPr wrap="square" rtlCol="0">
+            <a:spAutoFit/>
+          </a:bodyPr>
+          <a:lstStyle/>
+          <a:p>
+            <a:r>
+              <a:rPr lang="nl-BE" dirty="0"/>
+              <a:t>Meest bekeken foto’s</a:t>
+            </a:r>
+          </a:p>
+        </p:txBody>
+      </p:sp>
+      <p:sp>
+        <p:nvSpPr>
+          <p:cNvPr id="11" name="Rechthoek 10"/>
+          <p:cNvSpPr/>
+          <p:nvPr/>
+        </p:nvSpPr>
+        <p:spPr>
+          <a:xfrm>
+            <a:off x="4488472" y="1305727"/>
+            <a:ext cx="2848707" cy="3174023"/>
+          </a:xfrm>
+          <a:prstGeom prst="rect">
+            <a:avLst/>
+          </a:prstGeom>
+        </p:spPr>
+        <p:style>
+          <a:lnRef idx="2">
+            <a:schemeClr val="accent1">
+              <a:shade val="50000"/>
+            </a:schemeClr>
+          </a:lnRef>
+          <a:fillRef idx="1">
+            <a:schemeClr val="accent1"/>
+          </a:fillRef>
+          <a:effectRef idx="0">
+            <a:schemeClr val="accent1"/>
+          </a:effectRef>
+          <a:fontRef idx="minor">
+            <a:schemeClr val="lt1"/>
+          </a:fontRef>
+        </p:style>
+        <p:txBody>
+          <a:bodyPr rtlCol="0" anchor="ctr"/>
+          <a:lstStyle/>
+          <a:p>
+            <a:pPr algn="ctr"/>
+            <a:endParaRPr lang="nl-BE" dirty="0"/>
+          </a:p>
+        </p:txBody>
+      </p:sp>
+      <p:sp>
+        <p:nvSpPr>
+          <p:cNvPr id="12" name="Actieknop: Startpagina 11">
+            <a:hlinkClick r:id="" action="ppaction://noaction" highlightClick="1"/>
+          </p:cNvPr>
+          <p:cNvSpPr/>
+          <p:nvPr/>
+        </p:nvSpPr>
+        <p:spPr>
+          <a:xfrm>
+            <a:off x="4314827" y="878699"/>
+            <a:ext cx="347289" cy="283827"/>
+          </a:xfrm>
+          <a:prstGeom prst="actionButtonHome">
+            <a:avLst/>
+          </a:prstGeom>
+        </p:spPr>
+        <p:style>
+          <a:lnRef idx="2">
+            <a:schemeClr val="accent1">
+              <a:shade val="50000"/>
+            </a:schemeClr>
+          </a:lnRef>
+          <a:fillRef idx="1">
+            <a:schemeClr val="accent1"/>
+          </a:fillRef>
+          <a:effectRef idx="0">
+            <a:schemeClr val="accent1"/>
+          </a:effectRef>
+          <a:fontRef idx="minor">
+            <a:schemeClr val="lt1"/>
+          </a:fontRef>
+        </p:style>
+        <p:txBody>
+          <a:bodyPr rtlCol="0" anchor="ctr"/>
+          <a:lstStyle/>
+          <a:p>
+            <a:pPr algn="ctr"/>
+            <a:endParaRPr lang="nl-BE"/>
+          </a:p>
+        </p:txBody>
+      </p:sp>
+      <p:sp>
+        <p:nvSpPr>
+          <p:cNvPr id="13" name="Actieknop: Terug of Vorige 12">
+            <a:hlinkClick r:id="" action="ppaction://noaction" highlightClick="1"/>
+          </p:cNvPr>
+          <p:cNvSpPr/>
+          <p:nvPr/>
+        </p:nvSpPr>
+        <p:spPr>
+          <a:xfrm>
+            <a:off x="4800591" y="877413"/>
+            <a:ext cx="347289" cy="289339"/>
+          </a:xfrm>
+          <a:prstGeom prst="actionButtonBackPrevious">
+            <a:avLst/>
+          </a:prstGeom>
+        </p:spPr>
+        <p:style>
+          <a:lnRef idx="2">
+            <a:schemeClr val="accent1">
+              <a:shade val="50000"/>
+            </a:schemeClr>
+          </a:lnRef>
+          <a:fillRef idx="1">
+            <a:schemeClr val="accent1"/>
+          </a:fillRef>
+          <a:effectRef idx="0">
+            <a:schemeClr val="accent1"/>
+          </a:effectRef>
+          <a:fontRef idx="minor">
+            <a:schemeClr val="lt1"/>
+          </a:fontRef>
+        </p:style>
+        <p:txBody>
+          <a:bodyPr rtlCol="0" anchor="ctr"/>
+          <a:lstStyle/>
+          <a:p>
+            <a:pPr algn="ctr"/>
+            <a:endParaRPr lang="nl-BE"/>
+          </a:p>
+        </p:txBody>
+      </p:sp>
+      <p:sp>
+        <p:nvSpPr>
+          <p:cNvPr id="14" name="Rechthoek 13"/>
+          <p:cNvSpPr/>
+          <p:nvPr/>
+        </p:nvSpPr>
+        <p:spPr>
+          <a:xfrm>
+            <a:off x="4765427" y="1542707"/>
+            <a:ext cx="905608" cy="580292"/>
+          </a:xfrm>
+          <a:prstGeom prst="rect">
+            <a:avLst/>
+          </a:prstGeom>
+          <a:solidFill>
+            <a:srgbClr val="FFFF00"/>
+          </a:solidFill>
+        </p:spPr>
+        <p:style>
+          <a:lnRef idx="2">
+            <a:schemeClr val="accent1">
+              <a:shade val="50000"/>
+            </a:schemeClr>
+          </a:lnRef>
+          <a:fillRef idx="1">
+            <a:schemeClr val="accent1"/>
+          </a:fillRef>
+          <a:effectRef idx="0">
+            <a:schemeClr val="accent1"/>
+          </a:effectRef>
+          <a:fontRef idx="minor">
+            <a:schemeClr val="lt1"/>
+          </a:fontRef>
+        </p:style>
+        <p:txBody>
+          <a:bodyPr rtlCol="0" anchor="ctr"/>
+          <a:lstStyle/>
+          <a:p>
+            <a:pPr algn="ctr"/>
+            <a:endParaRPr lang="nl-BE"/>
+          </a:p>
+        </p:txBody>
+      </p:sp>
+      <p:sp>
+        <p:nvSpPr>
+          <p:cNvPr id="15" name="Rechthoek 14"/>
+          <p:cNvSpPr/>
+          <p:nvPr/>
+        </p:nvSpPr>
+        <p:spPr>
+          <a:xfrm>
+            <a:off x="6071088" y="1533086"/>
+            <a:ext cx="905608" cy="580292"/>
+          </a:xfrm>
+          <a:prstGeom prst="rect">
+            <a:avLst/>
+          </a:prstGeom>
+          <a:solidFill>
+            <a:schemeClr val="bg1"/>
+          </a:solidFill>
+        </p:spPr>
+        <p:style>
+          <a:lnRef idx="2">
+            <a:schemeClr val="accent1">
+              <a:shade val="50000"/>
+            </a:schemeClr>
+          </a:lnRef>
+          <a:fillRef idx="1">
+            <a:schemeClr val="accent1"/>
+          </a:fillRef>
+          <a:effectRef idx="0">
+            <a:schemeClr val="accent1"/>
+          </a:effectRef>
+          <a:fontRef idx="minor">
+            <a:schemeClr val="lt1"/>
+          </a:fontRef>
+        </p:style>
+        <p:txBody>
+          <a:bodyPr rtlCol="0" anchor="ctr"/>
+          <a:lstStyle/>
+          <a:p>
+            <a:pPr algn="ctr"/>
+            <a:endParaRPr lang="nl-BE"/>
+          </a:p>
+        </p:txBody>
+      </p:sp>
+      <p:sp>
+        <p:nvSpPr>
+          <p:cNvPr id="16" name="Rechthoek 15"/>
+          <p:cNvSpPr/>
+          <p:nvPr/>
+        </p:nvSpPr>
+        <p:spPr>
+          <a:xfrm>
+            <a:off x="4765427" y="2486060"/>
+            <a:ext cx="905608" cy="580292"/>
+          </a:xfrm>
+          <a:prstGeom prst="rect">
+            <a:avLst/>
+          </a:prstGeom>
+          <a:solidFill>
+            <a:schemeClr val="bg1"/>
+          </a:solidFill>
+        </p:spPr>
+        <p:style>
+          <a:lnRef idx="2">
+            <a:schemeClr val="accent1">
+              <a:shade val="50000"/>
+            </a:schemeClr>
+          </a:lnRef>
+          <a:fillRef idx="1">
+            <a:schemeClr val="accent1"/>
+          </a:fillRef>
+          <a:effectRef idx="0">
+            <a:schemeClr val="accent1"/>
+          </a:effectRef>
+          <a:fontRef idx="minor">
+            <a:schemeClr val="lt1"/>
+          </a:fontRef>
+        </p:style>
+        <p:txBody>
+          <a:bodyPr rtlCol="0" anchor="ctr"/>
+          <a:lstStyle/>
+          <a:p>
+            <a:pPr algn="ctr"/>
+            <a:endParaRPr lang="nl-BE"/>
+          </a:p>
+        </p:txBody>
+      </p:sp>
+      <p:sp>
+        <p:nvSpPr>
+          <p:cNvPr id="17" name="Rechthoek 16"/>
+          <p:cNvSpPr/>
+          <p:nvPr/>
+        </p:nvSpPr>
+        <p:spPr>
+          <a:xfrm>
+            <a:off x="6084280" y="2434719"/>
+            <a:ext cx="905608" cy="580292"/>
+          </a:xfrm>
+          <a:prstGeom prst="rect">
+            <a:avLst/>
+          </a:prstGeom>
+          <a:solidFill>
+            <a:schemeClr val="bg1"/>
+          </a:solidFill>
+        </p:spPr>
+        <p:style>
+          <a:lnRef idx="2">
+            <a:schemeClr val="accent1">
+              <a:shade val="50000"/>
+            </a:schemeClr>
+          </a:lnRef>
+          <a:fillRef idx="1">
+            <a:schemeClr val="accent1"/>
+          </a:fillRef>
+          <a:effectRef idx="0">
+            <a:schemeClr val="accent1"/>
+          </a:effectRef>
+          <a:fontRef idx="minor">
+            <a:schemeClr val="lt1"/>
+          </a:fontRef>
+        </p:style>
+        <p:txBody>
+          <a:bodyPr rtlCol="0" anchor="ctr"/>
+          <a:lstStyle/>
+          <a:p>
+            <a:pPr algn="ctr"/>
+            <a:endParaRPr lang="nl-BE"/>
+          </a:p>
+        </p:txBody>
+      </p:sp>
+      <p:sp>
+        <p:nvSpPr>
+          <p:cNvPr id="18" name="Rechthoek 17"/>
+          <p:cNvSpPr/>
+          <p:nvPr/>
+        </p:nvSpPr>
+        <p:spPr>
+          <a:xfrm>
+            <a:off x="4765427" y="3423557"/>
+            <a:ext cx="905608" cy="580292"/>
+          </a:xfrm>
+          <a:prstGeom prst="rect">
+            <a:avLst/>
+          </a:prstGeom>
+          <a:solidFill>
+            <a:schemeClr val="bg1"/>
+          </a:solidFill>
+        </p:spPr>
+        <p:style>
+          <a:lnRef idx="2">
+            <a:schemeClr val="accent1">
+              <a:shade val="50000"/>
+            </a:schemeClr>
+          </a:lnRef>
+          <a:fillRef idx="1">
+            <a:schemeClr val="accent1"/>
+          </a:fillRef>
+          <a:effectRef idx="0">
+            <a:schemeClr val="accent1"/>
+          </a:effectRef>
+          <a:fontRef idx="minor">
+            <a:schemeClr val="lt1"/>
+          </a:fontRef>
+        </p:style>
+        <p:txBody>
+          <a:bodyPr rtlCol="0" anchor="ctr"/>
+          <a:lstStyle/>
+          <a:p>
+            <a:pPr algn="ctr"/>
+            <a:endParaRPr lang="nl-BE"/>
+          </a:p>
+        </p:txBody>
+      </p:sp>
+      <p:sp>
+        <p:nvSpPr>
+          <p:cNvPr id="19" name="Rechthoek 18"/>
+          <p:cNvSpPr/>
+          <p:nvPr/>
+        </p:nvSpPr>
+        <p:spPr>
+          <a:xfrm>
+            <a:off x="6071088" y="3423557"/>
+            <a:ext cx="905608" cy="580292"/>
+          </a:xfrm>
+          <a:prstGeom prst="rect">
+            <a:avLst/>
+          </a:prstGeom>
+          <a:solidFill>
+            <a:schemeClr val="bg1"/>
+          </a:solidFill>
+        </p:spPr>
+        <p:style>
+          <a:lnRef idx="2">
+            <a:schemeClr val="accent1">
+              <a:shade val="50000"/>
+            </a:schemeClr>
+          </a:lnRef>
+          <a:fillRef idx="1">
+            <a:schemeClr val="accent1"/>
+          </a:fillRef>
+          <a:effectRef idx="0">
+            <a:schemeClr val="accent1"/>
+          </a:effectRef>
+          <a:fontRef idx="minor">
+            <a:schemeClr val="lt1"/>
+          </a:fontRef>
+        </p:style>
+        <p:txBody>
+          <a:bodyPr rtlCol="0" anchor="ctr"/>
+          <a:lstStyle/>
+          <a:p>
+            <a:pPr algn="ctr"/>
+            <a:endParaRPr lang="nl-BE"/>
+          </a:p>
+        </p:txBody>
+      </p:sp>
+      <p:sp>
+        <p:nvSpPr>
+          <p:cNvPr id="20" name="Tekstvak 19"/>
+          <p:cNvSpPr txBox="1"/>
+          <p:nvPr/>
+        </p:nvSpPr>
+        <p:spPr>
+          <a:xfrm>
+            <a:off x="5057774" y="2128489"/>
+            <a:ext cx="1182563" cy="253916"/>
+          </a:xfrm>
+          <a:prstGeom prst="rect">
+            <a:avLst/>
+          </a:prstGeom>
+          <a:noFill/>
+        </p:spPr>
+        <p:txBody>
+          <a:bodyPr wrap="square" rtlCol="0">
+            <a:spAutoFit/>
+          </a:bodyPr>
+          <a:lstStyle/>
+          <a:p>
+            <a:r>
+              <a:rPr lang="nl-BE" sz="1050" dirty="0"/>
+              <a:t>Titel </a:t>
+            </a:r>
+          </a:p>
+        </p:txBody>
+      </p:sp>
+      <p:sp>
+        <p:nvSpPr>
+          <p:cNvPr id="21" name="Tekstvak 20"/>
+          <p:cNvSpPr txBox="1"/>
+          <p:nvPr/>
+        </p:nvSpPr>
+        <p:spPr>
+          <a:xfrm>
+            <a:off x="6284298" y="2139605"/>
+            <a:ext cx="1182563" cy="253916"/>
+          </a:xfrm>
+          <a:prstGeom prst="rect">
+            <a:avLst/>
+          </a:prstGeom>
+          <a:noFill/>
+        </p:spPr>
+        <p:txBody>
+          <a:bodyPr wrap="square" rtlCol="0">
+            <a:spAutoFit/>
+          </a:bodyPr>
+          <a:lstStyle/>
+          <a:p>
+            <a:r>
+              <a:rPr lang="nl-BE" sz="1050" dirty="0"/>
+              <a:t>Titel</a:t>
+            </a:r>
+          </a:p>
+        </p:txBody>
+      </p:sp>
+      <p:sp>
+        <p:nvSpPr>
+          <p:cNvPr id="22" name="Tekstvak 21"/>
+          <p:cNvSpPr txBox="1"/>
+          <p:nvPr/>
+        </p:nvSpPr>
+        <p:spPr>
+          <a:xfrm>
+            <a:off x="5022605" y="3107012"/>
+            <a:ext cx="1182563" cy="253916"/>
+          </a:xfrm>
+          <a:prstGeom prst="rect">
+            <a:avLst/>
+          </a:prstGeom>
+          <a:noFill/>
+        </p:spPr>
+        <p:txBody>
+          <a:bodyPr wrap="square" rtlCol="0">
+            <a:spAutoFit/>
+          </a:bodyPr>
+          <a:lstStyle/>
+          <a:p>
+            <a:r>
+              <a:rPr lang="nl-BE" sz="1050" dirty="0"/>
+              <a:t>Titel</a:t>
+            </a:r>
+          </a:p>
+        </p:txBody>
+      </p:sp>
+      <p:sp>
+        <p:nvSpPr>
+          <p:cNvPr id="23" name="Tekstvak 22"/>
+          <p:cNvSpPr txBox="1"/>
+          <p:nvPr/>
+        </p:nvSpPr>
+        <p:spPr>
+          <a:xfrm>
+            <a:off x="6284298" y="3107012"/>
+            <a:ext cx="1182563" cy="253916"/>
+          </a:xfrm>
+          <a:prstGeom prst="rect">
+            <a:avLst/>
+          </a:prstGeom>
+          <a:noFill/>
+        </p:spPr>
+        <p:txBody>
+          <a:bodyPr wrap="square" rtlCol="0">
+            <a:spAutoFit/>
+          </a:bodyPr>
+          <a:lstStyle/>
+          <a:p>
+            <a:r>
+              <a:rPr lang="nl-BE" sz="1050" dirty="0"/>
+              <a:t>Titel </a:t>
+            </a:r>
+          </a:p>
+        </p:txBody>
+      </p:sp>
+      <p:sp>
+        <p:nvSpPr>
+          <p:cNvPr id="24" name="Tekstvak 23"/>
+          <p:cNvSpPr txBox="1"/>
+          <p:nvPr/>
+        </p:nvSpPr>
+        <p:spPr>
+          <a:xfrm>
+            <a:off x="4985244" y="4092870"/>
+            <a:ext cx="1182563" cy="253916"/>
+          </a:xfrm>
+          <a:prstGeom prst="rect">
+            <a:avLst/>
+          </a:prstGeom>
+          <a:noFill/>
+        </p:spPr>
+        <p:txBody>
+          <a:bodyPr wrap="square" rtlCol="0">
+            <a:spAutoFit/>
+          </a:bodyPr>
+          <a:lstStyle/>
+          <a:p>
+            <a:r>
+              <a:rPr lang="nl-BE" sz="1050" dirty="0"/>
+              <a:t>Titel</a:t>
+            </a:r>
+          </a:p>
+        </p:txBody>
+      </p:sp>
+      <p:sp>
+        <p:nvSpPr>
+          <p:cNvPr id="25" name="Tekstvak 24"/>
+          <p:cNvSpPr txBox="1"/>
+          <p:nvPr/>
+        </p:nvSpPr>
+        <p:spPr>
+          <a:xfrm>
+            <a:off x="6240337" y="4078000"/>
+            <a:ext cx="1182563" cy="253916"/>
+          </a:xfrm>
+          <a:prstGeom prst="rect">
+            <a:avLst/>
+          </a:prstGeom>
+          <a:noFill/>
+        </p:spPr>
+        <p:txBody>
+          <a:bodyPr wrap="square" rtlCol="0">
+            <a:spAutoFit/>
+          </a:bodyPr>
+          <a:lstStyle/>
+          <a:p>
+            <a:r>
+              <a:rPr lang="nl-BE" sz="1050" dirty="0"/>
+              <a:t>Titel </a:t>
+            </a:r>
+          </a:p>
+        </p:txBody>
+      </p:sp>
+      <p:sp>
+        <p:nvSpPr>
+          <p:cNvPr id="26" name="Tekstvak 25"/>
+          <p:cNvSpPr txBox="1"/>
+          <p:nvPr/>
+        </p:nvSpPr>
+        <p:spPr>
+          <a:xfrm>
+            <a:off x="4303835" y="6154615"/>
+            <a:ext cx="3226777" cy="369277"/>
+          </a:xfrm>
+          <a:prstGeom prst="rect">
+            <a:avLst/>
+          </a:prstGeom>
+          <a:noFill/>
+        </p:spPr>
+        <p:txBody>
+          <a:bodyPr wrap="square" rtlCol="0">
+            <a:spAutoFit/>
+          </a:bodyPr>
+          <a:lstStyle/>
+          <a:p>
+            <a:r>
+              <a:rPr lang="nl-BE" dirty="0"/>
+              <a:t>© Stephen Lanszweert 2017</a:t>
+            </a:r>
+          </a:p>
+        </p:txBody>
+      </p:sp>
+    </p:spTree>
+    <p:extLst>
+      <p:ext uri="{BB962C8B-B14F-4D97-AF65-F5344CB8AC3E}">
+        <p14:creationId xmlns:p14="http://schemas.microsoft.com/office/powerpoint/2010/main" val="3962873190"/>
+      </p:ext>
+    </p:extLst>
+  </p:cSld>
+  <p:clrMapOvr>
+    <a:masterClrMapping/>
+  </p:clrMapOvr>
+</p:sld>
+</file>
+
+<file path=ppt/slides/slide11.xml><?xml version="1.0" encoding="utf-8"?>
+<p:sld xmlns:a="http://schemas.openxmlformats.org/drawingml/2006/main" xmlns:r="http://schemas.openxmlformats.org/officeDocument/2006/relationships" xmlns:p="http://schemas.openxmlformats.org/presentationml/2006/main">
+  <p:cSld>
+    <p:spTree>
+      <p:nvGrpSpPr>
+        <p:cNvPr id="1" name=""/>
+        <p:cNvGrpSpPr/>
+        <p:nvPr/>
+      </p:nvGrpSpPr>
+      <p:grpSpPr>
+        <a:xfrm>
+          <a:off x="0" y="0"/>
+          <a:ext cx="0" cy="0"/>
+          <a:chOff x="0" y="0"/>
+          <a:chExt cx="0" cy="0"/>
+        </a:xfrm>
+      </p:grpSpPr>
+      <p:sp>
+        <p:nvSpPr>
+          <p:cNvPr id="4" name="Rechthoek 3"/>
+          <p:cNvSpPr/>
+          <p:nvPr/>
+        </p:nvSpPr>
+        <p:spPr>
+          <a:xfrm>
+            <a:off x="4097217" y="158262"/>
+            <a:ext cx="3640015" cy="6515100"/>
+          </a:xfrm>
+          <a:prstGeom prst="rect">
+            <a:avLst/>
+          </a:prstGeom>
+          <a:noFill/>
+          <a:ln w="76200"/>
+        </p:spPr>
+        <p:style>
+          <a:lnRef idx="2">
+            <a:schemeClr val="accent1">
+              <a:shade val="50000"/>
+            </a:schemeClr>
+          </a:lnRef>
+          <a:fillRef idx="1">
+            <a:schemeClr val="accent1"/>
+          </a:fillRef>
+          <a:effectRef idx="0">
+            <a:schemeClr val="accent1"/>
+          </a:effectRef>
+          <a:fontRef idx="minor">
+            <a:schemeClr val="lt1"/>
+          </a:fontRef>
+        </p:style>
+        <p:txBody>
+          <a:bodyPr rtlCol="0" anchor="ctr"/>
+          <a:lstStyle/>
+          <a:p>
+            <a:pPr algn="ctr"/>
+            <a:endParaRPr lang="nl-BE"/>
+          </a:p>
+        </p:txBody>
+      </p:sp>
+      <p:sp>
+        <p:nvSpPr>
+          <p:cNvPr id="9" name="Tekstvak 8"/>
+          <p:cNvSpPr txBox="1"/>
+          <p:nvPr/>
+        </p:nvSpPr>
+        <p:spPr>
+          <a:xfrm>
+            <a:off x="272562" y="219808"/>
+            <a:ext cx="3209192" cy="646331"/>
+          </a:xfrm>
+          <a:prstGeom prst="rect">
+            <a:avLst/>
+          </a:prstGeom>
+          <a:noFill/>
+        </p:spPr>
+        <p:txBody>
+          <a:bodyPr wrap="square" rtlCol="0">
+            <a:spAutoFit/>
+          </a:bodyPr>
+          <a:lstStyle/>
+          <a:p>
+            <a:r>
+              <a:rPr lang="nl-BE" dirty="0"/>
+              <a:t>Extra feature: extra zoekoptie -&gt; extra scherm -&gt; gedrukt op foto </a:t>
+            </a:r>
+          </a:p>
+        </p:txBody>
+      </p:sp>
+      <p:sp>
+        <p:nvSpPr>
+          <p:cNvPr id="10" name="Tekstvak 9"/>
+          <p:cNvSpPr txBox="1"/>
+          <p:nvPr/>
+        </p:nvSpPr>
+        <p:spPr>
+          <a:xfrm>
+            <a:off x="5134707" y="465992"/>
+            <a:ext cx="2202471" cy="369332"/>
+          </a:xfrm>
+          <a:prstGeom prst="rect">
+            <a:avLst/>
+          </a:prstGeom>
+          <a:noFill/>
+        </p:spPr>
+        <p:txBody>
+          <a:bodyPr wrap="square" rtlCol="0">
+            <a:spAutoFit/>
+          </a:bodyPr>
+          <a:lstStyle/>
+          <a:p>
+            <a:r>
+              <a:rPr lang="nl-BE" dirty="0"/>
+              <a:t>Meest bekeken foto’s</a:t>
+            </a:r>
+          </a:p>
+        </p:txBody>
+      </p:sp>
+      <p:sp>
+        <p:nvSpPr>
+          <p:cNvPr id="11" name="Rechthoek 10"/>
+          <p:cNvSpPr/>
+          <p:nvPr/>
+        </p:nvSpPr>
+        <p:spPr>
+          <a:xfrm>
+            <a:off x="4488472" y="1305727"/>
+            <a:ext cx="2848707" cy="3174023"/>
+          </a:xfrm>
+          <a:prstGeom prst="rect">
+            <a:avLst/>
+          </a:prstGeom>
+        </p:spPr>
+        <p:style>
+          <a:lnRef idx="2">
+            <a:schemeClr val="accent1">
+              <a:shade val="50000"/>
+            </a:schemeClr>
+          </a:lnRef>
+          <a:fillRef idx="1">
+            <a:schemeClr val="accent1"/>
+          </a:fillRef>
+          <a:effectRef idx="0">
+            <a:schemeClr val="accent1"/>
+          </a:effectRef>
+          <a:fontRef idx="minor">
+            <a:schemeClr val="lt1"/>
+          </a:fontRef>
+        </p:style>
+        <p:txBody>
+          <a:bodyPr rtlCol="0" anchor="ctr"/>
+          <a:lstStyle/>
+          <a:p>
+            <a:pPr algn="ctr"/>
+            <a:endParaRPr lang="nl-BE" dirty="0"/>
+          </a:p>
+        </p:txBody>
+      </p:sp>
+      <p:sp>
+        <p:nvSpPr>
+          <p:cNvPr id="12" name="Actieknop: Startpagina 11">
+            <a:hlinkClick r:id="" action="ppaction://noaction" highlightClick="1"/>
+          </p:cNvPr>
+          <p:cNvSpPr/>
+          <p:nvPr/>
+        </p:nvSpPr>
+        <p:spPr>
+          <a:xfrm>
+            <a:off x="4314827" y="878699"/>
+            <a:ext cx="347289" cy="283827"/>
+          </a:xfrm>
+          <a:prstGeom prst="actionButtonHome">
+            <a:avLst/>
+          </a:prstGeom>
+        </p:spPr>
+        <p:style>
+          <a:lnRef idx="2">
+            <a:schemeClr val="accent1">
+              <a:shade val="50000"/>
+            </a:schemeClr>
+          </a:lnRef>
+          <a:fillRef idx="1">
+            <a:schemeClr val="accent1"/>
+          </a:fillRef>
+          <a:effectRef idx="0">
+            <a:schemeClr val="accent1"/>
+          </a:effectRef>
+          <a:fontRef idx="minor">
+            <a:schemeClr val="lt1"/>
+          </a:fontRef>
+        </p:style>
+        <p:txBody>
+          <a:bodyPr rtlCol="0" anchor="ctr"/>
+          <a:lstStyle/>
+          <a:p>
+            <a:pPr algn="ctr"/>
+            <a:endParaRPr lang="nl-BE"/>
+          </a:p>
+        </p:txBody>
+      </p:sp>
+      <p:sp>
+        <p:nvSpPr>
+          <p:cNvPr id="13" name="Actieknop: Terug of Vorige 12">
+            <a:hlinkClick r:id="" action="ppaction://noaction" highlightClick="1"/>
+          </p:cNvPr>
+          <p:cNvSpPr/>
+          <p:nvPr/>
+        </p:nvSpPr>
+        <p:spPr>
+          <a:xfrm>
+            <a:off x="4800591" y="877413"/>
+            <a:ext cx="347289" cy="289339"/>
+          </a:xfrm>
+          <a:prstGeom prst="actionButtonBackPrevious">
+            <a:avLst/>
+          </a:prstGeom>
+        </p:spPr>
+        <p:style>
+          <a:lnRef idx="2">
+            <a:schemeClr val="accent1">
+              <a:shade val="50000"/>
+            </a:schemeClr>
+          </a:lnRef>
+          <a:fillRef idx="1">
+            <a:schemeClr val="accent1"/>
+          </a:fillRef>
+          <a:effectRef idx="0">
+            <a:schemeClr val="accent1"/>
+          </a:effectRef>
+          <a:fontRef idx="minor">
+            <a:schemeClr val="lt1"/>
+          </a:fontRef>
+        </p:style>
+        <p:txBody>
+          <a:bodyPr rtlCol="0" anchor="ctr"/>
+          <a:lstStyle/>
+          <a:p>
+            <a:pPr algn="ctr"/>
+            <a:endParaRPr lang="nl-BE"/>
+          </a:p>
+        </p:txBody>
+      </p:sp>
+      <p:sp>
+        <p:nvSpPr>
+          <p:cNvPr id="14" name="Rechthoek 13"/>
+          <p:cNvSpPr/>
+          <p:nvPr/>
+        </p:nvSpPr>
+        <p:spPr>
+          <a:xfrm>
+            <a:off x="4765427" y="1542707"/>
+            <a:ext cx="905608" cy="580292"/>
+          </a:xfrm>
+          <a:prstGeom prst="rect">
+            <a:avLst/>
+          </a:prstGeom>
+          <a:solidFill>
+            <a:srgbClr val="FFFF00"/>
+          </a:solidFill>
+        </p:spPr>
+        <p:style>
+          <a:lnRef idx="2">
+            <a:schemeClr val="accent1">
+              <a:shade val="50000"/>
+            </a:schemeClr>
+          </a:lnRef>
+          <a:fillRef idx="1">
+            <a:schemeClr val="accent1"/>
+          </a:fillRef>
+          <a:effectRef idx="0">
+            <a:schemeClr val="accent1"/>
+          </a:effectRef>
+          <a:fontRef idx="minor">
+            <a:schemeClr val="lt1"/>
+          </a:fontRef>
+        </p:style>
+        <p:txBody>
+          <a:bodyPr rtlCol="0" anchor="ctr"/>
+          <a:lstStyle/>
+          <a:p>
+            <a:pPr algn="ctr"/>
+            <a:endParaRPr lang="nl-BE"/>
+          </a:p>
+        </p:txBody>
+      </p:sp>
+      <p:sp>
+        <p:nvSpPr>
+          <p:cNvPr id="15" name="Rechthoek 14"/>
+          <p:cNvSpPr/>
+          <p:nvPr/>
+        </p:nvSpPr>
+        <p:spPr>
+          <a:xfrm>
+            <a:off x="6071088" y="1533086"/>
+            <a:ext cx="905608" cy="580292"/>
+          </a:xfrm>
+          <a:prstGeom prst="rect">
+            <a:avLst/>
+          </a:prstGeom>
+          <a:solidFill>
+            <a:schemeClr val="bg1"/>
+          </a:solidFill>
+        </p:spPr>
+        <p:style>
+          <a:lnRef idx="2">
+            <a:schemeClr val="accent1">
+              <a:shade val="50000"/>
+            </a:schemeClr>
+          </a:lnRef>
+          <a:fillRef idx="1">
+            <a:schemeClr val="accent1"/>
+          </a:fillRef>
+          <a:effectRef idx="0">
+            <a:schemeClr val="accent1"/>
+          </a:effectRef>
+          <a:fontRef idx="minor">
+            <a:schemeClr val="lt1"/>
+          </a:fontRef>
+        </p:style>
+        <p:txBody>
+          <a:bodyPr rtlCol="0" anchor="ctr"/>
+          <a:lstStyle/>
+          <a:p>
+            <a:pPr algn="ctr"/>
+            <a:endParaRPr lang="nl-BE"/>
+          </a:p>
+        </p:txBody>
+      </p:sp>
+      <p:sp>
+        <p:nvSpPr>
+          <p:cNvPr id="16" name="Rechthoek 15"/>
+          <p:cNvSpPr/>
+          <p:nvPr/>
+        </p:nvSpPr>
+        <p:spPr>
+          <a:xfrm>
+            <a:off x="4765427" y="2486060"/>
+            <a:ext cx="905608" cy="580292"/>
+          </a:xfrm>
+          <a:prstGeom prst="rect">
+            <a:avLst/>
+          </a:prstGeom>
+          <a:solidFill>
+            <a:schemeClr val="bg1"/>
+          </a:solidFill>
+        </p:spPr>
+        <p:style>
+          <a:lnRef idx="2">
+            <a:schemeClr val="accent1">
+              <a:shade val="50000"/>
+            </a:schemeClr>
+          </a:lnRef>
+          <a:fillRef idx="1">
+            <a:schemeClr val="accent1"/>
+          </a:fillRef>
+          <a:effectRef idx="0">
+            <a:schemeClr val="accent1"/>
+          </a:effectRef>
+          <a:fontRef idx="minor">
+            <a:schemeClr val="lt1"/>
+          </a:fontRef>
+        </p:style>
+        <p:txBody>
+          <a:bodyPr rtlCol="0" anchor="ctr"/>
+          <a:lstStyle/>
+          <a:p>
+            <a:pPr algn="ctr"/>
+            <a:endParaRPr lang="nl-BE"/>
+          </a:p>
+        </p:txBody>
+      </p:sp>
+      <p:sp>
+        <p:nvSpPr>
+          <p:cNvPr id="17" name="Rechthoek 16"/>
+          <p:cNvSpPr/>
+          <p:nvPr/>
+        </p:nvSpPr>
+        <p:spPr>
+          <a:xfrm>
+            <a:off x="6084280" y="2434719"/>
+            <a:ext cx="905608" cy="580292"/>
+          </a:xfrm>
+          <a:prstGeom prst="rect">
+            <a:avLst/>
+          </a:prstGeom>
+          <a:solidFill>
+            <a:schemeClr val="bg1"/>
+          </a:solidFill>
+        </p:spPr>
+        <p:style>
+          <a:lnRef idx="2">
+            <a:schemeClr val="accent1">
+              <a:shade val="50000"/>
+            </a:schemeClr>
+          </a:lnRef>
+          <a:fillRef idx="1">
+            <a:schemeClr val="accent1"/>
+          </a:fillRef>
+          <a:effectRef idx="0">
+            <a:schemeClr val="accent1"/>
+          </a:effectRef>
+          <a:fontRef idx="minor">
+            <a:schemeClr val="lt1"/>
+          </a:fontRef>
+        </p:style>
+        <p:txBody>
+          <a:bodyPr rtlCol="0" anchor="ctr"/>
+          <a:lstStyle/>
+          <a:p>
+            <a:pPr algn="ctr"/>
+            <a:endParaRPr lang="nl-BE"/>
+          </a:p>
+        </p:txBody>
+      </p:sp>
+      <p:sp>
+        <p:nvSpPr>
+          <p:cNvPr id="18" name="Rechthoek 17"/>
+          <p:cNvSpPr/>
+          <p:nvPr/>
+        </p:nvSpPr>
+        <p:spPr>
+          <a:xfrm>
+            <a:off x="4765427" y="3423557"/>
+            <a:ext cx="905608" cy="580292"/>
+          </a:xfrm>
+          <a:prstGeom prst="rect">
+            <a:avLst/>
+          </a:prstGeom>
+          <a:solidFill>
+            <a:schemeClr val="bg1"/>
+          </a:solidFill>
+        </p:spPr>
+        <p:style>
+          <a:lnRef idx="2">
+            <a:schemeClr val="accent1">
+              <a:shade val="50000"/>
+            </a:schemeClr>
+          </a:lnRef>
+          <a:fillRef idx="1">
+            <a:schemeClr val="accent1"/>
+          </a:fillRef>
+          <a:effectRef idx="0">
+            <a:schemeClr val="accent1"/>
+          </a:effectRef>
+          <a:fontRef idx="minor">
+            <a:schemeClr val="lt1"/>
+          </a:fontRef>
+        </p:style>
+        <p:txBody>
+          <a:bodyPr rtlCol="0" anchor="ctr"/>
+          <a:lstStyle/>
+          <a:p>
+            <a:pPr algn="ctr"/>
+            <a:endParaRPr lang="nl-BE"/>
+          </a:p>
+        </p:txBody>
+      </p:sp>
+      <p:sp>
+        <p:nvSpPr>
+          <p:cNvPr id="19" name="Rechthoek 18"/>
+          <p:cNvSpPr/>
+          <p:nvPr/>
+        </p:nvSpPr>
+        <p:spPr>
+          <a:xfrm>
+            <a:off x="6071088" y="3423557"/>
+            <a:ext cx="905608" cy="580292"/>
+          </a:xfrm>
+          <a:prstGeom prst="rect">
+            <a:avLst/>
+          </a:prstGeom>
+          <a:solidFill>
+            <a:schemeClr val="bg1"/>
+          </a:solidFill>
+        </p:spPr>
+        <p:style>
+          <a:lnRef idx="2">
+            <a:schemeClr val="accent1">
+              <a:shade val="50000"/>
+            </a:schemeClr>
+          </a:lnRef>
+          <a:fillRef idx="1">
+            <a:schemeClr val="accent1"/>
+          </a:fillRef>
+          <a:effectRef idx="0">
+            <a:schemeClr val="accent1"/>
+          </a:effectRef>
+          <a:fontRef idx="minor">
+            <a:schemeClr val="lt1"/>
+          </a:fontRef>
+        </p:style>
+        <p:txBody>
+          <a:bodyPr rtlCol="0" anchor="ctr"/>
+          <a:lstStyle/>
+          <a:p>
+            <a:pPr algn="ctr"/>
+            <a:endParaRPr lang="nl-BE"/>
+          </a:p>
+        </p:txBody>
+      </p:sp>
+      <p:sp>
+        <p:nvSpPr>
+          <p:cNvPr id="20" name="Tekstvak 19"/>
+          <p:cNvSpPr txBox="1"/>
+          <p:nvPr/>
+        </p:nvSpPr>
+        <p:spPr>
+          <a:xfrm>
+            <a:off x="5057774" y="2128489"/>
+            <a:ext cx="1182563" cy="253916"/>
+          </a:xfrm>
+          <a:prstGeom prst="rect">
+            <a:avLst/>
+          </a:prstGeom>
+          <a:noFill/>
+        </p:spPr>
+        <p:txBody>
+          <a:bodyPr wrap="square" rtlCol="0">
+            <a:spAutoFit/>
+          </a:bodyPr>
+          <a:lstStyle/>
+          <a:p>
+            <a:r>
+              <a:rPr lang="nl-BE" sz="1050" dirty="0"/>
+              <a:t>Titel </a:t>
+            </a:r>
+          </a:p>
+        </p:txBody>
+      </p:sp>
+      <p:sp>
+        <p:nvSpPr>
+          <p:cNvPr id="21" name="Tekstvak 20"/>
+          <p:cNvSpPr txBox="1"/>
+          <p:nvPr/>
+        </p:nvSpPr>
+        <p:spPr>
+          <a:xfrm>
+            <a:off x="6284298" y="2139605"/>
+            <a:ext cx="1182563" cy="253916"/>
+          </a:xfrm>
+          <a:prstGeom prst="rect">
+            <a:avLst/>
+          </a:prstGeom>
+          <a:noFill/>
+        </p:spPr>
+        <p:txBody>
+          <a:bodyPr wrap="square" rtlCol="0">
+            <a:spAutoFit/>
+          </a:bodyPr>
+          <a:lstStyle/>
+          <a:p>
+            <a:r>
+              <a:rPr lang="nl-BE" sz="1050" dirty="0"/>
+              <a:t>Titel</a:t>
+            </a:r>
+          </a:p>
+        </p:txBody>
+      </p:sp>
+      <p:sp>
+        <p:nvSpPr>
+          <p:cNvPr id="22" name="Tekstvak 21"/>
+          <p:cNvSpPr txBox="1"/>
+          <p:nvPr/>
+        </p:nvSpPr>
+        <p:spPr>
+          <a:xfrm>
+            <a:off x="5022605" y="3107012"/>
+            <a:ext cx="1182563" cy="253916"/>
+          </a:xfrm>
+          <a:prstGeom prst="rect">
+            <a:avLst/>
+          </a:prstGeom>
+          <a:noFill/>
+        </p:spPr>
+        <p:txBody>
+          <a:bodyPr wrap="square" rtlCol="0">
+            <a:spAutoFit/>
+          </a:bodyPr>
+          <a:lstStyle/>
+          <a:p>
+            <a:r>
+              <a:rPr lang="nl-BE" sz="1050" dirty="0"/>
+              <a:t>Titel</a:t>
+            </a:r>
+          </a:p>
+        </p:txBody>
+      </p:sp>
+      <p:sp>
+        <p:nvSpPr>
+          <p:cNvPr id="23" name="Tekstvak 22"/>
+          <p:cNvSpPr txBox="1"/>
+          <p:nvPr/>
+        </p:nvSpPr>
+        <p:spPr>
+          <a:xfrm>
+            <a:off x="6284298" y="3107012"/>
+            <a:ext cx="1182563" cy="253916"/>
+          </a:xfrm>
+          <a:prstGeom prst="rect">
+            <a:avLst/>
+          </a:prstGeom>
+          <a:noFill/>
+        </p:spPr>
+        <p:txBody>
+          <a:bodyPr wrap="square" rtlCol="0">
+            <a:spAutoFit/>
+          </a:bodyPr>
+          <a:lstStyle/>
+          <a:p>
+            <a:r>
+              <a:rPr lang="nl-BE" sz="1050" dirty="0"/>
+              <a:t>Titel </a:t>
+            </a:r>
+          </a:p>
+        </p:txBody>
+      </p:sp>
+      <p:sp>
+        <p:nvSpPr>
+          <p:cNvPr id="24" name="Tekstvak 23"/>
+          <p:cNvSpPr txBox="1"/>
+          <p:nvPr/>
+        </p:nvSpPr>
+        <p:spPr>
+          <a:xfrm>
+            <a:off x="4985244" y="4092870"/>
+            <a:ext cx="1182563" cy="253916"/>
+          </a:xfrm>
+          <a:prstGeom prst="rect">
+            <a:avLst/>
+          </a:prstGeom>
+          <a:noFill/>
+        </p:spPr>
+        <p:txBody>
+          <a:bodyPr wrap="square" rtlCol="0">
+            <a:spAutoFit/>
+          </a:bodyPr>
+          <a:lstStyle/>
+          <a:p>
+            <a:r>
+              <a:rPr lang="nl-BE" sz="1050" dirty="0"/>
+              <a:t>Titel</a:t>
+            </a:r>
+          </a:p>
+        </p:txBody>
+      </p:sp>
+      <p:sp>
+        <p:nvSpPr>
+          <p:cNvPr id="25" name="Tekstvak 24"/>
+          <p:cNvSpPr txBox="1"/>
+          <p:nvPr/>
+        </p:nvSpPr>
+        <p:spPr>
+          <a:xfrm>
+            <a:off x="6240337" y="4078000"/>
+            <a:ext cx="1182563" cy="253916"/>
+          </a:xfrm>
+          <a:prstGeom prst="rect">
+            <a:avLst/>
+          </a:prstGeom>
+          <a:noFill/>
+        </p:spPr>
+        <p:txBody>
+          <a:bodyPr wrap="square" rtlCol="0">
+            <a:spAutoFit/>
+          </a:bodyPr>
+          <a:lstStyle/>
+          <a:p>
+            <a:r>
+              <a:rPr lang="nl-BE" sz="1050" dirty="0"/>
+              <a:t>Titel </a:t>
+            </a:r>
+          </a:p>
+        </p:txBody>
+      </p:sp>
+      <p:sp>
+        <p:nvSpPr>
+          <p:cNvPr id="26" name="Tekstvak 25"/>
+          <p:cNvSpPr txBox="1"/>
+          <p:nvPr/>
+        </p:nvSpPr>
+        <p:spPr>
+          <a:xfrm>
+            <a:off x="4303835" y="6154615"/>
+            <a:ext cx="3226777" cy="369277"/>
+          </a:xfrm>
+          <a:prstGeom prst="rect">
+            <a:avLst/>
+          </a:prstGeom>
+          <a:noFill/>
+        </p:spPr>
+        <p:txBody>
+          <a:bodyPr wrap="square" rtlCol="0">
+            <a:spAutoFit/>
+          </a:bodyPr>
+          <a:lstStyle/>
+          <a:p>
+            <a:r>
+              <a:rPr lang="nl-BE" dirty="0"/>
+              <a:t>© Stephen Lanszweert 2017</a:t>
+            </a:r>
+          </a:p>
+        </p:txBody>
+      </p:sp>
+    </p:spTree>
+    <p:extLst>
+      <p:ext uri="{BB962C8B-B14F-4D97-AF65-F5344CB8AC3E}">
+        <p14:creationId xmlns:p14="http://schemas.microsoft.com/office/powerpoint/2010/main" val="2231108235"/>
       </p:ext>
     </p:extLst>
   </p:cSld>
@@ -4651,7 +6304,9 @@
       </p:sp>
       <p:sp>
         <p:nvSpPr>
-          <p:cNvPr id="9" name="Rechthoek 8"/>
+          <p:cNvPr id="9" name="Rechthoek 8">
+            <a:hlinkClick r:id="rId3" action="ppaction://hlinksldjump"/>
+          </p:cNvPr>
           <p:cNvSpPr/>
           <p:nvPr/>
         </p:nvSpPr>
@@ -4720,7 +6375,9 @@
       </p:sp>
       <p:sp>
         <p:nvSpPr>
-          <p:cNvPr id="12" name="Rechthoek 11"/>
+          <p:cNvPr id="12" name="Rechthoek 11">
+            <a:hlinkClick r:id="rId4" action="ppaction://hlinksldjump"/>
+          </p:cNvPr>
           <p:cNvSpPr/>
           <p:nvPr/>
         </p:nvSpPr>
@@ -4978,7 +6635,9 @@
       </p:sp>
       <p:sp>
         <p:nvSpPr>
-          <p:cNvPr id="18" name="Tekstvak 17"/>
+          <p:cNvPr id="18" name="Tekstvak 17">
+            <a:hlinkClick r:id="rId5" action="ppaction://hlinksldjump"/>
+          </p:cNvPr>
           <p:cNvSpPr txBox="1"/>
           <p:nvPr/>
         </p:nvSpPr>
@@ -5244,57 +6903,15 @@
       </p:sp>
       <p:sp>
         <p:nvSpPr>
-          <p:cNvPr id="28" name="Actieknop: Startpagina 27">
-            <a:hlinkClick r:id="" action="ppaction://noaction" highlightClick="1"/>
+          <p:cNvPr id="30" name="Actieknop: Terug of Vorige 29">
+            <a:hlinkClick r:id="" action="ppaction://hlinkshowjump?jump=previousslide" highlightClick="1"/>
           </p:cNvPr>
           <p:cNvSpPr/>
           <p:nvPr/>
         </p:nvSpPr>
         <p:spPr>
           <a:xfrm>
-            <a:off x="4314827" y="878699"/>
-            <a:ext cx="347289" cy="283827"/>
-          </a:xfrm>
-          <a:prstGeom prst="actionButtonHome">
-            <a:avLst/>
-          </a:prstGeom>
-        </p:spPr>
-        <p:style>
-          <a:lnRef idx="2">
-            <a:schemeClr val="accent1">
-              <a:shade val="50000"/>
-            </a:schemeClr>
-          </a:lnRef>
-          <a:fillRef idx="1">
-            <a:schemeClr val="accent1"/>
-          </a:fillRef>
-          <a:effectRef idx="0">
-            <a:schemeClr val="accent1"/>
-          </a:effectRef>
-          <a:fontRef idx="minor">
-            <a:schemeClr val="lt1"/>
-          </a:fontRef>
-        </p:style>
-        <p:txBody>
-          <a:bodyPr rtlCol="0" anchor="ctr"/>
-          <a:lstStyle/>
-          <a:p>
-            <a:pPr algn="ctr"/>
-            <a:endParaRPr lang="nl-BE"/>
-          </a:p>
-        </p:txBody>
-      </p:sp>
-      <p:sp>
-        <p:nvSpPr>
-          <p:cNvPr id="30" name="Actieknop: Terug of Vorige 29">
-            <a:hlinkClick r:id="" action="ppaction://noaction" highlightClick="1"/>
-          </p:cNvPr>
-          <p:cNvSpPr/>
-          <p:nvPr/>
-        </p:nvSpPr>
-        <p:spPr>
-          <a:xfrm>
-            <a:off x="4800591" y="877413"/>
+            <a:off x="4488472" y="877413"/>
             <a:ext cx="347289" cy="289339"/>
           </a:xfrm>
           <a:prstGeom prst="actionButtonBackPrevious">
@@ -5568,7 +7185,7 @@
       <p:sp>
         <p:nvSpPr>
           <p:cNvPr id="43" name="Actieknop: Startpagina 42">
-            <a:hlinkClick r:id="" action="ppaction://noaction" highlightClick="1"/>
+            <a:hlinkClick r:id="" action="ppaction://hlinkshowjump?jump=firstslide" highlightClick="1"/>
           </p:cNvPr>
           <p:cNvSpPr/>
           <p:nvPr/>
@@ -5610,7 +7227,7 @@
       <p:sp>
         <p:nvSpPr>
           <p:cNvPr id="44" name="Actieknop: Terug of Vorige 43">
-            <a:hlinkClick r:id="" action="ppaction://noaction" highlightClick="1"/>
+            <a:hlinkClick r:id="" action="ppaction://hlinkshowjump?jump=previousslide" highlightClick="1"/>
           </p:cNvPr>
           <p:cNvSpPr/>
           <p:nvPr/>
@@ -6283,7 +7900,7 @@
       <p:sp>
         <p:nvSpPr>
           <p:cNvPr id="22" name="Actieknop: Startpagina 21">
-            <a:hlinkClick r:id="" action="ppaction://noaction" highlightClick="1"/>
+            <a:hlinkClick r:id="" action="ppaction://hlinkshowjump?jump=firstslide" highlightClick="1"/>
           </p:cNvPr>
           <p:cNvSpPr/>
           <p:nvPr/>
@@ -6325,7 +7942,7 @@
       <p:sp>
         <p:nvSpPr>
           <p:cNvPr id="23" name="Actieknop: Terug of Vorige 22">
-            <a:hlinkClick r:id="" action="ppaction://noaction" highlightClick="1"/>
+            <a:hlinkClick r:id="rId3" action="ppaction://hlinksldjump" highlightClick="1"/>
           </p:cNvPr>
           <p:cNvSpPr/>
           <p:nvPr/>
@@ -6496,7 +8113,9 @@
       </p:sp>
       <p:sp>
         <p:nvSpPr>
-          <p:cNvPr id="7" name="Rechthoek 6"/>
+          <p:cNvPr id="7" name="Rechthoek 6">
+            <a:hlinkClick r:id="rId3" action="ppaction://hlinksldjump"/>
+          </p:cNvPr>
           <p:cNvSpPr/>
           <p:nvPr/>
         </p:nvSpPr>
@@ -6540,7 +8159,7 @@
       <p:sp>
         <p:nvSpPr>
           <p:cNvPr id="20" name="Actieknop: Startpagina 19">
-            <a:hlinkClick r:id="" action="ppaction://noaction" highlightClick="1"/>
+            <a:hlinkClick r:id="" action="ppaction://hlinkshowjump?jump=firstslide" highlightClick="1"/>
           </p:cNvPr>
           <p:cNvSpPr/>
           <p:nvPr/>
@@ -6582,7 +8201,7 @@
       <p:sp>
         <p:nvSpPr>
           <p:cNvPr id="21" name="Actieknop: Terug of Vorige 20">
-            <a:hlinkClick r:id="" action="ppaction://noaction" highlightClick="1"/>
+            <a:hlinkClick r:id="rId4" action="ppaction://hlinksldjump" highlightClick="1"/>
           </p:cNvPr>
           <p:cNvSpPr/>
           <p:nvPr/>
@@ -6652,7 +8271,9 @@
       </p:sp>
       <p:sp>
         <p:nvSpPr>
-          <p:cNvPr id="23" name="Tekstvak 22"/>
+          <p:cNvPr id="23" name="Tekstvak 22">
+            <a:hlinkClick r:id="rId5" action="ppaction://hlinksldjump"/>
+          </p:cNvPr>
           <p:cNvSpPr txBox="1"/>
           <p:nvPr/>
         </p:nvSpPr>
@@ -6687,7 +8308,9 @@
       </p:sp>
       <p:sp>
         <p:nvSpPr>
-          <p:cNvPr id="24" name="Tekstvak 23"/>
+          <p:cNvPr id="24" name="Tekstvak 23">
+            <a:hlinkClick r:id="rId6" action="ppaction://hlinksldjump"/>
+          </p:cNvPr>
           <p:cNvSpPr txBox="1"/>
           <p:nvPr/>
         </p:nvSpPr>
@@ -6887,7 +8510,7 @@
       <p:sp>
         <p:nvSpPr>
           <p:cNvPr id="8" name="Actieknop: Startpagina 7">
-            <a:hlinkClick r:id="" action="ppaction://noaction" highlightClick="1"/>
+            <a:hlinkClick r:id="" action="ppaction://hlinkshowjump?jump=firstslide" highlightClick="1"/>
           </p:cNvPr>
           <p:cNvSpPr/>
           <p:nvPr/>
@@ -6929,7 +8552,7 @@
       <p:sp>
         <p:nvSpPr>
           <p:cNvPr id="9" name="Actieknop: Terug of Vorige 8">
-            <a:hlinkClick r:id="" action="ppaction://noaction" highlightClick="1"/>
+            <a:hlinkClick r:id="" action="ppaction://hlinkshowjump?jump=previousslide" highlightClick="1"/>
           </p:cNvPr>
           <p:cNvSpPr/>
           <p:nvPr/>
@@ -7605,7 +9228,7 @@
       <p:sp>
         <p:nvSpPr>
           <p:cNvPr id="20" name="Actieknop: Startpagina 19">
-            <a:hlinkClick r:id="" action="ppaction://noaction" highlightClick="1"/>
+            <a:hlinkClick r:id="" action="ppaction://hlinkshowjump?jump=firstslide" highlightClick="1"/>
           </p:cNvPr>
           <p:cNvSpPr/>
           <p:nvPr/>
@@ -7647,7 +9270,7 @@
       <p:sp>
         <p:nvSpPr>
           <p:cNvPr id="21" name="Actieknop: Terug of Vorige 20">
-            <a:hlinkClick r:id="" action="ppaction://noaction" highlightClick="1"/>
+            <a:hlinkClick r:id="rId3" action="ppaction://hlinksldjump" highlightClick="1"/>
           </p:cNvPr>
           <p:cNvSpPr/>
           <p:nvPr/>
@@ -7775,7 +9398,9 @@
       </p:sp>
       <p:sp>
         <p:nvSpPr>
-          <p:cNvPr id="2" name="Rechthoek 1"/>
+          <p:cNvPr id="2" name="Rechthoek 1">
+            <a:hlinkClick r:id="rId4" action="ppaction://hlinksldjump"/>
+          </p:cNvPr>
           <p:cNvSpPr/>
           <p:nvPr/>
         </p:nvSpPr>
@@ -7818,7 +9443,9 @@
       </p:sp>
       <p:sp>
         <p:nvSpPr>
-          <p:cNvPr id="12" name="Rechthoek 11"/>
+          <p:cNvPr id="12" name="Rechthoek 11">
+            <a:hlinkClick r:id="rId5" action="ppaction://hlinksldjump"/>
+          </p:cNvPr>
           <p:cNvSpPr/>
           <p:nvPr/>
         </p:nvSpPr>
@@ -7939,8 +9566,8 @@
         </p:nvSpPr>
         <p:spPr>
           <a:xfrm>
-            <a:off x="4484078" y="1213338"/>
-            <a:ext cx="2866292" cy="646331"/>
+            <a:off x="4303835" y="6154615"/>
+            <a:ext cx="3226777" cy="369277"/>
           </a:xfrm>
           <a:prstGeom prst="rect">
             <a:avLst/>
@@ -7955,21 +9582,50 @@
           <a:p>
             <a:r>
               <a:rPr lang="nl-BE" dirty="0"/>
-              <a:t>Welkom bij de zoek-app van Stephen Lanszweert</a:t>
-            </a:r>
-          </a:p>
-        </p:txBody>
-      </p:sp>
-      <p:sp>
-        <p:nvSpPr>
-          <p:cNvPr id="6" name="Rechthoek 5"/>
+              <a:t>© Stephen Lanszweert 2017</a:t>
+            </a:r>
+          </a:p>
+        </p:txBody>
+      </p:sp>
+      <p:sp>
+        <p:nvSpPr>
+          <p:cNvPr id="6" name="Tekstvak 5"/>
+          <p:cNvSpPr txBox="1"/>
+          <p:nvPr/>
+        </p:nvSpPr>
+        <p:spPr>
+          <a:xfrm>
+            <a:off x="5134708" y="465992"/>
+            <a:ext cx="1960684" cy="369332"/>
+          </a:xfrm>
+          <a:prstGeom prst="rect">
+            <a:avLst/>
+          </a:prstGeom>
+          <a:noFill/>
+        </p:spPr>
+        <p:txBody>
+          <a:bodyPr wrap="square" rtlCol="0">
+            <a:spAutoFit/>
+          </a:bodyPr>
+          <a:lstStyle/>
+          <a:p>
+            <a:r>
+              <a:rPr lang="nl-BE" dirty="0"/>
+              <a:t>Titel foto</a:t>
+            </a:r>
+          </a:p>
+        </p:txBody>
+      </p:sp>
+      <p:sp>
+        <p:nvSpPr>
+          <p:cNvPr id="7" name="Rechthoek 6"/>
           <p:cNvSpPr/>
           <p:nvPr/>
         </p:nvSpPr>
         <p:spPr>
           <a:xfrm>
-            <a:off x="4484078" y="2901462"/>
-            <a:ext cx="2699237" cy="1327638"/>
+            <a:off x="4488472" y="1305727"/>
+            <a:ext cx="2848707" cy="3174023"/>
           </a:xfrm>
           <a:prstGeom prst="rect">
             <a:avLst/>
@@ -7998,59 +9654,25 @@
             <a:pPr algn="ctr"/>
             <a:r>
               <a:rPr lang="nl-BE" dirty="0"/>
-              <a:t>Geef hier de zoekterm in:</a:t>
-            </a:r>
-          </a:p>
-          <a:p>
-            <a:pPr algn="ctr"/>
-            <a:r>
-              <a:rPr lang="nl-BE" dirty="0"/>
-              <a:t>ZOEKTERM</a:t>
-            </a:r>
-          </a:p>
-        </p:txBody>
-      </p:sp>
-      <p:sp>
-        <p:nvSpPr>
-          <p:cNvPr id="7" name="Tekstvak 6"/>
-          <p:cNvSpPr txBox="1"/>
-          <p:nvPr/>
-        </p:nvSpPr>
-        <p:spPr>
-          <a:xfrm>
-            <a:off x="4303835" y="6154615"/>
-            <a:ext cx="3226777" cy="369277"/>
-          </a:xfrm>
-          <a:prstGeom prst="rect">
-            <a:avLst/>
-          </a:prstGeom>
-          <a:noFill/>
-        </p:spPr>
-        <p:txBody>
-          <a:bodyPr wrap="square" rtlCol="0">
-            <a:spAutoFit/>
-          </a:bodyPr>
-          <a:lstStyle/>
-          <a:p>
-            <a:r>
-              <a:rPr lang="nl-BE" dirty="0"/>
-              <a:t>© Stephen Lanszweert 2017</a:t>
-            </a:r>
-          </a:p>
-        </p:txBody>
-      </p:sp>
-      <p:sp>
-        <p:nvSpPr>
-          <p:cNvPr id="8" name="Rechthoek 7"/>
+              <a:t>Foto in het groot</a:t>
+            </a:r>
+          </a:p>
+        </p:txBody>
+      </p:sp>
+      <p:sp>
+        <p:nvSpPr>
+          <p:cNvPr id="20" name="Actieknop: Startpagina 19">
+            <a:hlinkClick r:id="" action="ppaction://hlinkshowjump?jump=firstslide" highlightClick="1"/>
+          </p:cNvPr>
           <p:cNvSpPr/>
           <p:nvPr/>
         </p:nvSpPr>
         <p:spPr>
           <a:xfrm>
-            <a:off x="5154930" y="4537710"/>
-            <a:ext cx="1383030" cy="514350"/>
-          </a:xfrm>
-          <a:prstGeom prst="rect">
+            <a:off x="4314827" y="878699"/>
+            <a:ext cx="347289" cy="283827"/>
+          </a:xfrm>
+          <a:prstGeom prst="actionButtonHome">
             <a:avLst/>
           </a:prstGeom>
         </p:spPr>
@@ -8075,23 +9697,20 @@
           <a:lstStyle/>
           <a:p>
             <a:pPr algn="ctr"/>
-            <a:r>
-              <a:rPr lang="nl-BE" dirty="0"/>
-              <a:t>Zoek!</a:t>
-            </a:r>
-          </a:p>
-        </p:txBody>
-      </p:sp>
-      <p:sp>
-        <p:nvSpPr>
-          <p:cNvPr id="9" name="Tekstvak 8"/>
+            <a:endParaRPr lang="nl-BE"/>
+          </a:p>
+        </p:txBody>
+      </p:sp>
+      <p:sp>
+        <p:nvSpPr>
+          <p:cNvPr id="22" name="Tekstvak 21"/>
           <p:cNvSpPr txBox="1"/>
           <p:nvPr/>
         </p:nvSpPr>
         <p:spPr>
           <a:xfrm>
             <a:off x="272562" y="219808"/>
-            <a:ext cx="3209192" cy="369332"/>
+            <a:ext cx="3209192" cy="923330"/>
           </a:xfrm>
           <a:prstGeom prst="rect">
             <a:avLst/>
@@ -8106,53 +9725,36 @@
           <a:p>
             <a:r>
               <a:rPr lang="nl-BE" dirty="0"/>
-              <a:t>Extra feature: extra zoekoptie</a:t>
-            </a:r>
-          </a:p>
-        </p:txBody>
-      </p:sp>
-      <p:sp>
-        <p:nvSpPr>
-          <p:cNvPr id="27" name="Rechthoek 26"/>
-          <p:cNvSpPr/>
-          <p:nvPr/>
-        </p:nvSpPr>
-        <p:spPr>
-          <a:xfrm>
-            <a:off x="4484078" y="5383530"/>
-            <a:ext cx="2699237" cy="537210"/>
-          </a:xfrm>
-          <a:prstGeom prst="rect">
-            <a:avLst/>
-          </a:prstGeom>
-          <a:ln w="38100">
-            <a:prstDash val="sysDash"/>
-          </a:ln>
-        </p:spPr>
-        <p:style>
-          <a:lnRef idx="2">
-            <a:schemeClr val="accent1">
-              <a:shade val="50000"/>
-            </a:schemeClr>
-          </a:lnRef>
-          <a:fillRef idx="1">
-            <a:schemeClr val="accent1"/>
-          </a:fillRef>
-          <a:effectRef idx="0">
-            <a:schemeClr val="accent1"/>
-          </a:effectRef>
-          <a:fontRef idx="minor">
-            <a:schemeClr val="lt1"/>
-          </a:fontRef>
-        </p:style>
-        <p:txBody>
-          <a:bodyPr rtlCol="0" anchor="ctr"/>
-          <a:lstStyle/>
-          <a:p>
-            <a:pPr algn="ctr"/>
+              <a:t>Extra feature: drukken op afbeelding -&gt; gedrukt op foto -&gt; ja</a:t>
+            </a:r>
+          </a:p>
+        </p:txBody>
+      </p:sp>
+      <p:sp>
+        <p:nvSpPr>
+          <p:cNvPr id="24" name="Tekstvak 23"/>
+          <p:cNvSpPr txBox="1"/>
+          <p:nvPr/>
+        </p:nvSpPr>
+        <p:spPr>
+          <a:xfrm>
+            <a:off x="4488471" y="4950153"/>
+            <a:ext cx="3143259" cy="369332"/>
+          </a:xfrm>
+          <a:prstGeom prst="rect">
+            <a:avLst/>
+          </a:prstGeom>
+          <a:noFill/>
+        </p:spPr>
+        <p:txBody>
+          <a:bodyPr wrap="square" rtlCol="0">
+            <a:spAutoFit/>
+          </a:bodyPr>
+          <a:lstStyle/>
+          <a:p>
             <a:r>
               <a:rPr lang="nl-BE" dirty="0"/>
-              <a:t>Zoek op meest bekeken</a:t>
+              <a:t>De foto zal nu downloaden</a:t>
             </a:r>
           </a:p>
         </p:txBody>
@@ -8160,7 +9762,7 @@
     </p:spTree>
     <p:extLst>
       <p:ext uri="{BB962C8B-B14F-4D97-AF65-F5344CB8AC3E}">
-        <p14:creationId xmlns:p14="http://schemas.microsoft.com/office/powerpoint/2010/main" val="2439437218"/>
+        <p14:creationId xmlns:p14="http://schemas.microsoft.com/office/powerpoint/2010/main" val="1499011293"/>
       </p:ext>
     </p:extLst>
   </p:cSld>
@@ -8231,14 +9833,14 @@
       </p:sp>
       <p:sp>
         <p:nvSpPr>
-          <p:cNvPr id="9" name="Tekstvak 8"/>
+          <p:cNvPr id="5" name="Tekstvak 4"/>
           <p:cNvSpPr txBox="1"/>
           <p:nvPr/>
         </p:nvSpPr>
         <p:spPr>
           <a:xfrm>
-            <a:off x="272562" y="219808"/>
-            <a:ext cx="3209192" cy="646331"/>
+            <a:off x="4484078" y="1213338"/>
+            <a:ext cx="2866292" cy="646331"/>
           </a:xfrm>
           <a:prstGeom prst="rect">
             <a:avLst/>
@@ -8253,50 +9855,21 @@
           <a:p>
             <a:r>
               <a:rPr lang="nl-BE" dirty="0"/>
-              <a:t>Extra feature: extra zoekoptie -&gt; extra scherm </a:t>
-            </a:r>
-          </a:p>
-        </p:txBody>
-      </p:sp>
-      <p:sp>
-        <p:nvSpPr>
-          <p:cNvPr id="10" name="Tekstvak 9"/>
-          <p:cNvSpPr txBox="1"/>
-          <p:nvPr/>
-        </p:nvSpPr>
-        <p:spPr>
-          <a:xfrm>
-            <a:off x="5134707" y="465992"/>
-            <a:ext cx="2202471" cy="369332"/>
-          </a:xfrm>
-          <a:prstGeom prst="rect">
-            <a:avLst/>
-          </a:prstGeom>
-          <a:noFill/>
-        </p:spPr>
-        <p:txBody>
-          <a:bodyPr wrap="square" rtlCol="0">
-            <a:spAutoFit/>
-          </a:bodyPr>
-          <a:lstStyle/>
-          <a:p>
-            <a:r>
-              <a:rPr lang="nl-BE" dirty="0"/>
-              <a:t>Meest bekeken foto’s</a:t>
-            </a:r>
-          </a:p>
-        </p:txBody>
-      </p:sp>
-      <p:sp>
-        <p:nvSpPr>
-          <p:cNvPr id="11" name="Rechthoek 10"/>
+              <a:t>Welkom bij de zoek-app van Stephen Lanszweert</a:t>
+            </a:r>
+          </a:p>
+        </p:txBody>
+      </p:sp>
+      <p:sp>
+        <p:nvSpPr>
+          <p:cNvPr id="6" name="Rechthoek 5"/>
           <p:cNvSpPr/>
           <p:nvPr/>
         </p:nvSpPr>
         <p:spPr>
           <a:xfrm>
-            <a:off x="4488472" y="1305727"/>
-            <a:ext cx="2848707" cy="3174023"/>
+            <a:off x="4484078" y="2901462"/>
+            <a:ext cx="2699237" cy="1327638"/>
           </a:xfrm>
           <a:prstGeom prst="rect">
             <a:avLst/>
@@ -8323,24 +9896,61 @@
           <a:lstStyle/>
           <a:p>
             <a:pPr algn="ctr"/>
-            <a:endParaRPr lang="nl-BE" dirty="0"/>
-          </a:p>
-        </p:txBody>
-      </p:sp>
-      <p:sp>
-        <p:nvSpPr>
-          <p:cNvPr id="12" name="Actieknop: Startpagina 11">
-            <a:hlinkClick r:id="" action="ppaction://noaction" highlightClick="1"/>
-          </p:cNvPr>
+            <a:r>
+              <a:rPr lang="nl-BE" dirty="0"/>
+              <a:t>Geef hier de zoekterm in:</a:t>
+            </a:r>
+          </a:p>
+          <a:p>
+            <a:pPr algn="ctr"/>
+            <a:r>
+              <a:rPr lang="nl-BE" dirty="0"/>
+              <a:t>ZOEKTERM</a:t>
+            </a:r>
+          </a:p>
+        </p:txBody>
+      </p:sp>
+      <p:sp>
+        <p:nvSpPr>
+          <p:cNvPr id="7" name="Tekstvak 6"/>
+          <p:cNvSpPr txBox="1"/>
+          <p:nvPr/>
+        </p:nvSpPr>
+        <p:spPr>
+          <a:xfrm>
+            <a:off x="4303835" y="6154615"/>
+            <a:ext cx="3226777" cy="369277"/>
+          </a:xfrm>
+          <a:prstGeom prst="rect">
+            <a:avLst/>
+          </a:prstGeom>
+          <a:noFill/>
+        </p:spPr>
+        <p:txBody>
+          <a:bodyPr wrap="square" rtlCol="0">
+            <a:spAutoFit/>
+          </a:bodyPr>
+          <a:lstStyle/>
+          <a:p>
+            <a:r>
+              <a:rPr lang="nl-BE" dirty="0"/>
+              <a:t>© Stephen Lanszweert 2017</a:t>
+            </a:r>
+          </a:p>
+        </p:txBody>
+      </p:sp>
+      <p:sp>
+        <p:nvSpPr>
+          <p:cNvPr id="8" name="Rechthoek 7"/>
           <p:cNvSpPr/>
           <p:nvPr/>
         </p:nvSpPr>
         <p:spPr>
           <a:xfrm>
-            <a:off x="4314827" y="878699"/>
-            <a:ext cx="347289" cy="283827"/>
-          </a:xfrm>
-          <a:prstGeom prst="actionButtonHome">
+            <a:off x="5154930" y="4537710"/>
+            <a:ext cx="1383030" cy="514350"/>
+          </a:xfrm>
+          <a:prstGeom prst="rect">
             <a:avLst/>
           </a:prstGeom>
         </p:spPr>
@@ -8365,26 +9975,59 @@
           <a:lstStyle/>
           <a:p>
             <a:pPr algn="ctr"/>
-            <a:endParaRPr lang="nl-BE"/>
-          </a:p>
-        </p:txBody>
-      </p:sp>
-      <p:sp>
-        <p:nvSpPr>
-          <p:cNvPr id="13" name="Actieknop: Terug of Vorige 12">
-            <a:hlinkClick r:id="" action="ppaction://noaction" highlightClick="1"/>
-          </p:cNvPr>
+            <a:r>
+              <a:rPr lang="nl-BE" dirty="0"/>
+              <a:t>Zoek!</a:t>
+            </a:r>
+          </a:p>
+        </p:txBody>
+      </p:sp>
+      <p:sp>
+        <p:nvSpPr>
+          <p:cNvPr id="9" name="Tekstvak 8"/>
+          <p:cNvSpPr txBox="1"/>
+          <p:nvPr/>
+        </p:nvSpPr>
+        <p:spPr>
+          <a:xfrm>
+            <a:off x="272562" y="219808"/>
+            <a:ext cx="3209192" cy="369332"/>
+          </a:xfrm>
+          <a:prstGeom prst="rect">
+            <a:avLst/>
+          </a:prstGeom>
+          <a:noFill/>
+        </p:spPr>
+        <p:txBody>
+          <a:bodyPr wrap="square" rtlCol="0">
+            <a:spAutoFit/>
+          </a:bodyPr>
+          <a:lstStyle/>
+          <a:p>
+            <a:r>
+              <a:rPr lang="nl-BE" dirty="0"/>
+              <a:t>Extra feature: extra zoekoptie</a:t>
+            </a:r>
+          </a:p>
+        </p:txBody>
+      </p:sp>
+      <p:sp>
+        <p:nvSpPr>
+          <p:cNvPr id="27" name="Rechthoek 26"/>
           <p:cNvSpPr/>
           <p:nvPr/>
         </p:nvSpPr>
         <p:spPr>
           <a:xfrm>
-            <a:off x="4800591" y="877413"/>
-            <a:ext cx="347289" cy="289339"/>
-          </a:xfrm>
-          <a:prstGeom prst="actionButtonBackPrevious">
-            <a:avLst/>
-          </a:prstGeom>
+            <a:off x="4484078" y="5383530"/>
+            <a:ext cx="2699237" cy="537210"/>
+          </a:xfrm>
+          <a:prstGeom prst="rect">
+            <a:avLst/>
+          </a:prstGeom>
+          <a:ln w="38100">
+            <a:prstDash val="sysDash"/>
+          </a:ln>
         </p:spPr>
         <p:style>
           <a:lnRef idx="2">
@@ -8407,467 +10050,9 @@
           <a:lstStyle/>
           <a:p>
             <a:pPr algn="ctr"/>
-            <a:endParaRPr lang="nl-BE"/>
-          </a:p>
-        </p:txBody>
-      </p:sp>
-      <p:sp>
-        <p:nvSpPr>
-          <p:cNvPr id="14" name="Rechthoek 13"/>
-          <p:cNvSpPr/>
-          <p:nvPr/>
-        </p:nvSpPr>
-        <p:spPr>
-          <a:xfrm>
-            <a:off x="4765427" y="1542707"/>
-            <a:ext cx="905608" cy="580292"/>
-          </a:xfrm>
-          <a:prstGeom prst="rect">
-            <a:avLst/>
-          </a:prstGeom>
-          <a:solidFill>
-            <a:srgbClr val="FFFF00"/>
-          </a:solidFill>
-        </p:spPr>
-        <p:style>
-          <a:lnRef idx="2">
-            <a:schemeClr val="accent1">
-              <a:shade val="50000"/>
-            </a:schemeClr>
-          </a:lnRef>
-          <a:fillRef idx="1">
-            <a:schemeClr val="accent1"/>
-          </a:fillRef>
-          <a:effectRef idx="0">
-            <a:schemeClr val="accent1"/>
-          </a:effectRef>
-          <a:fontRef idx="minor">
-            <a:schemeClr val="lt1"/>
-          </a:fontRef>
-        </p:style>
-        <p:txBody>
-          <a:bodyPr rtlCol="0" anchor="ctr"/>
-          <a:lstStyle/>
-          <a:p>
-            <a:pPr algn="ctr"/>
-            <a:endParaRPr lang="nl-BE"/>
-          </a:p>
-        </p:txBody>
-      </p:sp>
-      <p:sp>
-        <p:nvSpPr>
-          <p:cNvPr id="15" name="Rechthoek 14"/>
-          <p:cNvSpPr/>
-          <p:nvPr/>
-        </p:nvSpPr>
-        <p:spPr>
-          <a:xfrm>
-            <a:off x="6071088" y="1533086"/>
-            <a:ext cx="905608" cy="580292"/>
-          </a:xfrm>
-          <a:prstGeom prst="rect">
-            <a:avLst/>
-          </a:prstGeom>
-          <a:solidFill>
-            <a:schemeClr val="bg1"/>
-          </a:solidFill>
-        </p:spPr>
-        <p:style>
-          <a:lnRef idx="2">
-            <a:schemeClr val="accent1">
-              <a:shade val="50000"/>
-            </a:schemeClr>
-          </a:lnRef>
-          <a:fillRef idx="1">
-            <a:schemeClr val="accent1"/>
-          </a:fillRef>
-          <a:effectRef idx="0">
-            <a:schemeClr val="accent1"/>
-          </a:effectRef>
-          <a:fontRef idx="minor">
-            <a:schemeClr val="lt1"/>
-          </a:fontRef>
-        </p:style>
-        <p:txBody>
-          <a:bodyPr rtlCol="0" anchor="ctr"/>
-          <a:lstStyle/>
-          <a:p>
-            <a:pPr algn="ctr"/>
-            <a:endParaRPr lang="nl-BE"/>
-          </a:p>
-        </p:txBody>
-      </p:sp>
-      <p:sp>
-        <p:nvSpPr>
-          <p:cNvPr id="16" name="Rechthoek 15"/>
-          <p:cNvSpPr/>
-          <p:nvPr/>
-        </p:nvSpPr>
-        <p:spPr>
-          <a:xfrm>
-            <a:off x="4765427" y="2486060"/>
-            <a:ext cx="905608" cy="580292"/>
-          </a:xfrm>
-          <a:prstGeom prst="rect">
-            <a:avLst/>
-          </a:prstGeom>
-          <a:solidFill>
-            <a:schemeClr val="bg1"/>
-          </a:solidFill>
-        </p:spPr>
-        <p:style>
-          <a:lnRef idx="2">
-            <a:schemeClr val="accent1">
-              <a:shade val="50000"/>
-            </a:schemeClr>
-          </a:lnRef>
-          <a:fillRef idx="1">
-            <a:schemeClr val="accent1"/>
-          </a:fillRef>
-          <a:effectRef idx="0">
-            <a:schemeClr val="accent1"/>
-          </a:effectRef>
-          <a:fontRef idx="minor">
-            <a:schemeClr val="lt1"/>
-          </a:fontRef>
-        </p:style>
-        <p:txBody>
-          <a:bodyPr rtlCol="0" anchor="ctr"/>
-          <a:lstStyle/>
-          <a:p>
-            <a:pPr algn="ctr"/>
-            <a:endParaRPr lang="nl-BE"/>
-          </a:p>
-        </p:txBody>
-      </p:sp>
-      <p:sp>
-        <p:nvSpPr>
-          <p:cNvPr id="17" name="Rechthoek 16"/>
-          <p:cNvSpPr/>
-          <p:nvPr/>
-        </p:nvSpPr>
-        <p:spPr>
-          <a:xfrm>
-            <a:off x="6084280" y="2434719"/>
-            <a:ext cx="905608" cy="580292"/>
-          </a:xfrm>
-          <a:prstGeom prst="rect">
-            <a:avLst/>
-          </a:prstGeom>
-          <a:solidFill>
-            <a:schemeClr val="bg1"/>
-          </a:solidFill>
-        </p:spPr>
-        <p:style>
-          <a:lnRef idx="2">
-            <a:schemeClr val="accent1">
-              <a:shade val="50000"/>
-            </a:schemeClr>
-          </a:lnRef>
-          <a:fillRef idx="1">
-            <a:schemeClr val="accent1"/>
-          </a:fillRef>
-          <a:effectRef idx="0">
-            <a:schemeClr val="accent1"/>
-          </a:effectRef>
-          <a:fontRef idx="minor">
-            <a:schemeClr val="lt1"/>
-          </a:fontRef>
-        </p:style>
-        <p:txBody>
-          <a:bodyPr rtlCol="0" anchor="ctr"/>
-          <a:lstStyle/>
-          <a:p>
-            <a:pPr algn="ctr"/>
-            <a:endParaRPr lang="nl-BE"/>
-          </a:p>
-        </p:txBody>
-      </p:sp>
-      <p:sp>
-        <p:nvSpPr>
-          <p:cNvPr id="18" name="Rechthoek 17"/>
-          <p:cNvSpPr/>
-          <p:nvPr/>
-        </p:nvSpPr>
-        <p:spPr>
-          <a:xfrm>
-            <a:off x="4765427" y="3423557"/>
-            <a:ext cx="905608" cy="580292"/>
-          </a:xfrm>
-          <a:prstGeom prst="rect">
-            <a:avLst/>
-          </a:prstGeom>
-          <a:solidFill>
-            <a:schemeClr val="bg1"/>
-          </a:solidFill>
-        </p:spPr>
-        <p:style>
-          <a:lnRef idx="2">
-            <a:schemeClr val="accent1">
-              <a:shade val="50000"/>
-            </a:schemeClr>
-          </a:lnRef>
-          <a:fillRef idx="1">
-            <a:schemeClr val="accent1"/>
-          </a:fillRef>
-          <a:effectRef idx="0">
-            <a:schemeClr val="accent1"/>
-          </a:effectRef>
-          <a:fontRef idx="minor">
-            <a:schemeClr val="lt1"/>
-          </a:fontRef>
-        </p:style>
-        <p:txBody>
-          <a:bodyPr rtlCol="0" anchor="ctr"/>
-          <a:lstStyle/>
-          <a:p>
-            <a:pPr algn="ctr"/>
-            <a:endParaRPr lang="nl-BE"/>
-          </a:p>
-        </p:txBody>
-      </p:sp>
-      <p:sp>
-        <p:nvSpPr>
-          <p:cNvPr id="19" name="Rechthoek 18"/>
-          <p:cNvSpPr/>
-          <p:nvPr/>
-        </p:nvSpPr>
-        <p:spPr>
-          <a:xfrm>
-            <a:off x="6071088" y="3423557"/>
-            <a:ext cx="905608" cy="580292"/>
-          </a:xfrm>
-          <a:prstGeom prst="rect">
-            <a:avLst/>
-          </a:prstGeom>
-          <a:solidFill>
-            <a:schemeClr val="bg1"/>
-          </a:solidFill>
-        </p:spPr>
-        <p:style>
-          <a:lnRef idx="2">
-            <a:schemeClr val="accent1">
-              <a:shade val="50000"/>
-            </a:schemeClr>
-          </a:lnRef>
-          <a:fillRef idx="1">
-            <a:schemeClr val="accent1"/>
-          </a:fillRef>
-          <a:effectRef idx="0">
-            <a:schemeClr val="accent1"/>
-          </a:effectRef>
-          <a:fontRef idx="minor">
-            <a:schemeClr val="lt1"/>
-          </a:fontRef>
-        </p:style>
-        <p:txBody>
-          <a:bodyPr rtlCol="0" anchor="ctr"/>
-          <a:lstStyle/>
-          <a:p>
-            <a:pPr algn="ctr"/>
-            <a:endParaRPr lang="nl-BE"/>
-          </a:p>
-        </p:txBody>
-      </p:sp>
-      <p:sp>
-        <p:nvSpPr>
-          <p:cNvPr id="20" name="Tekstvak 19"/>
-          <p:cNvSpPr txBox="1"/>
-          <p:nvPr/>
-        </p:nvSpPr>
-        <p:spPr>
-          <a:xfrm>
-            <a:off x="5057774" y="2128489"/>
-            <a:ext cx="1182563" cy="253916"/>
-          </a:xfrm>
-          <a:prstGeom prst="rect">
-            <a:avLst/>
-          </a:prstGeom>
-          <a:noFill/>
-        </p:spPr>
-        <p:txBody>
-          <a:bodyPr wrap="square" rtlCol="0">
-            <a:spAutoFit/>
-          </a:bodyPr>
-          <a:lstStyle/>
-          <a:p>
-            <a:r>
-              <a:rPr lang="nl-BE" sz="1050" dirty="0"/>
-              <a:t>Titel </a:t>
-            </a:r>
-          </a:p>
-        </p:txBody>
-      </p:sp>
-      <p:sp>
-        <p:nvSpPr>
-          <p:cNvPr id="21" name="Tekstvak 20"/>
-          <p:cNvSpPr txBox="1"/>
-          <p:nvPr/>
-        </p:nvSpPr>
-        <p:spPr>
-          <a:xfrm>
-            <a:off x="6284298" y="2139605"/>
-            <a:ext cx="1182563" cy="253916"/>
-          </a:xfrm>
-          <a:prstGeom prst="rect">
-            <a:avLst/>
-          </a:prstGeom>
-          <a:noFill/>
-        </p:spPr>
-        <p:txBody>
-          <a:bodyPr wrap="square" rtlCol="0">
-            <a:spAutoFit/>
-          </a:bodyPr>
-          <a:lstStyle/>
-          <a:p>
-            <a:r>
-              <a:rPr lang="nl-BE" sz="1050" dirty="0"/>
-              <a:t>Titel</a:t>
-            </a:r>
-          </a:p>
-        </p:txBody>
-      </p:sp>
-      <p:sp>
-        <p:nvSpPr>
-          <p:cNvPr id="22" name="Tekstvak 21"/>
-          <p:cNvSpPr txBox="1"/>
-          <p:nvPr/>
-        </p:nvSpPr>
-        <p:spPr>
-          <a:xfrm>
-            <a:off x="5022605" y="3107012"/>
-            <a:ext cx="1182563" cy="253916"/>
-          </a:xfrm>
-          <a:prstGeom prst="rect">
-            <a:avLst/>
-          </a:prstGeom>
-          <a:noFill/>
-        </p:spPr>
-        <p:txBody>
-          <a:bodyPr wrap="square" rtlCol="0">
-            <a:spAutoFit/>
-          </a:bodyPr>
-          <a:lstStyle/>
-          <a:p>
-            <a:r>
-              <a:rPr lang="nl-BE" sz="1050" dirty="0"/>
-              <a:t>Titel</a:t>
-            </a:r>
-          </a:p>
-        </p:txBody>
-      </p:sp>
-      <p:sp>
-        <p:nvSpPr>
-          <p:cNvPr id="23" name="Tekstvak 22"/>
-          <p:cNvSpPr txBox="1"/>
-          <p:nvPr/>
-        </p:nvSpPr>
-        <p:spPr>
-          <a:xfrm>
-            <a:off x="6284298" y="3107012"/>
-            <a:ext cx="1182563" cy="253916"/>
-          </a:xfrm>
-          <a:prstGeom prst="rect">
-            <a:avLst/>
-          </a:prstGeom>
-          <a:noFill/>
-        </p:spPr>
-        <p:txBody>
-          <a:bodyPr wrap="square" rtlCol="0">
-            <a:spAutoFit/>
-          </a:bodyPr>
-          <a:lstStyle/>
-          <a:p>
-            <a:r>
-              <a:rPr lang="nl-BE" sz="1050" dirty="0"/>
-              <a:t>Titel </a:t>
-            </a:r>
-          </a:p>
-        </p:txBody>
-      </p:sp>
-      <p:sp>
-        <p:nvSpPr>
-          <p:cNvPr id="24" name="Tekstvak 23"/>
-          <p:cNvSpPr txBox="1"/>
-          <p:nvPr/>
-        </p:nvSpPr>
-        <p:spPr>
-          <a:xfrm>
-            <a:off x="4985244" y="4092870"/>
-            <a:ext cx="1182563" cy="253916"/>
-          </a:xfrm>
-          <a:prstGeom prst="rect">
-            <a:avLst/>
-          </a:prstGeom>
-          <a:noFill/>
-        </p:spPr>
-        <p:txBody>
-          <a:bodyPr wrap="square" rtlCol="0">
-            <a:spAutoFit/>
-          </a:bodyPr>
-          <a:lstStyle/>
-          <a:p>
-            <a:r>
-              <a:rPr lang="nl-BE" sz="1050" dirty="0"/>
-              <a:t>Titel</a:t>
-            </a:r>
-          </a:p>
-        </p:txBody>
-      </p:sp>
-      <p:sp>
-        <p:nvSpPr>
-          <p:cNvPr id="25" name="Tekstvak 24"/>
-          <p:cNvSpPr txBox="1"/>
-          <p:nvPr/>
-        </p:nvSpPr>
-        <p:spPr>
-          <a:xfrm>
-            <a:off x="6240337" y="4078000"/>
-            <a:ext cx="1182563" cy="253916"/>
-          </a:xfrm>
-          <a:prstGeom prst="rect">
-            <a:avLst/>
-          </a:prstGeom>
-          <a:noFill/>
-        </p:spPr>
-        <p:txBody>
-          <a:bodyPr wrap="square" rtlCol="0">
-            <a:spAutoFit/>
-          </a:bodyPr>
-          <a:lstStyle/>
-          <a:p>
-            <a:r>
-              <a:rPr lang="nl-BE" sz="1050" dirty="0"/>
-              <a:t>Titel </a:t>
-            </a:r>
-          </a:p>
-        </p:txBody>
-      </p:sp>
-      <p:sp>
-        <p:nvSpPr>
-          <p:cNvPr id="26" name="Tekstvak 25"/>
-          <p:cNvSpPr txBox="1"/>
-          <p:nvPr/>
-        </p:nvSpPr>
-        <p:spPr>
-          <a:xfrm>
-            <a:off x="4303835" y="6154615"/>
-            <a:ext cx="3226777" cy="369277"/>
-          </a:xfrm>
-          <a:prstGeom prst="rect">
-            <a:avLst/>
-          </a:prstGeom>
-          <a:noFill/>
-        </p:spPr>
-        <p:txBody>
-          <a:bodyPr wrap="square" rtlCol="0">
-            <a:spAutoFit/>
-          </a:bodyPr>
-          <a:lstStyle/>
-          <a:p>
             <a:r>
               <a:rPr lang="nl-BE" dirty="0"/>
-              <a:t>© Stephen Lanszweert 2017</a:t>
+              <a:t>Zoek op meest bekeken</a:t>
             </a:r>
           </a:p>
         </p:txBody>
@@ -8875,7 +10060,7 @@
     </p:spTree>
     <p:extLst>
       <p:ext uri="{BB962C8B-B14F-4D97-AF65-F5344CB8AC3E}">
-        <p14:creationId xmlns:p14="http://schemas.microsoft.com/office/powerpoint/2010/main" val="3962873190"/>
+        <p14:creationId xmlns:p14="http://schemas.microsoft.com/office/powerpoint/2010/main" val="2439437218"/>
       </p:ext>
     </p:extLst>
   </p:cSld>

--- a/BasisWireframe_SL.pptx
+++ b/BasisWireframe_SL.pptx
@@ -5,7 +5,7 @@
     <p:sldMasterId id="2147483648" r:id="rId1"/>
   </p:sldMasterIdLst>
   <p:notesMasterIdLst>
-    <p:notesMasterId r:id="rId13"/>
+    <p:notesMasterId r:id="rId14"/>
   </p:notesMasterIdLst>
   <p:sldIdLst>
     <p:sldId id="257" r:id="rId2"/>
@@ -19,6 +19,7 @@
     <p:sldId id="263" r:id="rId10"/>
     <p:sldId id="264" r:id="rId11"/>
     <p:sldId id="265" r:id="rId12"/>
+    <p:sldId id="267" r:id="rId13"/>
   </p:sldIdLst>
   <p:sldSz cx="12192000" cy="6858000"/>
   <p:notesSz cx="6858000" cy="9144000"/>
@@ -141,6 +142,7 @@
             <p14:sldId id="263"/>
             <p14:sldId id="264"/>
             <p14:sldId id="265"/>
+            <p14:sldId id="267"/>
           </p14:sldIdLst>
         </p14:section>
       </p14:sectionLst>
@@ -803,6 +805,116 @@
     <p:extLst>
       <p:ext uri="{BB962C8B-B14F-4D97-AF65-F5344CB8AC3E}">
         <p14:creationId xmlns:p14="http://schemas.microsoft.com/office/powerpoint/2010/main" val="1684919145"/>
+      </p:ext>
+    </p:extLst>
+  </p:cSld>
+  <p:clrMapOvr>
+    <a:masterClrMapping/>
+  </p:clrMapOvr>
+</p:notes>
+</file>
+
+<file path=ppt/notesSlides/notesSlide12.xml><?xml version="1.0" encoding="utf-8"?>
+<p:notes xmlns:a="http://schemas.openxmlformats.org/drawingml/2006/main" xmlns:r="http://schemas.openxmlformats.org/officeDocument/2006/relationships" xmlns:p="http://schemas.openxmlformats.org/presentationml/2006/main">
+  <p:cSld>
+    <p:spTree>
+      <p:nvGrpSpPr>
+        <p:cNvPr id="1" name=""/>
+        <p:cNvGrpSpPr/>
+        <p:nvPr/>
+      </p:nvGrpSpPr>
+      <p:grpSpPr>
+        <a:xfrm>
+          <a:off x="0" y="0"/>
+          <a:ext cx="0" cy="0"/>
+          <a:chOff x="0" y="0"/>
+          <a:chExt cx="0" cy="0"/>
+        </a:xfrm>
+      </p:grpSpPr>
+      <p:sp>
+        <p:nvSpPr>
+          <p:cNvPr id="2" name="Tijdelijke aanduiding voor dia-afbeelding 1"/>
+          <p:cNvSpPr>
+            <a:spLocks noGrp="1" noRot="1" noChangeAspect="1"/>
+          </p:cNvSpPr>
+          <p:nvPr>
+            <p:ph type="sldImg"/>
+          </p:nvPr>
+        </p:nvSpPr>
+        <p:spPr/>
+      </p:sp>
+      <p:sp>
+        <p:nvSpPr>
+          <p:cNvPr id="3" name="Tijdelijke aanduiding voor notities 2"/>
+          <p:cNvSpPr>
+            <a:spLocks noGrp="1"/>
+          </p:cNvSpPr>
+          <p:nvPr>
+            <p:ph type="body" idx="1"/>
+          </p:nvPr>
+        </p:nvSpPr>
+        <p:spPr/>
+        <p:txBody>
+          <a:bodyPr/>
+          <a:lstStyle/>
+          <a:p>
+            <a:r>
+              <a:rPr lang="nl-BE" dirty="0"/>
+              <a:t>Hier komen dan de meest bekeken afbeeldingen. </a:t>
+            </a:r>
+          </a:p>
+          <a:p>
+            <a:endParaRPr lang="nl-BE" dirty="0"/>
+          </a:p>
+          <a:p>
+            <a:endParaRPr lang="nl-BE" dirty="0"/>
+          </a:p>
+          <a:p>
+            <a:r>
+              <a:rPr lang="nl-BE" dirty="0"/>
+              <a:t>De</a:t>
+            </a:r>
+            <a:r>
+              <a:rPr lang="nl-BE" baseline="0" dirty="0"/>
+              <a:t> gebruiker kan vervolgens op de afbeelding zelf drukken, dan verschijnt er een extra venster bovenop de andere foto’s waarbij de geselecteerde foto uitvergroot wordt.</a:t>
+            </a:r>
+          </a:p>
+          <a:p>
+            <a:r>
+              <a:rPr lang="nl-BE" baseline="0" dirty="0"/>
+              <a:t>Onderaan verschijnt er extra info over de foto (zoals de titel, de auteur en de locatie).</a:t>
+            </a:r>
+            <a:endParaRPr lang="nl-BE" dirty="0"/>
+          </a:p>
+        </p:txBody>
+      </p:sp>
+      <p:sp>
+        <p:nvSpPr>
+          <p:cNvPr id="4" name="Tijdelijke aanduiding voor dianummer 3"/>
+          <p:cNvSpPr>
+            <a:spLocks noGrp="1"/>
+          </p:cNvSpPr>
+          <p:nvPr>
+            <p:ph type="sldNum" sz="quarter" idx="10"/>
+          </p:nvPr>
+        </p:nvSpPr>
+        <p:spPr/>
+        <p:txBody>
+          <a:bodyPr/>
+          <a:lstStyle/>
+          <a:p>
+            <a:fld id="{4003FF78-445D-4257-8F4B-63464B868E86}" type="slidenum">
+              <a:rPr lang="nl-BE" smtClean="0"/>
+              <a:t>12</a:t>
+            </a:fld>
+            <a:endParaRPr lang="nl-BE"/>
+          </a:p>
+        </p:txBody>
+      </p:sp>
+    </p:spTree>
+    <p:extLst>
+      <p:ext uri="{BB962C8B-B14F-4D97-AF65-F5344CB8AC3E}">
+        <p14:creationId xmlns:p14="http://schemas.microsoft.com/office/powerpoint/2010/main" val="897215633"/>
       </p:ext>
     </p:extLst>
   </p:cSld>
@@ -4883,7 +4995,7 @@
       <p:sp>
         <p:nvSpPr>
           <p:cNvPr id="12" name="Actieknop: Startpagina 11">
-            <a:hlinkClick r:id="" action="ppaction://noaction" highlightClick="1"/>
+            <a:hlinkClick r:id="rId3" action="ppaction://hlinksldjump" highlightClick="1"/>
           </p:cNvPr>
           <p:cNvSpPr/>
           <p:nvPr/>
@@ -4925,7 +5037,7 @@
       <p:sp>
         <p:nvSpPr>
           <p:cNvPr id="13" name="Actieknop: Terug of Vorige 12">
-            <a:hlinkClick r:id="" action="ppaction://noaction" highlightClick="1"/>
+            <a:hlinkClick r:id="" action="ppaction://hlinkshowjump?jump=previousslide" highlightClick="1"/>
           </p:cNvPr>
           <p:cNvSpPr/>
           <p:nvPr/>
@@ -5681,7 +5793,9 @@
       </p:sp>
       <p:sp>
         <p:nvSpPr>
-          <p:cNvPr id="14" name="Rechthoek 13"/>
+          <p:cNvPr id="14" name="Rechthoek 13">
+            <a:hlinkClick r:id="rId3" action="ppaction://hlinksldjump"/>
+          </p:cNvPr>
           <p:cNvSpPr/>
           <p:nvPr/>
         </p:nvSpPr>
@@ -6144,6 +6258,793 @@
     <p:extLst>
       <p:ext uri="{BB962C8B-B14F-4D97-AF65-F5344CB8AC3E}">
         <p14:creationId xmlns:p14="http://schemas.microsoft.com/office/powerpoint/2010/main" val="2231108235"/>
+      </p:ext>
+    </p:extLst>
+  </p:cSld>
+  <p:clrMapOvr>
+    <a:masterClrMapping/>
+  </p:clrMapOvr>
+</p:sld>
+</file>
+
+<file path=ppt/slides/slide12.xml><?xml version="1.0" encoding="utf-8"?>
+<p:sld xmlns:a="http://schemas.openxmlformats.org/drawingml/2006/main" xmlns:r="http://schemas.openxmlformats.org/officeDocument/2006/relationships" xmlns:p="http://schemas.openxmlformats.org/presentationml/2006/main">
+  <p:cSld>
+    <p:spTree>
+      <p:nvGrpSpPr>
+        <p:cNvPr id="1" name=""/>
+        <p:cNvGrpSpPr/>
+        <p:nvPr/>
+      </p:nvGrpSpPr>
+      <p:grpSpPr>
+        <a:xfrm>
+          <a:off x="0" y="0"/>
+          <a:ext cx="0" cy="0"/>
+          <a:chOff x="0" y="0"/>
+          <a:chExt cx="0" cy="0"/>
+        </a:xfrm>
+      </p:grpSpPr>
+      <p:sp>
+        <p:nvSpPr>
+          <p:cNvPr id="4" name="Rechthoek 3"/>
+          <p:cNvSpPr/>
+          <p:nvPr/>
+        </p:nvSpPr>
+        <p:spPr>
+          <a:xfrm>
+            <a:off x="4097217" y="158262"/>
+            <a:ext cx="3640015" cy="6515100"/>
+          </a:xfrm>
+          <a:prstGeom prst="rect">
+            <a:avLst/>
+          </a:prstGeom>
+          <a:noFill/>
+          <a:ln w="76200"/>
+        </p:spPr>
+        <p:style>
+          <a:lnRef idx="2">
+            <a:schemeClr val="accent1">
+              <a:shade val="50000"/>
+            </a:schemeClr>
+          </a:lnRef>
+          <a:fillRef idx="1">
+            <a:schemeClr val="accent1"/>
+          </a:fillRef>
+          <a:effectRef idx="0">
+            <a:schemeClr val="accent1"/>
+          </a:effectRef>
+          <a:fontRef idx="minor">
+            <a:schemeClr val="lt1"/>
+          </a:fontRef>
+        </p:style>
+        <p:txBody>
+          <a:bodyPr rtlCol="0" anchor="ctr"/>
+          <a:lstStyle/>
+          <a:p>
+            <a:pPr algn="ctr"/>
+            <a:endParaRPr lang="nl-BE"/>
+          </a:p>
+        </p:txBody>
+      </p:sp>
+      <p:sp>
+        <p:nvSpPr>
+          <p:cNvPr id="9" name="Tekstvak 8"/>
+          <p:cNvSpPr txBox="1"/>
+          <p:nvPr/>
+        </p:nvSpPr>
+        <p:spPr>
+          <a:xfrm>
+            <a:off x="272562" y="219808"/>
+            <a:ext cx="3209192" cy="646331"/>
+          </a:xfrm>
+          <a:prstGeom prst="rect">
+            <a:avLst/>
+          </a:prstGeom>
+          <a:noFill/>
+        </p:spPr>
+        <p:txBody>
+          <a:bodyPr wrap="square" rtlCol="0">
+            <a:spAutoFit/>
+          </a:bodyPr>
+          <a:lstStyle/>
+          <a:p>
+            <a:r>
+              <a:rPr lang="nl-BE" dirty="0"/>
+              <a:t>Extra feature: extra zoekoptie -&gt; extra scherm -&gt; gedrukt op foto </a:t>
+            </a:r>
+          </a:p>
+        </p:txBody>
+      </p:sp>
+      <p:sp>
+        <p:nvSpPr>
+          <p:cNvPr id="10" name="Tekstvak 9"/>
+          <p:cNvSpPr txBox="1"/>
+          <p:nvPr/>
+        </p:nvSpPr>
+        <p:spPr>
+          <a:xfrm>
+            <a:off x="5134707" y="465992"/>
+            <a:ext cx="2202471" cy="369332"/>
+          </a:xfrm>
+          <a:prstGeom prst="rect">
+            <a:avLst/>
+          </a:prstGeom>
+          <a:noFill/>
+        </p:spPr>
+        <p:txBody>
+          <a:bodyPr wrap="square" rtlCol="0">
+            <a:spAutoFit/>
+          </a:bodyPr>
+          <a:lstStyle/>
+          <a:p>
+            <a:r>
+              <a:rPr lang="nl-BE" dirty="0"/>
+              <a:t>Meest bekeken foto’s</a:t>
+            </a:r>
+          </a:p>
+        </p:txBody>
+      </p:sp>
+      <p:sp>
+        <p:nvSpPr>
+          <p:cNvPr id="11" name="Rechthoek 10"/>
+          <p:cNvSpPr/>
+          <p:nvPr/>
+        </p:nvSpPr>
+        <p:spPr>
+          <a:xfrm>
+            <a:off x="4488472" y="1305727"/>
+            <a:ext cx="2848707" cy="3174023"/>
+          </a:xfrm>
+          <a:prstGeom prst="rect">
+            <a:avLst/>
+          </a:prstGeom>
+        </p:spPr>
+        <p:style>
+          <a:lnRef idx="2">
+            <a:schemeClr val="accent1">
+              <a:shade val="50000"/>
+            </a:schemeClr>
+          </a:lnRef>
+          <a:fillRef idx="1">
+            <a:schemeClr val="accent1"/>
+          </a:fillRef>
+          <a:effectRef idx="0">
+            <a:schemeClr val="accent1"/>
+          </a:effectRef>
+          <a:fontRef idx="minor">
+            <a:schemeClr val="lt1"/>
+          </a:fontRef>
+        </p:style>
+        <p:txBody>
+          <a:bodyPr rtlCol="0" anchor="ctr"/>
+          <a:lstStyle/>
+          <a:p>
+            <a:pPr algn="ctr"/>
+            <a:endParaRPr lang="nl-BE" dirty="0"/>
+          </a:p>
+        </p:txBody>
+      </p:sp>
+      <p:sp>
+        <p:nvSpPr>
+          <p:cNvPr id="12" name="Actieknop: Startpagina 11">
+            <a:hlinkClick r:id="rId3" action="ppaction://hlinksldjump" highlightClick="1"/>
+          </p:cNvPr>
+          <p:cNvSpPr/>
+          <p:nvPr/>
+        </p:nvSpPr>
+        <p:spPr>
+          <a:xfrm>
+            <a:off x="4314827" y="878699"/>
+            <a:ext cx="347289" cy="283827"/>
+          </a:xfrm>
+          <a:prstGeom prst="actionButtonHome">
+            <a:avLst/>
+          </a:prstGeom>
+        </p:spPr>
+        <p:style>
+          <a:lnRef idx="2">
+            <a:schemeClr val="accent1">
+              <a:shade val="50000"/>
+            </a:schemeClr>
+          </a:lnRef>
+          <a:fillRef idx="1">
+            <a:schemeClr val="accent1"/>
+          </a:fillRef>
+          <a:effectRef idx="0">
+            <a:schemeClr val="accent1"/>
+          </a:effectRef>
+          <a:fontRef idx="minor">
+            <a:schemeClr val="lt1"/>
+          </a:fontRef>
+        </p:style>
+        <p:txBody>
+          <a:bodyPr rtlCol="0" anchor="ctr"/>
+          <a:lstStyle/>
+          <a:p>
+            <a:pPr algn="ctr"/>
+            <a:endParaRPr lang="nl-BE"/>
+          </a:p>
+        </p:txBody>
+      </p:sp>
+      <p:sp>
+        <p:nvSpPr>
+          <p:cNvPr id="13" name="Actieknop: Terug of Vorige 12">
+            <a:hlinkClick r:id="" action="ppaction://hlinkshowjump?jump=previousslide" highlightClick="1"/>
+          </p:cNvPr>
+          <p:cNvSpPr/>
+          <p:nvPr/>
+        </p:nvSpPr>
+        <p:spPr>
+          <a:xfrm>
+            <a:off x="4800591" y="877413"/>
+            <a:ext cx="347289" cy="289339"/>
+          </a:xfrm>
+          <a:prstGeom prst="actionButtonBackPrevious">
+            <a:avLst/>
+          </a:prstGeom>
+        </p:spPr>
+        <p:style>
+          <a:lnRef idx="2">
+            <a:schemeClr val="accent1">
+              <a:shade val="50000"/>
+            </a:schemeClr>
+          </a:lnRef>
+          <a:fillRef idx="1">
+            <a:schemeClr val="accent1"/>
+          </a:fillRef>
+          <a:effectRef idx="0">
+            <a:schemeClr val="accent1"/>
+          </a:effectRef>
+          <a:fontRef idx="minor">
+            <a:schemeClr val="lt1"/>
+          </a:fontRef>
+        </p:style>
+        <p:txBody>
+          <a:bodyPr rtlCol="0" anchor="ctr"/>
+          <a:lstStyle/>
+          <a:p>
+            <a:pPr algn="ctr"/>
+            <a:endParaRPr lang="nl-BE"/>
+          </a:p>
+        </p:txBody>
+      </p:sp>
+      <p:sp>
+        <p:nvSpPr>
+          <p:cNvPr id="14" name="Rechthoek 13"/>
+          <p:cNvSpPr/>
+          <p:nvPr/>
+        </p:nvSpPr>
+        <p:spPr>
+          <a:xfrm>
+            <a:off x="4765427" y="1542707"/>
+            <a:ext cx="905608" cy="580292"/>
+          </a:xfrm>
+          <a:prstGeom prst="rect">
+            <a:avLst/>
+          </a:prstGeom>
+          <a:solidFill>
+            <a:srgbClr val="FFFF00"/>
+          </a:solidFill>
+        </p:spPr>
+        <p:style>
+          <a:lnRef idx="2">
+            <a:schemeClr val="accent1">
+              <a:shade val="50000"/>
+            </a:schemeClr>
+          </a:lnRef>
+          <a:fillRef idx="1">
+            <a:schemeClr val="accent1"/>
+          </a:fillRef>
+          <a:effectRef idx="0">
+            <a:schemeClr val="accent1"/>
+          </a:effectRef>
+          <a:fontRef idx="minor">
+            <a:schemeClr val="lt1"/>
+          </a:fontRef>
+        </p:style>
+        <p:txBody>
+          <a:bodyPr rtlCol="0" anchor="ctr"/>
+          <a:lstStyle/>
+          <a:p>
+            <a:pPr algn="ctr"/>
+            <a:endParaRPr lang="nl-BE"/>
+          </a:p>
+        </p:txBody>
+      </p:sp>
+      <p:sp>
+        <p:nvSpPr>
+          <p:cNvPr id="15" name="Rechthoek 14"/>
+          <p:cNvSpPr/>
+          <p:nvPr/>
+        </p:nvSpPr>
+        <p:spPr>
+          <a:xfrm>
+            <a:off x="6071088" y="1533086"/>
+            <a:ext cx="905608" cy="580292"/>
+          </a:xfrm>
+          <a:prstGeom prst="rect">
+            <a:avLst/>
+          </a:prstGeom>
+          <a:solidFill>
+            <a:schemeClr val="bg1"/>
+          </a:solidFill>
+        </p:spPr>
+        <p:style>
+          <a:lnRef idx="2">
+            <a:schemeClr val="accent1">
+              <a:shade val="50000"/>
+            </a:schemeClr>
+          </a:lnRef>
+          <a:fillRef idx="1">
+            <a:schemeClr val="accent1"/>
+          </a:fillRef>
+          <a:effectRef idx="0">
+            <a:schemeClr val="accent1"/>
+          </a:effectRef>
+          <a:fontRef idx="minor">
+            <a:schemeClr val="lt1"/>
+          </a:fontRef>
+        </p:style>
+        <p:txBody>
+          <a:bodyPr rtlCol="0" anchor="ctr"/>
+          <a:lstStyle/>
+          <a:p>
+            <a:pPr algn="ctr"/>
+            <a:endParaRPr lang="nl-BE"/>
+          </a:p>
+        </p:txBody>
+      </p:sp>
+      <p:sp>
+        <p:nvSpPr>
+          <p:cNvPr id="16" name="Rechthoek 15"/>
+          <p:cNvSpPr/>
+          <p:nvPr/>
+        </p:nvSpPr>
+        <p:spPr>
+          <a:xfrm>
+            <a:off x="4765427" y="2486060"/>
+            <a:ext cx="905608" cy="580292"/>
+          </a:xfrm>
+          <a:prstGeom prst="rect">
+            <a:avLst/>
+          </a:prstGeom>
+          <a:solidFill>
+            <a:schemeClr val="bg1"/>
+          </a:solidFill>
+        </p:spPr>
+        <p:style>
+          <a:lnRef idx="2">
+            <a:schemeClr val="accent1">
+              <a:shade val="50000"/>
+            </a:schemeClr>
+          </a:lnRef>
+          <a:fillRef idx="1">
+            <a:schemeClr val="accent1"/>
+          </a:fillRef>
+          <a:effectRef idx="0">
+            <a:schemeClr val="accent1"/>
+          </a:effectRef>
+          <a:fontRef idx="minor">
+            <a:schemeClr val="lt1"/>
+          </a:fontRef>
+        </p:style>
+        <p:txBody>
+          <a:bodyPr rtlCol="0" anchor="ctr"/>
+          <a:lstStyle/>
+          <a:p>
+            <a:pPr algn="ctr"/>
+            <a:endParaRPr lang="nl-BE"/>
+          </a:p>
+        </p:txBody>
+      </p:sp>
+      <p:sp>
+        <p:nvSpPr>
+          <p:cNvPr id="17" name="Rechthoek 16"/>
+          <p:cNvSpPr/>
+          <p:nvPr/>
+        </p:nvSpPr>
+        <p:spPr>
+          <a:xfrm>
+            <a:off x="6084280" y="2434719"/>
+            <a:ext cx="905608" cy="580292"/>
+          </a:xfrm>
+          <a:prstGeom prst="rect">
+            <a:avLst/>
+          </a:prstGeom>
+          <a:solidFill>
+            <a:schemeClr val="bg1"/>
+          </a:solidFill>
+        </p:spPr>
+        <p:style>
+          <a:lnRef idx="2">
+            <a:schemeClr val="accent1">
+              <a:shade val="50000"/>
+            </a:schemeClr>
+          </a:lnRef>
+          <a:fillRef idx="1">
+            <a:schemeClr val="accent1"/>
+          </a:fillRef>
+          <a:effectRef idx="0">
+            <a:schemeClr val="accent1"/>
+          </a:effectRef>
+          <a:fontRef idx="minor">
+            <a:schemeClr val="lt1"/>
+          </a:fontRef>
+        </p:style>
+        <p:txBody>
+          <a:bodyPr rtlCol="0" anchor="ctr"/>
+          <a:lstStyle/>
+          <a:p>
+            <a:pPr algn="ctr"/>
+            <a:endParaRPr lang="nl-BE"/>
+          </a:p>
+        </p:txBody>
+      </p:sp>
+      <p:sp>
+        <p:nvSpPr>
+          <p:cNvPr id="18" name="Rechthoek 17"/>
+          <p:cNvSpPr/>
+          <p:nvPr/>
+        </p:nvSpPr>
+        <p:spPr>
+          <a:xfrm>
+            <a:off x="4765427" y="3423557"/>
+            <a:ext cx="905608" cy="580292"/>
+          </a:xfrm>
+          <a:prstGeom prst="rect">
+            <a:avLst/>
+          </a:prstGeom>
+          <a:solidFill>
+            <a:schemeClr val="bg1"/>
+          </a:solidFill>
+        </p:spPr>
+        <p:style>
+          <a:lnRef idx="2">
+            <a:schemeClr val="accent1">
+              <a:shade val="50000"/>
+            </a:schemeClr>
+          </a:lnRef>
+          <a:fillRef idx="1">
+            <a:schemeClr val="accent1"/>
+          </a:fillRef>
+          <a:effectRef idx="0">
+            <a:schemeClr val="accent1"/>
+          </a:effectRef>
+          <a:fontRef idx="minor">
+            <a:schemeClr val="lt1"/>
+          </a:fontRef>
+        </p:style>
+        <p:txBody>
+          <a:bodyPr rtlCol="0" anchor="ctr"/>
+          <a:lstStyle/>
+          <a:p>
+            <a:pPr algn="ctr"/>
+            <a:endParaRPr lang="nl-BE"/>
+          </a:p>
+        </p:txBody>
+      </p:sp>
+      <p:sp>
+        <p:nvSpPr>
+          <p:cNvPr id="19" name="Rechthoek 18"/>
+          <p:cNvSpPr/>
+          <p:nvPr/>
+        </p:nvSpPr>
+        <p:spPr>
+          <a:xfrm>
+            <a:off x="6071088" y="3423557"/>
+            <a:ext cx="905608" cy="580292"/>
+          </a:xfrm>
+          <a:prstGeom prst="rect">
+            <a:avLst/>
+          </a:prstGeom>
+          <a:solidFill>
+            <a:schemeClr val="bg1"/>
+          </a:solidFill>
+        </p:spPr>
+        <p:style>
+          <a:lnRef idx="2">
+            <a:schemeClr val="accent1">
+              <a:shade val="50000"/>
+            </a:schemeClr>
+          </a:lnRef>
+          <a:fillRef idx="1">
+            <a:schemeClr val="accent1"/>
+          </a:fillRef>
+          <a:effectRef idx="0">
+            <a:schemeClr val="accent1"/>
+          </a:effectRef>
+          <a:fontRef idx="minor">
+            <a:schemeClr val="lt1"/>
+          </a:fontRef>
+        </p:style>
+        <p:txBody>
+          <a:bodyPr rtlCol="0" anchor="ctr"/>
+          <a:lstStyle/>
+          <a:p>
+            <a:pPr algn="ctr"/>
+            <a:endParaRPr lang="nl-BE"/>
+          </a:p>
+        </p:txBody>
+      </p:sp>
+      <p:sp>
+        <p:nvSpPr>
+          <p:cNvPr id="20" name="Tekstvak 19"/>
+          <p:cNvSpPr txBox="1"/>
+          <p:nvPr/>
+        </p:nvSpPr>
+        <p:spPr>
+          <a:xfrm>
+            <a:off x="5057774" y="2128489"/>
+            <a:ext cx="1182563" cy="253916"/>
+          </a:xfrm>
+          <a:prstGeom prst="rect">
+            <a:avLst/>
+          </a:prstGeom>
+          <a:noFill/>
+        </p:spPr>
+        <p:txBody>
+          <a:bodyPr wrap="square" rtlCol="0">
+            <a:spAutoFit/>
+          </a:bodyPr>
+          <a:lstStyle/>
+          <a:p>
+            <a:r>
+              <a:rPr lang="nl-BE" sz="1050" dirty="0"/>
+              <a:t>Titel </a:t>
+            </a:r>
+          </a:p>
+        </p:txBody>
+      </p:sp>
+      <p:sp>
+        <p:nvSpPr>
+          <p:cNvPr id="21" name="Tekstvak 20"/>
+          <p:cNvSpPr txBox="1"/>
+          <p:nvPr/>
+        </p:nvSpPr>
+        <p:spPr>
+          <a:xfrm>
+            <a:off x="6284298" y="2139605"/>
+            <a:ext cx="1182563" cy="253916"/>
+          </a:xfrm>
+          <a:prstGeom prst="rect">
+            <a:avLst/>
+          </a:prstGeom>
+          <a:noFill/>
+        </p:spPr>
+        <p:txBody>
+          <a:bodyPr wrap="square" rtlCol="0">
+            <a:spAutoFit/>
+          </a:bodyPr>
+          <a:lstStyle/>
+          <a:p>
+            <a:r>
+              <a:rPr lang="nl-BE" sz="1050" dirty="0"/>
+              <a:t>Titel</a:t>
+            </a:r>
+          </a:p>
+        </p:txBody>
+      </p:sp>
+      <p:sp>
+        <p:nvSpPr>
+          <p:cNvPr id="22" name="Tekstvak 21"/>
+          <p:cNvSpPr txBox="1"/>
+          <p:nvPr/>
+        </p:nvSpPr>
+        <p:spPr>
+          <a:xfrm>
+            <a:off x="5022605" y="3107012"/>
+            <a:ext cx="1182563" cy="253916"/>
+          </a:xfrm>
+          <a:prstGeom prst="rect">
+            <a:avLst/>
+          </a:prstGeom>
+          <a:noFill/>
+        </p:spPr>
+        <p:txBody>
+          <a:bodyPr wrap="square" rtlCol="0">
+            <a:spAutoFit/>
+          </a:bodyPr>
+          <a:lstStyle/>
+          <a:p>
+            <a:r>
+              <a:rPr lang="nl-BE" sz="1050" dirty="0"/>
+              <a:t>Titel</a:t>
+            </a:r>
+          </a:p>
+        </p:txBody>
+      </p:sp>
+      <p:sp>
+        <p:nvSpPr>
+          <p:cNvPr id="23" name="Tekstvak 22"/>
+          <p:cNvSpPr txBox="1"/>
+          <p:nvPr/>
+        </p:nvSpPr>
+        <p:spPr>
+          <a:xfrm>
+            <a:off x="6284298" y="3107012"/>
+            <a:ext cx="1182563" cy="253916"/>
+          </a:xfrm>
+          <a:prstGeom prst="rect">
+            <a:avLst/>
+          </a:prstGeom>
+          <a:noFill/>
+        </p:spPr>
+        <p:txBody>
+          <a:bodyPr wrap="square" rtlCol="0">
+            <a:spAutoFit/>
+          </a:bodyPr>
+          <a:lstStyle/>
+          <a:p>
+            <a:r>
+              <a:rPr lang="nl-BE" sz="1050" dirty="0"/>
+              <a:t>Titel </a:t>
+            </a:r>
+          </a:p>
+        </p:txBody>
+      </p:sp>
+      <p:sp>
+        <p:nvSpPr>
+          <p:cNvPr id="24" name="Tekstvak 23"/>
+          <p:cNvSpPr txBox="1"/>
+          <p:nvPr/>
+        </p:nvSpPr>
+        <p:spPr>
+          <a:xfrm>
+            <a:off x="4985244" y="4092870"/>
+            <a:ext cx="1182563" cy="253916"/>
+          </a:xfrm>
+          <a:prstGeom prst="rect">
+            <a:avLst/>
+          </a:prstGeom>
+          <a:noFill/>
+        </p:spPr>
+        <p:txBody>
+          <a:bodyPr wrap="square" rtlCol="0">
+            <a:spAutoFit/>
+          </a:bodyPr>
+          <a:lstStyle/>
+          <a:p>
+            <a:r>
+              <a:rPr lang="nl-BE" sz="1050" dirty="0"/>
+              <a:t>Titel</a:t>
+            </a:r>
+          </a:p>
+        </p:txBody>
+      </p:sp>
+      <p:sp>
+        <p:nvSpPr>
+          <p:cNvPr id="25" name="Tekstvak 24"/>
+          <p:cNvSpPr txBox="1"/>
+          <p:nvPr/>
+        </p:nvSpPr>
+        <p:spPr>
+          <a:xfrm>
+            <a:off x="6240337" y="4078000"/>
+            <a:ext cx="1182563" cy="253916"/>
+          </a:xfrm>
+          <a:prstGeom prst="rect">
+            <a:avLst/>
+          </a:prstGeom>
+          <a:noFill/>
+        </p:spPr>
+        <p:txBody>
+          <a:bodyPr wrap="square" rtlCol="0">
+            <a:spAutoFit/>
+          </a:bodyPr>
+          <a:lstStyle/>
+          <a:p>
+            <a:r>
+              <a:rPr lang="nl-BE" sz="1050" dirty="0"/>
+              <a:t>Titel </a:t>
+            </a:r>
+          </a:p>
+        </p:txBody>
+      </p:sp>
+      <p:sp>
+        <p:nvSpPr>
+          <p:cNvPr id="26" name="Tekstvak 25"/>
+          <p:cNvSpPr txBox="1"/>
+          <p:nvPr/>
+        </p:nvSpPr>
+        <p:spPr>
+          <a:xfrm>
+            <a:off x="4303835" y="6154615"/>
+            <a:ext cx="3226777" cy="369277"/>
+          </a:xfrm>
+          <a:prstGeom prst="rect">
+            <a:avLst/>
+          </a:prstGeom>
+          <a:noFill/>
+        </p:spPr>
+        <p:txBody>
+          <a:bodyPr wrap="square" rtlCol="0">
+            <a:spAutoFit/>
+          </a:bodyPr>
+          <a:lstStyle/>
+          <a:p>
+            <a:r>
+              <a:rPr lang="nl-BE" dirty="0"/>
+              <a:t>© Stephen Lanszweert 2017</a:t>
+            </a:r>
+          </a:p>
+        </p:txBody>
+      </p:sp>
+      <p:sp>
+        <p:nvSpPr>
+          <p:cNvPr id="2" name="Rechthoek 1"/>
+          <p:cNvSpPr/>
+          <p:nvPr/>
+        </p:nvSpPr>
+        <p:spPr>
+          <a:xfrm>
+            <a:off x="4196126" y="1567266"/>
+            <a:ext cx="3433397" cy="2297773"/>
+          </a:xfrm>
+          <a:prstGeom prst="rect">
+            <a:avLst/>
+          </a:prstGeom>
+        </p:spPr>
+        <p:style>
+          <a:lnRef idx="2">
+            <a:schemeClr val="accent1">
+              <a:shade val="50000"/>
+            </a:schemeClr>
+          </a:lnRef>
+          <a:fillRef idx="1">
+            <a:schemeClr val="accent1"/>
+          </a:fillRef>
+          <a:effectRef idx="0">
+            <a:schemeClr val="accent1"/>
+          </a:effectRef>
+          <a:fontRef idx="minor">
+            <a:schemeClr val="lt1"/>
+          </a:fontRef>
+        </p:style>
+        <p:txBody>
+          <a:bodyPr rtlCol="0" anchor="ctr"/>
+          <a:lstStyle/>
+          <a:p>
+            <a:pPr algn="ctr"/>
+            <a:r>
+              <a:rPr lang="nl-BE" dirty="0"/>
+              <a:t>Foto uitvergroot</a:t>
+            </a:r>
+          </a:p>
+        </p:txBody>
+      </p:sp>
+      <p:sp>
+        <p:nvSpPr>
+          <p:cNvPr id="3" name="Tekstvak 2"/>
+          <p:cNvSpPr txBox="1"/>
+          <p:nvPr/>
+        </p:nvSpPr>
+        <p:spPr>
+          <a:xfrm>
+            <a:off x="4765427" y="4903470"/>
+            <a:ext cx="2344033" cy="646331"/>
+          </a:xfrm>
+          <a:prstGeom prst="rect">
+            <a:avLst/>
+          </a:prstGeom>
+          <a:noFill/>
+        </p:spPr>
+        <p:txBody>
+          <a:bodyPr wrap="square" rtlCol="0">
+            <a:spAutoFit/>
+          </a:bodyPr>
+          <a:lstStyle/>
+          <a:p>
+            <a:r>
+              <a:rPr lang="nl-BE" dirty="0"/>
+              <a:t>Info over auteur en titel en locatie</a:t>
+            </a:r>
+          </a:p>
+        </p:txBody>
+      </p:sp>
+    </p:spTree>
+    <p:extLst>
+      <p:ext uri="{BB962C8B-B14F-4D97-AF65-F5344CB8AC3E}">
+        <p14:creationId xmlns:p14="http://schemas.microsoft.com/office/powerpoint/2010/main" val="3891078918"/>
       </p:ext>
     </p:extLst>
   </p:cSld>
@@ -10013,7 +10914,9 @@
       </p:sp>
       <p:sp>
         <p:nvSpPr>
-          <p:cNvPr id="27" name="Rechthoek 26"/>
+          <p:cNvPr id="27" name="Rechthoek 26">
+            <a:hlinkClick r:id="rId3" action="ppaction://hlinksldjump"/>
+          </p:cNvPr>
           <p:cNvSpPr/>
           <p:nvPr/>
         </p:nvSpPr>
